--- a/MaxEntPosTag/最大熵模型.pptx
+++ b/MaxEntPosTag/最大熵模型.pptx
@@ -6,10 +6,11 @@
   </p:sldMasterIdLst>
   <p:sldIdLst>
     <p:sldId id="256" r:id="rId2"/>
-    <p:sldId id="257" r:id="rId3"/>
-    <p:sldId id="258" r:id="rId4"/>
-    <p:sldId id="259" r:id="rId5"/>
-    <p:sldId id="260" r:id="rId6"/>
+    <p:sldId id="261" r:id="rId3"/>
+    <p:sldId id="262" r:id="rId4"/>
+    <p:sldId id="258" r:id="rId5"/>
+    <p:sldId id="259" r:id="rId6"/>
+    <p:sldId id="260" r:id="rId7"/>
   </p:sldIdLst>
   <p:sldSz cx="12192000" cy="6858000"/>
   <p:notesSz cx="6858000" cy="9144000"/>
@@ -108,6 +109,11 @@
       </a:defRPr>
     </a:lvl9pPr>
   </p:defaultTextStyle>
+  <p:extLst>
+    <p:ext uri="{EFAFB233-063F-42B5-8137-9DF3F51BA10A}">
+      <p15:sldGuideLst xmlns:p15="http://schemas.microsoft.com/office/powerpoint/2012/main"/>
+    </p:ext>
+  </p:extLst>
 </p:presentation>
 </file>
 
@@ -133,7 +139,7 @@
           <p:cNvPr id="2" name="标题 1">
             <a:extLst>
               <a:ext uri="{FF2B5EF4-FFF2-40B4-BE49-F238E27FC236}">
-                <a16:creationId xmlns:a16="http://schemas.microsoft.com/office/drawing/2014/main" id="{2F1EC56E-EF22-49F4-98D0-741524669679}"/>
+                <a16:creationId xmlns:a16="http://schemas.microsoft.com/office/drawing/2014/main" xmlns="" id="{2F1EC56E-EF22-49F4-98D0-741524669679}"/>
               </a:ext>
             </a:extLst>
           </p:cNvPr>
@@ -170,7 +176,7 @@
           <p:cNvPr id="3" name="副标题 2">
             <a:extLst>
               <a:ext uri="{FF2B5EF4-FFF2-40B4-BE49-F238E27FC236}">
-                <a16:creationId xmlns:a16="http://schemas.microsoft.com/office/drawing/2014/main" id="{D1C1AAA0-5F41-4C15-8F71-A8B34E35CBCD}"/>
+                <a16:creationId xmlns:a16="http://schemas.microsoft.com/office/drawing/2014/main" xmlns="" id="{D1C1AAA0-5F41-4C15-8F71-A8B34E35CBCD}"/>
               </a:ext>
             </a:extLst>
           </p:cNvPr>
@@ -240,7 +246,7 @@
           <p:cNvPr id="4" name="日期占位符 3">
             <a:extLst>
               <a:ext uri="{FF2B5EF4-FFF2-40B4-BE49-F238E27FC236}">
-                <a16:creationId xmlns:a16="http://schemas.microsoft.com/office/drawing/2014/main" id="{78F5699A-45C8-489B-B26B-5C831DAF4A96}"/>
+                <a16:creationId xmlns:a16="http://schemas.microsoft.com/office/drawing/2014/main" xmlns="" id="{78F5699A-45C8-489B-B26B-5C831DAF4A96}"/>
               </a:ext>
             </a:extLst>
           </p:cNvPr>
@@ -258,7 +264,7 @@
           <a:p>
             <a:fld id="{9D586CC8-5FE8-4F7D-984E-3E1A9BA07916}" type="datetimeFigureOut">
               <a:rPr lang="zh-CN" altLang="en-US" smtClean="0"/>
-              <a:t>2019/10/12</a:t>
+              <a:t>2019/11/26</a:t>
             </a:fld>
             <a:endParaRPr lang="zh-CN" altLang="en-US"/>
           </a:p>
@@ -269,7 +275,7 @@
           <p:cNvPr id="5" name="页脚占位符 4">
             <a:extLst>
               <a:ext uri="{FF2B5EF4-FFF2-40B4-BE49-F238E27FC236}">
-                <a16:creationId xmlns:a16="http://schemas.microsoft.com/office/drawing/2014/main" id="{4096700A-54A7-4FAC-8957-EAB5B1192DE4}"/>
+                <a16:creationId xmlns:a16="http://schemas.microsoft.com/office/drawing/2014/main" xmlns="" id="{4096700A-54A7-4FAC-8957-EAB5B1192DE4}"/>
               </a:ext>
             </a:extLst>
           </p:cNvPr>
@@ -294,7 +300,7 @@
           <p:cNvPr id="6" name="灯片编号占位符 5">
             <a:extLst>
               <a:ext uri="{FF2B5EF4-FFF2-40B4-BE49-F238E27FC236}">
-                <a16:creationId xmlns:a16="http://schemas.microsoft.com/office/drawing/2014/main" id="{7614BD41-C2BB-406F-9297-7DB1B1E5EAFF}"/>
+                <a16:creationId xmlns:a16="http://schemas.microsoft.com/office/drawing/2014/main" xmlns="" id="{7614BD41-C2BB-406F-9297-7DB1B1E5EAFF}"/>
               </a:ext>
             </a:extLst>
           </p:cNvPr>
@@ -353,7 +359,7 @@
           <p:cNvPr id="2" name="标题 1">
             <a:extLst>
               <a:ext uri="{FF2B5EF4-FFF2-40B4-BE49-F238E27FC236}">
-                <a16:creationId xmlns:a16="http://schemas.microsoft.com/office/drawing/2014/main" id="{9590B87B-220C-4079-A31E-1B167E2C6D40}"/>
+                <a16:creationId xmlns:a16="http://schemas.microsoft.com/office/drawing/2014/main" xmlns="" id="{9590B87B-220C-4079-A31E-1B167E2C6D40}"/>
               </a:ext>
             </a:extLst>
           </p:cNvPr>
@@ -381,7 +387,7 @@
           <p:cNvPr id="3" name="竖排文字占位符 2">
             <a:extLst>
               <a:ext uri="{FF2B5EF4-FFF2-40B4-BE49-F238E27FC236}">
-                <a16:creationId xmlns:a16="http://schemas.microsoft.com/office/drawing/2014/main" id="{47BBCF23-7E18-469B-8FC7-E72FEF85D9ED}"/>
+                <a16:creationId xmlns:a16="http://schemas.microsoft.com/office/drawing/2014/main" xmlns="" id="{47BBCF23-7E18-469B-8FC7-E72FEF85D9ED}"/>
               </a:ext>
             </a:extLst>
           </p:cNvPr>
@@ -438,7 +444,7 @@
           <p:cNvPr id="4" name="日期占位符 3">
             <a:extLst>
               <a:ext uri="{FF2B5EF4-FFF2-40B4-BE49-F238E27FC236}">
-                <a16:creationId xmlns:a16="http://schemas.microsoft.com/office/drawing/2014/main" id="{12E19C9E-6E3D-44A0-883D-4B83BF9B1693}"/>
+                <a16:creationId xmlns:a16="http://schemas.microsoft.com/office/drawing/2014/main" xmlns="" id="{12E19C9E-6E3D-44A0-883D-4B83BF9B1693}"/>
               </a:ext>
             </a:extLst>
           </p:cNvPr>
@@ -456,7 +462,7 @@
           <a:p>
             <a:fld id="{9D586CC8-5FE8-4F7D-984E-3E1A9BA07916}" type="datetimeFigureOut">
               <a:rPr lang="zh-CN" altLang="en-US" smtClean="0"/>
-              <a:t>2019/10/12</a:t>
+              <a:t>2019/11/26</a:t>
             </a:fld>
             <a:endParaRPr lang="zh-CN" altLang="en-US"/>
           </a:p>
@@ -467,7 +473,7 @@
           <p:cNvPr id="5" name="页脚占位符 4">
             <a:extLst>
               <a:ext uri="{FF2B5EF4-FFF2-40B4-BE49-F238E27FC236}">
-                <a16:creationId xmlns:a16="http://schemas.microsoft.com/office/drawing/2014/main" id="{750DB086-7181-4A3E-8778-11554A369510}"/>
+                <a16:creationId xmlns:a16="http://schemas.microsoft.com/office/drawing/2014/main" xmlns="" id="{750DB086-7181-4A3E-8778-11554A369510}"/>
               </a:ext>
             </a:extLst>
           </p:cNvPr>
@@ -492,7 +498,7 @@
           <p:cNvPr id="6" name="灯片编号占位符 5">
             <a:extLst>
               <a:ext uri="{FF2B5EF4-FFF2-40B4-BE49-F238E27FC236}">
-                <a16:creationId xmlns:a16="http://schemas.microsoft.com/office/drawing/2014/main" id="{E917B64E-AE1A-4940-8369-2404A1D3C7A1}"/>
+                <a16:creationId xmlns:a16="http://schemas.microsoft.com/office/drawing/2014/main" xmlns="" id="{E917B64E-AE1A-4940-8369-2404A1D3C7A1}"/>
               </a:ext>
             </a:extLst>
           </p:cNvPr>
@@ -551,7 +557,7 @@
           <p:cNvPr id="2" name="竖排标题 1">
             <a:extLst>
               <a:ext uri="{FF2B5EF4-FFF2-40B4-BE49-F238E27FC236}">
-                <a16:creationId xmlns:a16="http://schemas.microsoft.com/office/drawing/2014/main" id="{00CF95E6-CAEF-4704-B895-3F5931888CF3}"/>
+                <a16:creationId xmlns:a16="http://schemas.microsoft.com/office/drawing/2014/main" xmlns="" id="{00CF95E6-CAEF-4704-B895-3F5931888CF3}"/>
               </a:ext>
             </a:extLst>
           </p:cNvPr>
@@ -584,7 +590,7 @@
           <p:cNvPr id="3" name="竖排文字占位符 2">
             <a:extLst>
               <a:ext uri="{FF2B5EF4-FFF2-40B4-BE49-F238E27FC236}">
-                <a16:creationId xmlns:a16="http://schemas.microsoft.com/office/drawing/2014/main" id="{C008E49D-4005-4BE2-98A3-8FBF41713BDA}"/>
+                <a16:creationId xmlns:a16="http://schemas.microsoft.com/office/drawing/2014/main" xmlns="" id="{C008E49D-4005-4BE2-98A3-8FBF41713BDA}"/>
               </a:ext>
             </a:extLst>
           </p:cNvPr>
@@ -646,7 +652,7 @@
           <p:cNvPr id="4" name="日期占位符 3">
             <a:extLst>
               <a:ext uri="{FF2B5EF4-FFF2-40B4-BE49-F238E27FC236}">
-                <a16:creationId xmlns:a16="http://schemas.microsoft.com/office/drawing/2014/main" id="{AE353E33-994F-4FCF-9DA5-4BB638E2EFE4}"/>
+                <a16:creationId xmlns:a16="http://schemas.microsoft.com/office/drawing/2014/main" xmlns="" id="{AE353E33-994F-4FCF-9DA5-4BB638E2EFE4}"/>
               </a:ext>
             </a:extLst>
           </p:cNvPr>
@@ -664,7 +670,7 @@
           <a:p>
             <a:fld id="{9D586CC8-5FE8-4F7D-984E-3E1A9BA07916}" type="datetimeFigureOut">
               <a:rPr lang="zh-CN" altLang="en-US" smtClean="0"/>
-              <a:t>2019/10/12</a:t>
+              <a:t>2019/11/26</a:t>
             </a:fld>
             <a:endParaRPr lang="zh-CN" altLang="en-US"/>
           </a:p>
@@ -675,7 +681,7 @@
           <p:cNvPr id="5" name="页脚占位符 4">
             <a:extLst>
               <a:ext uri="{FF2B5EF4-FFF2-40B4-BE49-F238E27FC236}">
-                <a16:creationId xmlns:a16="http://schemas.microsoft.com/office/drawing/2014/main" id="{1263BC31-F53B-43F6-B64D-233D6FBEFC3A}"/>
+                <a16:creationId xmlns:a16="http://schemas.microsoft.com/office/drawing/2014/main" xmlns="" id="{1263BC31-F53B-43F6-B64D-233D6FBEFC3A}"/>
               </a:ext>
             </a:extLst>
           </p:cNvPr>
@@ -700,7 +706,7 @@
           <p:cNvPr id="6" name="灯片编号占位符 5">
             <a:extLst>
               <a:ext uri="{FF2B5EF4-FFF2-40B4-BE49-F238E27FC236}">
-                <a16:creationId xmlns:a16="http://schemas.microsoft.com/office/drawing/2014/main" id="{36522C67-D375-4841-B920-1893E2A6031D}"/>
+                <a16:creationId xmlns:a16="http://schemas.microsoft.com/office/drawing/2014/main" xmlns="" id="{36522C67-D375-4841-B920-1893E2A6031D}"/>
               </a:ext>
             </a:extLst>
           </p:cNvPr>
@@ -759,7 +765,7 @@
           <p:cNvPr id="2" name="标题 1">
             <a:extLst>
               <a:ext uri="{FF2B5EF4-FFF2-40B4-BE49-F238E27FC236}">
-                <a16:creationId xmlns:a16="http://schemas.microsoft.com/office/drawing/2014/main" id="{5062EA3D-5C3F-430D-96DA-63512AE31F0A}"/>
+                <a16:creationId xmlns:a16="http://schemas.microsoft.com/office/drawing/2014/main" xmlns="" id="{5062EA3D-5C3F-430D-96DA-63512AE31F0A}"/>
               </a:ext>
             </a:extLst>
           </p:cNvPr>
@@ -787,7 +793,7 @@
           <p:cNvPr id="3" name="内容占位符 2">
             <a:extLst>
               <a:ext uri="{FF2B5EF4-FFF2-40B4-BE49-F238E27FC236}">
-                <a16:creationId xmlns:a16="http://schemas.microsoft.com/office/drawing/2014/main" id="{00742E17-D339-4289-A068-65A0A4ACEA6A}"/>
+                <a16:creationId xmlns:a16="http://schemas.microsoft.com/office/drawing/2014/main" xmlns="" id="{00742E17-D339-4289-A068-65A0A4ACEA6A}"/>
               </a:ext>
             </a:extLst>
           </p:cNvPr>
@@ -844,7 +850,7 @@
           <p:cNvPr id="4" name="日期占位符 3">
             <a:extLst>
               <a:ext uri="{FF2B5EF4-FFF2-40B4-BE49-F238E27FC236}">
-                <a16:creationId xmlns:a16="http://schemas.microsoft.com/office/drawing/2014/main" id="{3FEC6A38-E60C-498F-B3A8-5F1AD8936C95}"/>
+                <a16:creationId xmlns:a16="http://schemas.microsoft.com/office/drawing/2014/main" xmlns="" id="{3FEC6A38-E60C-498F-B3A8-5F1AD8936C95}"/>
               </a:ext>
             </a:extLst>
           </p:cNvPr>
@@ -862,7 +868,7 @@
           <a:p>
             <a:fld id="{9D586CC8-5FE8-4F7D-984E-3E1A9BA07916}" type="datetimeFigureOut">
               <a:rPr lang="zh-CN" altLang="en-US" smtClean="0"/>
-              <a:t>2019/10/12</a:t>
+              <a:t>2019/11/26</a:t>
             </a:fld>
             <a:endParaRPr lang="zh-CN" altLang="en-US"/>
           </a:p>
@@ -873,7 +879,7 @@
           <p:cNvPr id="5" name="页脚占位符 4">
             <a:extLst>
               <a:ext uri="{FF2B5EF4-FFF2-40B4-BE49-F238E27FC236}">
-                <a16:creationId xmlns:a16="http://schemas.microsoft.com/office/drawing/2014/main" id="{E4FB91BE-B06E-4520-9516-2F824971A300}"/>
+                <a16:creationId xmlns:a16="http://schemas.microsoft.com/office/drawing/2014/main" xmlns="" id="{E4FB91BE-B06E-4520-9516-2F824971A300}"/>
               </a:ext>
             </a:extLst>
           </p:cNvPr>
@@ -898,7 +904,7 @@
           <p:cNvPr id="6" name="灯片编号占位符 5">
             <a:extLst>
               <a:ext uri="{FF2B5EF4-FFF2-40B4-BE49-F238E27FC236}">
-                <a16:creationId xmlns:a16="http://schemas.microsoft.com/office/drawing/2014/main" id="{C1BDC38A-2FDF-4998-91C5-E72C7ABE2F92}"/>
+                <a16:creationId xmlns:a16="http://schemas.microsoft.com/office/drawing/2014/main" xmlns="" id="{C1BDC38A-2FDF-4998-91C5-E72C7ABE2F92}"/>
               </a:ext>
             </a:extLst>
           </p:cNvPr>
@@ -957,7 +963,7 @@
           <p:cNvPr id="2" name="标题 1">
             <a:extLst>
               <a:ext uri="{FF2B5EF4-FFF2-40B4-BE49-F238E27FC236}">
-                <a16:creationId xmlns:a16="http://schemas.microsoft.com/office/drawing/2014/main" id="{0CE49C81-4C05-41F9-8D79-C692D4D19DAB}"/>
+                <a16:creationId xmlns:a16="http://schemas.microsoft.com/office/drawing/2014/main" xmlns="" id="{0CE49C81-4C05-41F9-8D79-C692D4D19DAB}"/>
               </a:ext>
             </a:extLst>
           </p:cNvPr>
@@ -994,7 +1000,7 @@
           <p:cNvPr id="3" name="文本占位符 2">
             <a:extLst>
               <a:ext uri="{FF2B5EF4-FFF2-40B4-BE49-F238E27FC236}">
-                <a16:creationId xmlns:a16="http://schemas.microsoft.com/office/drawing/2014/main" id="{72FAC54B-D5C4-42BD-BE51-5C65B55A403C}"/>
+                <a16:creationId xmlns:a16="http://schemas.microsoft.com/office/drawing/2014/main" xmlns="" id="{72FAC54B-D5C4-42BD-BE51-5C65B55A403C}"/>
               </a:ext>
             </a:extLst>
           </p:cNvPr>
@@ -1119,7 +1125,7 @@
           <p:cNvPr id="4" name="日期占位符 3">
             <a:extLst>
               <a:ext uri="{FF2B5EF4-FFF2-40B4-BE49-F238E27FC236}">
-                <a16:creationId xmlns:a16="http://schemas.microsoft.com/office/drawing/2014/main" id="{EB11E3EF-2349-4A05-B692-D493F8D56B9B}"/>
+                <a16:creationId xmlns:a16="http://schemas.microsoft.com/office/drawing/2014/main" xmlns="" id="{EB11E3EF-2349-4A05-B692-D493F8D56B9B}"/>
               </a:ext>
             </a:extLst>
           </p:cNvPr>
@@ -1137,7 +1143,7 @@
           <a:p>
             <a:fld id="{9D586CC8-5FE8-4F7D-984E-3E1A9BA07916}" type="datetimeFigureOut">
               <a:rPr lang="zh-CN" altLang="en-US" smtClean="0"/>
-              <a:t>2019/10/12</a:t>
+              <a:t>2019/11/26</a:t>
             </a:fld>
             <a:endParaRPr lang="zh-CN" altLang="en-US"/>
           </a:p>
@@ -1148,7 +1154,7 @@
           <p:cNvPr id="5" name="页脚占位符 4">
             <a:extLst>
               <a:ext uri="{FF2B5EF4-FFF2-40B4-BE49-F238E27FC236}">
-                <a16:creationId xmlns:a16="http://schemas.microsoft.com/office/drawing/2014/main" id="{66F43BB2-3D6B-44CB-96FB-E5CA89B203F8}"/>
+                <a16:creationId xmlns:a16="http://schemas.microsoft.com/office/drawing/2014/main" xmlns="" id="{66F43BB2-3D6B-44CB-96FB-E5CA89B203F8}"/>
               </a:ext>
             </a:extLst>
           </p:cNvPr>
@@ -1173,7 +1179,7 @@
           <p:cNvPr id="6" name="灯片编号占位符 5">
             <a:extLst>
               <a:ext uri="{FF2B5EF4-FFF2-40B4-BE49-F238E27FC236}">
-                <a16:creationId xmlns:a16="http://schemas.microsoft.com/office/drawing/2014/main" id="{1DCD8C69-ADD0-49A4-905F-07316E6674DB}"/>
+                <a16:creationId xmlns:a16="http://schemas.microsoft.com/office/drawing/2014/main" xmlns="" id="{1DCD8C69-ADD0-49A4-905F-07316E6674DB}"/>
               </a:ext>
             </a:extLst>
           </p:cNvPr>
@@ -1232,7 +1238,7 @@
           <p:cNvPr id="2" name="标题 1">
             <a:extLst>
               <a:ext uri="{FF2B5EF4-FFF2-40B4-BE49-F238E27FC236}">
-                <a16:creationId xmlns:a16="http://schemas.microsoft.com/office/drawing/2014/main" id="{67BC83DE-FDCB-4D67-9CA0-6F5A96650032}"/>
+                <a16:creationId xmlns:a16="http://schemas.microsoft.com/office/drawing/2014/main" xmlns="" id="{67BC83DE-FDCB-4D67-9CA0-6F5A96650032}"/>
               </a:ext>
             </a:extLst>
           </p:cNvPr>
@@ -1260,7 +1266,7 @@
           <p:cNvPr id="3" name="内容占位符 2">
             <a:extLst>
               <a:ext uri="{FF2B5EF4-FFF2-40B4-BE49-F238E27FC236}">
-                <a16:creationId xmlns:a16="http://schemas.microsoft.com/office/drawing/2014/main" id="{7548FADC-E57F-47B9-A197-A2282315089D}"/>
+                <a16:creationId xmlns:a16="http://schemas.microsoft.com/office/drawing/2014/main" xmlns="" id="{7548FADC-E57F-47B9-A197-A2282315089D}"/>
               </a:ext>
             </a:extLst>
           </p:cNvPr>
@@ -1322,7 +1328,7 @@
           <p:cNvPr id="4" name="内容占位符 3">
             <a:extLst>
               <a:ext uri="{FF2B5EF4-FFF2-40B4-BE49-F238E27FC236}">
-                <a16:creationId xmlns:a16="http://schemas.microsoft.com/office/drawing/2014/main" id="{F616B3AD-FE94-4856-B9C0-C08322E5506A}"/>
+                <a16:creationId xmlns:a16="http://schemas.microsoft.com/office/drawing/2014/main" xmlns="" id="{F616B3AD-FE94-4856-B9C0-C08322E5506A}"/>
               </a:ext>
             </a:extLst>
           </p:cNvPr>
@@ -1384,7 +1390,7 @@
           <p:cNvPr id="5" name="日期占位符 4">
             <a:extLst>
               <a:ext uri="{FF2B5EF4-FFF2-40B4-BE49-F238E27FC236}">
-                <a16:creationId xmlns:a16="http://schemas.microsoft.com/office/drawing/2014/main" id="{1F4BD7F7-ED73-4157-B73A-93C5A7226258}"/>
+                <a16:creationId xmlns:a16="http://schemas.microsoft.com/office/drawing/2014/main" xmlns="" id="{1F4BD7F7-ED73-4157-B73A-93C5A7226258}"/>
               </a:ext>
             </a:extLst>
           </p:cNvPr>
@@ -1402,7 +1408,7 @@
           <a:p>
             <a:fld id="{9D586CC8-5FE8-4F7D-984E-3E1A9BA07916}" type="datetimeFigureOut">
               <a:rPr lang="zh-CN" altLang="en-US" smtClean="0"/>
-              <a:t>2019/10/12</a:t>
+              <a:t>2019/11/26</a:t>
             </a:fld>
             <a:endParaRPr lang="zh-CN" altLang="en-US"/>
           </a:p>
@@ -1413,7 +1419,7 @@
           <p:cNvPr id="6" name="页脚占位符 5">
             <a:extLst>
               <a:ext uri="{FF2B5EF4-FFF2-40B4-BE49-F238E27FC236}">
-                <a16:creationId xmlns:a16="http://schemas.microsoft.com/office/drawing/2014/main" id="{8E9D3907-577C-48A5-B958-C3821A3F8182}"/>
+                <a16:creationId xmlns:a16="http://schemas.microsoft.com/office/drawing/2014/main" xmlns="" id="{8E9D3907-577C-48A5-B958-C3821A3F8182}"/>
               </a:ext>
             </a:extLst>
           </p:cNvPr>
@@ -1438,7 +1444,7 @@
           <p:cNvPr id="7" name="灯片编号占位符 6">
             <a:extLst>
               <a:ext uri="{FF2B5EF4-FFF2-40B4-BE49-F238E27FC236}">
-                <a16:creationId xmlns:a16="http://schemas.microsoft.com/office/drawing/2014/main" id="{E7C1D863-E7C6-4690-921D-9E5D5A7116B1}"/>
+                <a16:creationId xmlns:a16="http://schemas.microsoft.com/office/drawing/2014/main" xmlns="" id="{E7C1D863-E7C6-4690-921D-9E5D5A7116B1}"/>
               </a:ext>
             </a:extLst>
           </p:cNvPr>
@@ -1497,7 +1503,7 @@
           <p:cNvPr id="2" name="标题 1">
             <a:extLst>
               <a:ext uri="{FF2B5EF4-FFF2-40B4-BE49-F238E27FC236}">
-                <a16:creationId xmlns:a16="http://schemas.microsoft.com/office/drawing/2014/main" id="{0D3F8348-3291-450F-BB09-91B626B7897A}"/>
+                <a16:creationId xmlns:a16="http://schemas.microsoft.com/office/drawing/2014/main" xmlns="" id="{0D3F8348-3291-450F-BB09-91B626B7897A}"/>
               </a:ext>
             </a:extLst>
           </p:cNvPr>
@@ -1530,7 +1536,7 @@
           <p:cNvPr id="3" name="文本占位符 2">
             <a:extLst>
               <a:ext uri="{FF2B5EF4-FFF2-40B4-BE49-F238E27FC236}">
-                <a16:creationId xmlns:a16="http://schemas.microsoft.com/office/drawing/2014/main" id="{A2CE56B9-A3C4-4EFE-B4C3-B2A31A032CDC}"/>
+                <a16:creationId xmlns:a16="http://schemas.microsoft.com/office/drawing/2014/main" xmlns="" id="{A2CE56B9-A3C4-4EFE-B4C3-B2A31A032CDC}"/>
               </a:ext>
             </a:extLst>
           </p:cNvPr>
@@ -1601,7 +1607,7 @@
           <p:cNvPr id="4" name="内容占位符 3">
             <a:extLst>
               <a:ext uri="{FF2B5EF4-FFF2-40B4-BE49-F238E27FC236}">
-                <a16:creationId xmlns:a16="http://schemas.microsoft.com/office/drawing/2014/main" id="{EE5FB570-5E0B-4159-9ADF-5F24F04B0E9E}"/>
+                <a16:creationId xmlns:a16="http://schemas.microsoft.com/office/drawing/2014/main" xmlns="" id="{EE5FB570-5E0B-4159-9ADF-5F24F04B0E9E}"/>
               </a:ext>
             </a:extLst>
           </p:cNvPr>
@@ -1663,7 +1669,7 @@
           <p:cNvPr id="5" name="文本占位符 4">
             <a:extLst>
               <a:ext uri="{FF2B5EF4-FFF2-40B4-BE49-F238E27FC236}">
-                <a16:creationId xmlns:a16="http://schemas.microsoft.com/office/drawing/2014/main" id="{91B1B9E6-B00D-49BD-B5F4-ADF9692A60BA}"/>
+                <a16:creationId xmlns:a16="http://schemas.microsoft.com/office/drawing/2014/main" xmlns="" id="{91B1B9E6-B00D-49BD-B5F4-ADF9692A60BA}"/>
               </a:ext>
             </a:extLst>
           </p:cNvPr>
@@ -1734,7 +1740,7 @@
           <p:cNvPr id="6" name="内容占位符 5">
             <a:extLst>
               <a:ext uri="{FF2B5EF4-FFF2-40B4-BE49-F238E27FC236}">
-                <a16:creationId xmlns:a16="http://schemas.microsoft.com/office/drawing/2014/main" id="{6EBC87A0-884E-4F50-B9C9-B59AE1556D0C}"/>
+                <a16:creationId xmlns:a16="http://schemas.microsoft.com/office/drawing/2014/main" xmlns="" id="{6EBC87A0-884E-4F50-B9C9-B59AE1556D0C}"/>
               </a:ext>
             </a:extLst>
           </p:cNvPr>
@@ -1796,7 +1802,7 @@
           <p:cNvPr id="7" name="日期占位符 6">
             <a:extLst>
               <a:ext uri="{FF2B5EF4-FFF2-40B4-BE49-F238E27FC236}">
-                <a16:creationId xmlns:a16="http://schemas.microsoft.com/office/drawing/2014/main" id="{C2A16A5B-C061-4CAB-A979-81A20F3F881E}"/>
+                <a16:creationId xmlns:a16="http://schemas.microsoft.com/office/drawing/2014/main" xmlns="" id="{C2A16A5B-C061-4CAB-A979-81A20F3F881E}"/>
               </a:ext>
             </a:extLst>
           </p:cNvPr>
@@ -1814,7 +1820,7 @@
           <a:p>
             <a:fld id="{9D586CC8-5FE8-4F7D-984E-3E1A9BA07916}" type="datetimeFigureOut">
               <a:rPr lang="zh-CN" altLang="en-US" smtClean="0"/>
-              <a:t>2019/10/12</a:t>
+              <a:t>2019/11/26</a:t>
             </a:fld>
             <a:endParaRPr lang="zh-CN" altLang="en-US"/>
           </a:p>
@@ -1825,7 +1831,7 @@
           <p:cNvPr id="8" name="页脚占位符 7">
             <a:extLst>
               <a:ext uri="{FF2B5EF4-FFF2-40B4-BE49-F238E27FC236}">
-                <a16:creationId xmlns:a16="http://schemas.microsoft.com/office/drawing/2014/main" id="{229D5C85-D875-4852-BDD0-535845CB3233}"/>
+                <a16:creationId xmlns:a16="http://schemas.microsoft.com/office/drawing/2014/main" xmlns="" id="{229D5C85-D875-4852-BDD0-535845CB3233}"/>
               </a:ext>
             </a:extLst>
           </p:cNvPr>
@@ -1850,7 +1856,7 @@
           <p:cNvPr id="9" name="灯片编号占位符 8">
             <a:extLst>
               <a:ext uri="{FF2B5EF4-FFF2-40B4-BE49-F238E27FC236}">
-                <a16:creationId xmlns:a16="http://schemas.microsoft.com/office/drawing/2014/main" id="{A80C2575-D961-4137-A971-11D403DFAF1A}"/>
+                <a16:creationId xmlns:a16="http://schemas.microsoft.com/office/drawing/2014/main" xmlns="" id="{A80C2575-D961-4137-A971-11D403DFAF1A}"/>
               </a:ext>
             </a:extLst>
           </p:cNvPr>
@@ -1909,7 +1915,7 @@
           <p:cNvPr id="2" name="标题 1">
             <a:extLst>
               <a:ext uri="{FF2B5EF4-FFF2-40B4-BE49-F238E27FC236}">
-                <a16:creationId xmlns:a16="http://schemas.microsoft.com/office/drawing/2014/main" id="{4630EDA2-1F85-43A9-A5EC-14E7D8E060AA}"/>
+                <a16:creationId xmlns:a16="http://schemas.microsoft.com/office/drawing/2014/main" xmlns="" id="{4630EDA2-1F85-43A9-A5EC-14E7D8E060AA}"/>
               </a:ext>
             </a:extLst>
           </p:cNvPr>
@@ -1937,7 +1943,7 @@
           <p:cNvPr id="3" name="日期占位符 2">
             <a:extLst>
               <a:ext uri="{FF2B5EF4-FFF2-40B4-BE49-F238E27FC236}">
-                <a16:creationId xmlns:a16="http://schemas.microsoft.com/office/drawing/2014/main" id="{DE3357AC-D210-4792-AD66-101E8F93B7A9}"/>
+                <a16:creationId xmlns:a16="http://schemas.microsoft.com/office/drawing/2014/main" xmlns="" id="{DE3357AC-D210-4792-AD66-101E8F93B7A9}"/>
               </a:ext>
             </a:extLst>
           </p:cNvPr>
@@ -1955,7 +1961,7 @@
           <a:p>
             <a:fld id="{9D586CC8-5FE8-4F7D-984E-3E1A9BA07916}" type="datetimeFigureOut">
               <a:rPr lang="zh-CN" altLang="en-US" smtClean="0"/>
-              <a:t>2019/10/12</a:t>
+              <a:t>2019/11/26</a:t>
             </a:fld>
             <a:endParaRPr lang="zh-CN" altLang="en-US"/>
           </a:p>
@@ -1966,7 +1972,7 @@
           <p:cNvPr id="4" name="页脚占位符 3">
             <a:extLst>
               <a:ext uri="{FF2B5EF4-FFF2-40B4-BE49-F238E27FC236}">
-                <a16:creationId xmlns:a16="http://schemas.microsoft.com/office/drawing/2014/main" id="{A44139BE-D119-4CE9-B7FA-F09480D1A57A}"/>
+                <a16:creationId xmlns:a16="http://schemas.microsoft.com/office/drawing/2014/main" xmlns="" id="{A44139BE-D119-4CE9-B7FA-F09480D1A57A}"/>
               </a:ext>
             </a:extLst>
           </p:cNvPr>
@@ -1991,7 +1997,7 @@
           <p:cNvPr id="5" name="灯片编号占位符 4">
             <a:extLst>
               <a:ext uri="{FF2B5EF4-FFF2-40B4-BE49-F238E27FC236}">
-                <a16:creationId xmlns:a16="http://schemas.microsoft.com/office/drawing/2014/main" id="{8ACF43BC-59DF-4ABA-8707-AE75735D8E31}"/>
+                <a16:creationId xmlns:a16="http://schemas.microsoft.com/office/drawing/2014/main" xmlns="" id="{8ACF43BC-59DF-4ABA-8707-AE75735D8E31}"/>
               </a:ext>
             </a:extLst>
           </p:cNvPr>
@@ -2050,7 +2056,7 @@
           <p:cNvPr id="2" name="日期占位符 1">
             <a:extLst>
               <a:ext uri="{FF2B5EF4-FFF2-40B4-BE49-F238E27FC236}">
-                <a16:creationId xmlns:a16="http://schemas.microsoft.com/office/drawing/2014/main" id="{3D047D2B-88A2-4D8E-BD4F-34EDA8BB36EE}"/>
+                <a16:creationId xmlns:a16="http://schemas.microsoft.com/office/drawing/2014/main" xmlns="" id="{3D047D2B-88A2-4D8E-BD4F-34EDA8BB36EE}"/>
               </a:ext>
             </a:extLst>
           </p:cNvPr>
@@ -2068,7 +2074,7 @@
           <a:p>
             <a:fld id="{9D586CC8-5FE8-4F7D-984E-3E1A9BA07916}" type="datetimeFigureOut">
               <a:rPr lang="zh-CN" altLang="en-US" smtClean="0"/>
-              <a:t>2019/10/12</a:t>
+              <a:t>2019/11/26</a:t>
             </a:fld>
             <a:endParaRPr lang="zh-CN" altLang="en-US"/>
           </a:p>
@@ -2079,7 +2085,7 @@
           <p:cNvPr id="3" name="页脚占位符 2">
             <a:extLst>
               <a:ext uri="{FF2B5EF4-FFF2-40B4-BE49-F238E27FC236}">
-                <a16:creationId xmlns:a16="http://schemas.microsoft.com/office/drawing/2014/main" id="{981DEC8D-6A5D-4168-B91A-AC4ACBDAA459}"/>
+                <a16:creationId xmlns:a16="http://schemas.microsoft.com/office/drawing/2014/main" xmlns="" id="{981DEC8D-6A5D-4168-B91A-AC4ACBDAA459}"/>
               </a:ext>
             </a:extLst>
           </p:cNvPr>
@@ -2104,7 +2110,7 @@
           <p:cNvPr id="4" name="灯片编号占位符 3">
             <a:extLst>
               <a:ext uri="{FF2B5EF4-FFF2-40B4-BE49-F238E27FC236}">
-                <a16:creationId xmlns:a16="http://schemas.microsoft.com/office/drawing/2014/main" id="{840B8806-E577-4880-9028-D6118966629C}"/>
+                <a16:creationId xmlns:a16="http://schemas.microsoft.com/office/drawing/2014/main" xmlns="" id="{840B8806-E577-4880-9028-D6118966629C}"/>
               </a:ext>
             </a:extLst>
           </p:cNvPr>
@@ -2163,7 +2169,7 @@
           <p:cNvPr id="2" name="标题 1">
             <a:extLst>
               <a:ext uri="{FF2B5EF4-FFF2-40B4-BE49-F238E27FC236}">
-                <a16:creationId xmlns:a16="http://schemas.microsoft.com/office/drawing/2014/main" id="{6FB5D0B7-F600-429D-860B-ADA461EC50E9}"/>
+                <a16:creationId xmlns:a16="http://schemas.microsoft.com/office/drawing/2014/main" xmlns="" id="{6FB5D0B7-F600-429D-860B-ADA461EC50E9}"/>
               </a:ext>
             </a:extLst>
           </p:cNvPr>
@@ -2200,7 +2206,7 @@
           <p:cNvPr id="3" name="内容占位符 2">
             <a:extLst>
               <a:ext uri="{FF2B5EF4-FFF2-40B4-BE49-F238E27FC236}">
-                <a16:creationId xmlns:a16="http://schemas.microsoft.com/office/drawing/2014/main" id="{5E646035-438E-4ED5-A307-998C01B5B102}"/>
+                <a16:creationId xmlns:a16="http://schemas.microsoft.com/office/drawing/2014/main" xmlns="" id="{5E646035-438E-4ED5-A307-998C01B5B102}"/>
               </a:ext>
             </a:extLst>
           </p:cNvPr>
@@ -2290,7 +2296,7 @@
           <p:cNvPr id="4" name="文本占位符 3">
             <a:extLst>
               <a:ext uri="{FF2B5EF4-FFF2-40B4-BE49-F238E27FC236}">
-                <a16:creationId xmlns:a16="http://schemas.microsoft.com/office/drawing/2014/main" id="{CF823A2B-8F30-47F0-AD97-7235AD217DE2}"/>
+                <a16:creationId xmlns:a16="http://schemas.microsoft.com/office/drawing/2014/main" xmlns="" id="{CF823A2B-8F30-47F0-AD97-7235AD217DE2}"/>
               </a:ext>
             </a:extLst>
           </p:cNvPr>
@@ -2361,7 +2367,7 @@
           <p:cNvPr id="5" name="日期占位符 4">
             <a:extLst>
               <a:ext uri="{FF2B5EF4-FFF2-40B4-BE49-F238E27FC236}">
-                <a16:creationId xmlns:a16="http://schemas.microsoft.com/office/drawing/2014/main" id="{14634293-9D2F-419C-9267-9C62E0285E47}"/>
+                <a16:creationId xmlns:a16="http://schemas.microsoft.com/office/drawing/2014/main" xmlns="" id="{14634293-9D2F-419C-9267-9C62E0285E47}"/>
               </a:ext>
             </a:extLst>
           </p:cNvPr>
@@ -2379,7 +2385,7 @@
           <a:p>
             <a:fld id="{9D586CC8-5FE8-4F7D-984E-3E1A9BA07916}" type="datetimeFigureOut">
               <a:rPr lang="zh-CN" altLang="en-US" smtClean="0"/>
-              <a:t>2019/10/12</a:t>
+              <a:t>2019/11/26</a:t>
             </a:fld>
             <a:endParaRPr lang="zh-CN" altLang="en-US"/>
           </a:p>
@@ -2390,7 +2396,7 @@
           <p:cNvPr id="6" name="页脚占位符 5">
             <a:extLst>
               <a:ext uri="{FF2B5EF4-FFF2-40B4-BE49-F238E27FC236}">
-                <a16:creationId xmlns:a16="http://schemas.microsoft.com/office/drawing/2014/main" id="{B346FF9A-BBEF-465E-B6CC-3C2064FE2C34}"/>
+                <a16:creationId xmlns:a16="http://schemas.microsoft.com/office/drawing/2014/main" xmlns="" id="{B346FF9A-BBEF-465E-B6CC-3C2064FE2C34}"/>
               </a:ext>
             </a:extLst>
           </p:cNvPr>
@@ -2415,7 +2421,7 @@
           <p:cNvPr id="7" name="灯片编号占位符 6">
             <a:extLst>
               <a:ext uri="{FF2B5EF4-FFF2-40B4-BE49-F238E27FC236}">
-                <a16:creationId xmlns:a16="http://schemas.microsoft.com/office/drawing/2014/main" id="{7A8B7A23-E060-4AA3-9BF5-68202FF9D40D}"/>
+                <a16:creationId xmlns:a16="http://schemas.microsoft.com/office/drawing/2014/main" xmlns="" id="{7A8B7A23-E060-4AA3-9BF5-68202FF9D40D}"/>
               </a:ext>
             </a:extLst>
           </p:cNvPr>
@@ -2474,7 +2480,7 @@
           <p:cNvPr id="2" name="标题 1">
             <a:extLst>
               <a:ext uri="{FF2B5EF4-FFF2-40B4-BE49-F238E27FC236}">
-                <a16:creationId xmlns:a16="http://schemas.microsoft.com/office/drawing/2014/main" id="{8A64B344-5E65-45A9-9B68-F7161211F11D}"/>
+                <a16:creationId xmlns:a16="http://schemas.microsoft.com/office/drawing/2014/main" xmlns="" id="{8A64B344-5E65-45A9-9B68-F7161211F11D}"/>
               </a:ext>
             </a:extLst>
           </p:cNvPr>
@@ -2511,7 +2517,7 @@
           <p:cNvPr id="3" name="图片占位符 2">
             <a:extLst>
               <a:ext uri="{FF2B5EF4-FFF2-40B4-BE49-F238E27FC236}">
-                <a16:creationId xmlns:a16="http://schemas.microsoft.com/office/drawing/2014/main" id="{BC8B4C50-3CA0-4A15-87F4-BA14DABE1099}"/>
+                <a16:creationId xmlns:a16="http://schemas.microsoft.com/office/drawing/2014/main" xmlns="" id="{BC8B4C50-3CA0-4A15-87F4-BA14DABE1099}"/>
               </a:ext>
             </a:extLst>
           </p:cNvPr>
@@ -2578,7 +2584,7 @@
           <p:cNvPr id="4" name="文本占位符 3">
             <a:extLst>
               <a:ext uri="{FF2B5EF4-FFF2-40B4-BE49-F238E27FC236}">
-                <a16:creationId xmlns:a16="http://schemas.microsoft.com/office/drawing/2014/main" id="{38944B49-0F27-486C-B463-A862E736F700}"/>
+                <a16:creationId xmlns:a16="http://schemas.microsoft.com/office/drawing/2014/main" xmlns="" id="{38944B49-0F27-486C-B463-A862E736F700}"/>
               </a:ext>
             </a:extLst>
           </p:cNvPr>
@@ -2649,7 +2655,7 @@
           <p:cNvPr id="5" name="日期占位符 4">
             <a:extLst>
               <a:ext uri="{FF2B5EF4-FFF2-40B4-BE49-F238E27FC236}">
-                <a16:creationId xmlns:a16="http://schemas.microsoft.com/office/drawing/2014/main" id="{5FD70ABB-ED85-4C37-A56C-8169574DBFD8}"/>
+                <a16:creationId xmlns:a16="http://schemas.microsoft.com/office/drawing/2014/main" xmlns="" id="{5FD70ABB-ED85-4C37-A56C-8169574DBFD8}"/>
               </a:ext>
             </a:extLst>
           </p:cNvPr>
@@ -2667,7 +2673,7 @@
           <a:p>
             <a:fld id="{9D586CC8-5FE8-4F7D-984E-3E1A9BA07916}" type="datetimeFigureOut">
               <a:rPr lang="zh-CN" altLang="en-US" smtClean="0"/>
-              <a:t>2019/10/12</a:t>
+              <a:t>2019/11/26</a:t>
             </a:fld>
             <a:endParaRPr lang="zh-CN" altLang="en-US"/>
           </a:p>
@@ -2678,7 +2684,7 @@
           <p:cNvPr id="6" name="页脚占位符 5">
             <a:extLst>
               <a:ext uri="{FF2B5EF4-FFF2-40B4-BE49-F238E27FC236}">
-                <a16:creationId xmlns:a16="http://schemas.microsoft.com/office/drawing/2014/main" id="{31D63BC8-D05F-46BE-BC77-B35B7A569813}"/>
+                <a16:creationId xmlns:a16="http://schemas.microsoft.com/office/drawing/2014/main" xmlns="" id="{31D63BC8-D05F-46BE-BC77-B35B7A569813}"/>
               </a:ext>
             </a:extLst>
           </p:cNvPr>
@@ -2703,7 +2709,7 @@
           <p:cNvPr id="7" name="灯片编号占位符 6">
             <a:extLst>
               <a:ext uri="{FF2B5EF4-FFF2-40B4-BE49-F238E27FC236}">
-                <a16:creationId xmlns:a16="http://schemas.microsoft.com/office/drawing/2014/main" id="{D0231F7A-0AA0-481A-B254-D87638545AF7}"/>
+                <a16:creationId xmlns:a16="http://schemas.microsoft.com/office/drawing/2014/main" xmlns="" id="{D0231F7A-0AA0-481A-B254-D87638545AF7}"/>
               </a:ext>
             </a:extLst>
           </p:cNvPr>
@@ -2767,7 +2773,7 @@
           <p:cNvPr id="2" name="标题占位符 1">
             <a:extLst>
               <a:ext uri="{FF2B5EF4-FFF2-40B4-BE49-F238E27FC236}">
-                <a16:creationId xmlns:a16="http://schemas.microsoft.com/office/drawing/2014/main" id="{F13BA886-BDC5-4502-875B-FF8ADDC82A11}"/>
+                <a16:creationId xmlns:a16="http://schemas.microsoft.com/office/drawing/2014/main" xmlns="" id="{F13BA886-BDC5-4502-875B-FF8ADDC82A11}"/>
               </a:ext>
             </a:extLst>
           </p:cNvPr>
@@ -2805,7 +2811,7 @@
           <p:cNvPr id="3" name="文本占位符 2">
             <a:extLst>
               <a:ext uri="{FF2B5EF4-FFF2-40B4-BE49-F238E27FC236}">
-                <a16:creationId xmlns:a16="http://schemas.microsoft.com/office/drawing/2014/main" id="{DEE7686D-0C9B-43AA-98C6-FC4058B54249}"/>
+                <a16:creationId xmlns:a16="http://schemas.microsoft.com/office/drawing/2014/main" xmlns="" id="{DEE7686D-0C9B-43AA-98C6-FC4058B54249}"/>
               </a:ext>
             </a:extLst>
           </p:cNvPr>
@@ -2872,7 +2878,7 @@
           <p:cNvPr id="4" name="日期占位符 3">
             <a:extLst>
               <a:ext uri="{FF2B5EF4-FFF2-40B4-BE49-F238E27FC236}">
-                <a16:creationId xmlns:a16="http://schemas.microsoft.com/office/drawing/2014/main" id="{449D41C4-14F4-45E8-938A-D8867F797DB3}"/>
+                <a16:creationId xmlns:a16="http://schemas.microsoft.com/office/drawing/2014/main" xmlns="" id="{449D41C4-14F4-45E8-938A-D8867F797DB3}"/>
               </a:ext>
             </a:extLst>
           </p:cNvPr>
@@ -2908,7 +2914,7 @@
           <a:p>
             <a:fld id="{9D586CC8-5FE8-4F7D-984E-3E1A9BA07916}" type="datetimeFigureOut">
               <a:rPr lang="zh-CN" altLang="en-US" smtClean="0"/>
-              <a:t>2019/10/12</a:t>
+              <a:t>2019/11/26</a:t>
             </a:fld>
             <a:endParaRPr lang="zh-CN" altLang="en-US"/>
           </a:p>
@@ -2919,7 +2925,7 @@
           <p:cNvPr id="5" name="页脚占位符 4">
             <a:extLst>
               <a:ext uri="{FF2B5EF4-FFF2-40B4-BE49-F238E27FC236}">
-                <a16:creationId xmlns:a16="http://schemas.microsoft.com/office/drawing/2014/main" id="{9FA7F412-98CC-4D10-8E16-35B13C79C204}"/>
+                <a16:creationId xmlns:a16="http://schemas.microsoft.com/office/drawing/2014/main" xmlns="" id="{9FA7F412-98CC-4D10-8E16-35B13C79C204}"/>
               </a:ext>
             </a:extLst>
           </p:cNvPr>
@@ -2962,7 +2968,7 @@
           <p:cNvPr id="6" name="灯片编号占位符 5">
             <a:extLst>
               <a:ext uri="{FF2B5EF4-FFF2-40B4-BE49-F238E27FC236}">
-                <a16:creationId xmlns:a16="http://schemas.microsoft.com/office/drawing/2014/main" id="{EA87E0FE-F305-43C4-9095-C78F536827A0}"/>
+                <a16:creationId xmlns:a16="http://schemas.microsoft.com/office/drawing/2014/main" xmlns="" id="{EA87E0FE-F305-43C4-9095-C78F536827A0}"/>
               </a:ext>
             </a:extLst>
           </p:cNvPr>
@@ -3330,7 +3336,7 @@
           <p:cNvPr id="2" name="标题 1">
             <a:extLst>
               <a:ext uri="{FF2B5EF4-FFF2-40B4-BE49-F238E27FC236}">
-                <a16:creationId xmlns:a16="http://schemas.microsoft.com/office/drawing/2014/main" id="{C0C826F8-1DFE-4BB3-9D90-474662121688}"/>
+                <a16:creationId xmlns:a16="http://schemas.microsoft.com/office/drawing/2014/main" xmlns="" id="{C0C826F8-1DFE-4BB3-9D90-474662121688}"/>
               </a:ext>
             </a:extLst>
           </p:cNvPr>
@@ -3358,7 +3364,7 @@
           <p:cNvPr id="3" name="副标题 2">
             <a:extLst>
               <a:ext uri="{FF2B5EF4-FFF2-40B4-BE49-F238E27FC236}">
-                <a16:creationId xmlns:a16="http://schemas.microsoft.com/office/drawing/2014/main" id="{EEFFC433-A701-4BB9-85D5-CEFFA35C83A0}"/>
+                <a16:creationId xmlns:a16="http://schemas.microsoft.com/office/drawing/2014/main" xmlns="" id="{EEFFC433-A701-4BB9-85D5-CEFFA35C83A0}"/>
               </a:ext>
             </a:extLst>
           </p:cNvPr>
@@ -3433,13 +3439,7 @@
       </p:grpSpPr>
       <p:sp>
         <p:nvSpPr>
-          <p:cNvPr id="2" name="标题 1">
-            <a:extLst>
-              <a:ext uri="{FF2B5EF4-FFF2-40B4-BE49-F238E27FC236}">
-                <a16:creationId xmlns:a16="http://schemas.microsoft.com/office/drawing/2014/main" id="{FF831A17-3829-4CC9-B2D3-5857151F530F}"/>
-              </a:ext>
-            </a:extLst>
-          </p:cNvPr>
+          <p:cNvPr id="2" name="标题 1"/>
           <p:cNvSpPr>
             <a:spLocks noGrp="1"/>
           </p:cNvSpPr>
@@ -3453,9 +3453,10 @@
           <a:lstStyle/>
           <a:p>
             <a:r>
-              <a:rPr lang="zh-CN" altLang="en-US"/>
-              <a:t>最大熵模型核心思想</a:t>
-            </a:r>
+              <a:rPr kumimoji="1" lang="zh-CN" altLang="en-US" dirty="0" smtClean="0"/>
+              <a:t>什么是最大熵模型？核心思想是什么？</a:t>
+            </a:r>
+            <a:endParaRPr kumimoji="1" lang="zh-CN" altLang="en-US" dirty="0"/>
           </a:p>
         </p:txBody>
       </p:sp>
@@ -3463,13 +3464,7 @@
         <mc:Choice xmlns:a14="http://schemas.microsoft.com/office/drawing/2010/main" Requires="a14">
           <p:sp>
             <p:nvSpPr>
-              <p:cNvPr id="3" name="内容占位符 2">
-                <a:extLst>
-                  <a:ext uri="{FF2B5EF4-FFF2-40B4-BE49-F238E27FC236}">
-                    <a16:creationId xmlns:a16="http://schemas.microsoft.com/office/drawing/2014/main" id="{0CE65437-B4A0-43D6-9D11-D1F250F07139}"/>
-                  </a:ext>
-                </a:extLst>
-              </p:cNvPr>
+              <p:cNvPr id="3" name="内容占位符 2"/>
               <p:cNvSpPr>
                 <a:spLocks noGrp="1"/>
               </p:cNvSpPr>
@@ -3483,43 +3478,98 @@
               <a:lstStyle/>
               <a:p>
                 <a:r>
-                  <a:rPr lang="zh-CN" altLang="en-US"/>
+                  <a:rPr lang="zh-CN" altLang="zh-CN" dirty="0"/>
+                  <a:t>最大熵方法是</a:t>
+                </a:r>
+                <a:r>
+                  <a:rPr lang="en-US" altLang="zh-CN" dirty="0" err="1"/>
+                  <a:t>E.T.Jaynes</a:t>
+                </a:r>
+                <a:r>
+                  <a:rPr lang="zh-CN" altLang="zh-CN" dirty="0"/>
+                  <a:t>于</a:t>
+                </a:r>
+                <a:r>
+                  <a:rPr lang="en-US" altLang="zh-CN" dirty="0"/>
+                  <a:t>1957</a:t>
+                </a:r>
+                <a:r>
+                  <a:rPr lang="zh-CN" altLang="zh-CN" dirty="0"/>
+                  <a:t>年提出的，</a:t>
+                </a:r>
+                <a:r>
+                  <a:rPr lang="en-US" altLang="zh-CN" dirty="0"/>
+                  <a:t>1992</a:t>
+                </a:r>
+                <a:r>
+                  <a:rPr lang="zh-CN" altLang="zh-CN" dirty="0"/>
+                  <a:t>年首次被</a:t>
+                </a:r>
+                <a:r>
+                  <a:rPr lang="en-US" altLang="zh-CN" dirty="0"/>
+                  <a:t>Della </a:t>
+                </a:r>
+                <a:r>
+                  <a:rPr lang="en-US" altLang="zh-CN" dirty="0" err="1"/>
+                  <a:t>Pietra</a:t>
+                </a:r>
+                <a:r>
+                  <a:rPr lang="zh-CN" altLang="zh-CN" dirty="0"/>
+                  <a:t>运用于自然语言处理建模，并于</a:t>
+                </a:r>
+                <a:r>
+                  <a:rPr lang="en-US" altLang="zh-CN" dirty="0"/>
+                  <a:t>1996</a:t>
+                </a:r>
+                <a:r>
+                  <a:rPr lang="zh-CN" altLang="zh-CN" dirty="0"/>
+                  <a:t>年提出了一种利用最大熵方法将上下文中多信源特征集成起来建立语言模型的方法。最大熵原理指出，当我们需要对一个随机事件的概率分布进行预测时，我们的预测应当满足全部已知的条件，而对未知的情况不要做任何主观假设。在这种情况下，概率分布最均匀，预测的风险最小。因为这时概率分布的信息熵最大，所以人们把这种模型称为“最大熵模型”</a:t>
+                </a:r>
+                <a:r>
+                  <a:rPr lang="zh-CN" altLang="zh-CN" dirty="0" smtClean="0"/>
+                  <a:t>。</a:t>
+                </a:r>
+                <a:endParaRPr lang="en-US" altLang="zh-CN" dirty="0" smtClean="0"/>
+              </a:p>
+              <a:p>
+                <a:r>
+                  <a:rPr lang="zh-CN" altLang="en-US" dirty="0"/>
                   <a:t>在满足特征约束的条件下，定义在条件概率分布</a:t>
                 </a:r>
                 <a14:m>
                   <m:oMath xmlns:m="http://schemas.openxmlformats.org/officeDocument/2006/math">
                     <m:r>
-                      <a:rPr lang="en-US" altLang="zh-CN" b="0" i="1" smtClean="0">
+                      <a:rPr lang="en-US" altLang="zh-CN" i="1">
                         <a:latin typeface="Cambria Math" panose="02040503050406030204" pitchFamily="18" charset="0"/>
                       </a:rPr>
                       <m:t>𝑃</m:t>
                     </m:r>
                     <m:r>
-                      <a:rPr lang="en-US" altLang="zh-CN" b="0" i="1" smtClean="0">
+                      <a:rPr lang="en-US" altLang="zh-CN" i="1">
                         <a:latin typeface="Cambria Math" panose="02040503050406030204" pitchFamily="18" charset="0"/>
                       </a:rPr>
                       <m:t>(</m:t>
                     </m:r>
                     <m:r>
-                      <a:rPr lang="en-US" altLang="zh-CN" b="0" i="1" smtClean="0">
+                      <a:rPr lang="en-US" altLang="zh-CN" i="1">
                         <a:latin typeface="Cambria Math" panose="02040503050406030204" pitchFamily="18" charset="0"/>
                       </a:rPr>
                       <m:t>𝑌</m:t>
                     </m:r>
                     <m:r>
-                      <a:rPr lang="en-US" altLang="zh-CN" b="0" i="1" smtClean="0">
+                      <a:rPr lang="en-US" altLang="zh-CN" i="1">
                         <a:latin typeface="Cambria Math" panose="02040503050406030204" pitchFamily="18" charset="0"/>
                       </a:rPr>
                       <m:t>|</m:t>
                     </m:r>
                     <m:r>
-                      <a:rPr lang="en-US" altLang="zh-CN" b="0" i="1" smtClean="0">
+                      <a:rPr lang="en-US" altLang="zh-CN" i="1">
                         <a:latin typeface="Cambria Math" panose="02040503050406030204" pitchFamily="18" charset="0"/>
                       </a:rPr>
                       <m:t>𝑋</m:t>
                     </m:r>
                     <m:r>
-                      <a:rPr lang="en-US" altLang="zh-CN" b="0" i="1" smtClean="0">
+                      <a:rPr lang="en-US" altLang="zh-CN" i="1">
                         <a:latin typeface="Cambria Math" panose="02040503050406030204" pitchFamily="18" charset="0"/>
                       </a:rPr>
                       <m:t>)</m:t>
@@ -3527,9 +3577,18 @@
                   </m:oMath>
                 </a14:m>
                 <a:r>
-                  <a:rPr lang="zh-CN" altLang="en-US"/>
+                  <a:rPr lang="zh-CN" altLang="en-US" dirty="0"/>
                   <a:t>上的条件熵最大的模型就认为是最好的模型。</a:t>
                 </a:r>
+              </a:p>
+              <a:p>
+                <a:endParaRPr lang="en-US" altLang="zh-CN" dirty="0" smtClean="0"/>
+              </a:p>
+              <a:p>
+                <a:endParaRPr lang="zh-CN" altLang="zh-CN" dirty="0"/>
+              </a:p>
+              <a:p>
+                <a:endParaRPr kumimoji="1" lang="zh-CN" altLang="en-US" dirty="0"/>
               </a:p>
             </p:txBody>
           </p:sp>
@@ -3537,13 +3596,7 @@
         <mc:Fallback>
           <p:sp>
             <p:nvSpPr>
-              <p:cNvPr id="3" name="内容占位符 2">
-                <a:extLst>
-                  <a:ext uri="{FF2B5EF4-FFF2-40B4-BE49-F238E27FC236}">
-                    <a16:creationId xmlns:a16="http://schemas.microsoft.com/office/drawing/2014/main" id="{0CE65437-B4A0-43D6-9D11-D1F250F07139}"/>
-                  </a:ext>
-                </a:extLst>
-              </p:cNvPr>
+              <p:cNvPr id="3" name="内容占位符 2"/>
               <p:cNvSpPr>
                 <a:spLocks noGrp="1" noRot="1" noChangeAspect="1" noMove="1" noResize="1" noEditPoints="1" noAdjustHandles="1" noChangeArrowheads="1" noChangeShapeType="1" noTextEdit="1"/>
               </p:cNvSpPr>
@@ -3552,10 +3605,10 @@
               </p:nvPr>
             </p:nvSpPr>
             <p:spPr>
-              <a:blipFill>
+              <a:blipFill rotWithShape="0">
                 <a:blip r:embed="rId2"/>
                 <a:stretch>
-                  <a:fillRect l="-1043" t="-2381"/>
+                  <a:fillRect l="-1043" t="-2521"/>
                 </a:stretch>
               </a:blipFill>
             </p:spPr>
@@ -3577,7 +3630,7 @@
     </p:spTree>
     <p:extLst>
       <p:ext uri="{BB962C8B-B14F-4D97-AF65-F5344CB8AC3E}">
-        <p14:creationId xmlns:p14="http://schemas.microsoft.com/office/powerpoint/2010/main" val="2010753951"/>
+        <p14:creationId xmlns:p14="http://schemas.microsoft.com/office/powerpoint/2010/main" val="949637109"/>
       </p:ext>
     </p:extLst>
   </p:cSld>
@@ -3606,10 +3659,1492 @@
       </p:grpSpPr>
       <p:sp>
         <p:nvSpPr>
+          <p:cNvPr id="2" name="标题 1"/>
+          <p:cNvSpPr>
+            <a:spLocks noGrp="1"/>
+          </p:cNvSpPr>
+          <p:nvPr>
+            <p:ph type="title"/>
+          </p:nvPr>
+        </p:nvSpPr>
+        <p:spPr>
+          <a:xfrm>
+            <a:off x="838200" y="163098"/>
+            <a:ext cx="10515600" cy="1325563"/>
+          </a:xfrm>
+        </p:spPr>
+        <p:txBody>
+          <a:bodyPr/>
+          <a:lstStyle/>
+          <a:p>
+            <a:r>
+              <a:rPr kumimoji="1" lang="zh-CN" altLang="en-US" dirty="0" smtClean="0"/>
+              <a:t>用模型联合分布演示最大熵</a:t>
+            </a:r>
+            <a:endParaRPr kumimoji="1" lang="zh-CN" altLang="en-US" dirty="0"/>
+          </a:p>
+        </p:txBody>
+      </p:sp>
+      <p:sp>
+        <p:nvSpPr>
+          <p:cNvPr id="8" name="内容占位符 7"/>
+          <p:cNvSpPr>
+            <a:spLocks noGrp="1"/>
+          </p:cNvSpPr>
+          <p:nvPr>
+            <p:ph idx="1"/>
+          </p:nvPr>
+        </p:nvSpPr>
+        <p:spPr>
+          <a:xfrm>
+            <a:off x="838200" y="1559810"/>
+            <a:ext cx="10515600" cy="4351338"/>
+          </a:xfrm>
+        </p:spPr>
+        <p:txBody>
+          <a:bodyPr/>
+          <a:lstStyle/>
+          <a:p>
+            <a:r>
+              <a:rPr lang="zh-CN" altLang="zh-CN" dirty="0"/>
+              <a:t>假设有一个词义消岐任务，要求从</a:t>
+            </a:r>
+            <a:r>
+              <a:rPr lang="en-US" altLang="zh-CN" dirty="0"/>
+              <a:t>10</a:t>
+            </a:r>
+            <a:r>
+              <a:rPr lang="zh-CN" altLang="zh-CN" dirty="0"/>
+              <a:t>个可能</a:t>
+            </a:r>
+            <a:r>
+              <a:rPr lang="zh-CN" altLang="zh-CN" dirty="0" smtClean="0"/>
+              <a:t>词义（</a:t>
+            </a:r>
+            <a:r>
+              <a:rPr lang="zh-CN" altLang="zh-CN" dirty="0"/>
+              <a:t>标签从</a:t>
+            </a:r>
+            <a:r>
+              <a:rPr lang="en-US" altLang="zh-CN" dirty="0"/>
+              <a:t>A-J</a:t>
+            </a:r>
+            <a:r>
+              <a:rPr lang="zh-CN" altLang="zh-CN" dirty="0"/>
+              <a:t>）中为给定的某个词</a:t>
+            </a:r>
+            <a:r>
+              <a:rPr lang="en-US" altLang="zh-CN" dirty="0"/>
+              <a:t>word</a:t>
+            </a:r>
+            <a:r>
+              <a:rPr lang="zh-CN" altLang="zh-CN" dirty="0"/>
+              <a:t>找出一个最合适的词义，已知（</a:t>
+            </a:r>
+            <a:r>
+              <a:rPr lang="en-US" altLang="zh-CN" dirty="0"/>
+              <a:t>1</a:t>
+            </a:r>
+            <a:r>
+              <a:rPr lang="zh-CN" altLang="zh-CN" dirty="0"/>
+              <a:t>）词义</a:t>
+            </a:r>
+            <a:r>
+              <a:rPr lang="en-US" altLang="zh-CN" dirty="0"/>
+              <a:t>A</a:t>
+            </a:r>
+            <a:r>
+              <a:rPr lang="zh-CN" altLang="zh-CN" dirty="0"/>
+              <a:t>被选出的频率</a:t>
+            </a:r>
+            <a:r>
+              <a:rPr lang="en-US" altLang="zh-CN" b="1" dirty="0"/>
+              <a:t>55%</a:t>
+            </a:r>
+            <a:r>
+              <a:rPr lang="zh-CN" altLang="zh-CN" dirty="0"/>
+              <a:t>；（</a:t>
+            </a:r>
+            <a:r>
+              <a:rPr lang="en-US" altLang="zh-CN" dirty="0"/>
+              <a:t>2</a:t>
+            </a:r>
+            <a:r>
+              <a:rPr lang="zh-CN" altLang="zh-CN" dirty="0"/>
+              <a:t>）单词“</a:t>
+            </a:r>
+            <a:r>
+              <a:rPr lang="en-US" altLang="zh-CN" dirty="0"/>
+              <a:t>up</a:t>
+            </a:r>
+            <a:r>
+              <a:rPr lang="zh-CN" altLang="zh-CN" dirty="0"/>
+              <a:t>”出现在</a:t>
+            </a:r>
+            <a:r>
+              <a:rPr lang="en-US" altLang="zh-CN" dirty="0"/>
+              <a:t>word</a:t>
+            </a:r>
+            <a:r>
+              <a:rPr lang="zh-CN" altLang="zh-CN" dirty="0"/>
+              <a:t>附近上下文中的频率为</a:t>
+            </a:r>
+            <a:r>
+              <a:rPr lang="en-US" altLang="zh-CN" b="1" dirty="0"/>
+              <a:t>10%</a:t>
+            </a:r>
+            <a:r>
+              <a:rPr lang="zh-CN" altLang="zh-CN" dirty="0"/>
+              <a:t>；（</a:t>
+            </a:r>
+            <a:r>
+              <a:rPr lang="en-US" altLang="zh-CN" dirty="0"/>
+              <a:t>3</a:t>
+            </a:r>
+            <a:r>
+              <a:rPr lang="zh-CN" altLang="zh-CN" dirty="0"/>
+              <a:t>）当“</a:t>
+            </a:r>
+            <a:r>
+              <a:rPr lang="en-US" altLang="zh-CN" dirty="0"/>
+              <a:t>up</a:t>
+            </a:r>
+            <a:r>
+              <a:rPr lang="zh-CN" altLang="zh-CN" dirty="0"/>
+              <a:t>”出现在</a:t>
+            </a:r>
+            <a:r>
+              <a:rPr lang="en-US" altLang="zh-CN" dirty="0"/>
+              <a:t>word</a:t>
+            </a:r>
+            <a:r>
+              <a:rPr lang="zh-CN" altLang="zh-CN" dirty="0"/>
+              <a:t>附近上下文时有</a:t>
+            </a:r>
+            <a:r>
+              <a:rPr lang="en-US" altLang="zh-CN" b="1" dirty="0"/>
+              <a:t>80%</a:t>
+            </a:r>
+            <a:r>
+              <a:rPr lang="zh-CN" altLang="zh-CN" dirty="0"/>
+              <a:t>的可能性使用词意</a:t>
+            </a:r>
+            <a:r>
+              <a:rPr lang="en-US" altLang="zh-CN" dirty="0"/>
+              <a:t>A</a:t>
+            </a:r>
+            <a:r>
+              <a:rPr lang="zh-CN" altLang="zh-CN" dirty="0"/>
+              <a:t>或</a:t>
+            </a:r>
+            <a:r>
+              <a:rPr lang="en-US" altLang="zh-CN" dirty="0"/>
+              <a:t>C</a:t>
+            </a:r>
+            <a:r>
+              <a:rPr lang="zh-CN" altLang="zh-CN" dirty="0"/>
+              <a:t>。则</a:t>
+            </a:r>
+            <a:r>
+              <a:rPr lang="zh-CN" altLang="zh-CN" dirty="0" smtClean="0"/>
+              <a:t>下边</a:t>
+            </a:r>
+            <a:r>
+              <a:rPr lang="zh-CN" altLang="en-US" dirty="0" smtClean="0"/>
+              <a:t>的联合</a:t>
+            </a:r>
+            <a:r>
+              <a:rPr lang="zh-CN" altLang="zh-CN" dirty="0" smtClean="0"/>
+              <a:t>概率分布是否</a:t>
+            </a:r>
+            <a:r>
+              <a:rPr lang="zh-CN" altLang="zh-CN" dirty="0"/>
+              <a:t>合适？为什么？</a:t>
+            </a:r>
+          </a:p>
+          <a:p>
+            <a:endParaRPr kumimoji="1" lang="zh-CN" altLang="en-US" dirty="0"/>
+          </a:p>
+        </p:txBody>
+      </p:sp>
+      <p:sp>
+        <p:nvSpPr>
+          <p:cNvPr id="5" name="矩形 4"/>
+          <p:cNvSpPr/>
+          <p:nvPr/>
+        </p:nvSpPr>
+        <p:spPr>
+          <a:xfrm>
+            <a:off x="838199" y="1690688"/>
+            <a:ext cx="10070805" cy="646331"/>
+          </a:xfrm>
+          <a:prstGeom prst="rect">
+            <a:avLst/>
+          </a:prstGeom>
+        </p:spPr>
+        <p:txBody>
+          <a:bodyPr wrap="square">
+            <a:spAutoFit/>
+          </a:bodyPr>
+          <a:lstStyle/>
+          <a:p>
+            <a:endParaRPr lang="en-US" altLang="zh-CN" dirty="0" smtClean="0">
+              <a:latin typeface="Calibri" charset="0"/>
+              <a:ea typeface="宋体" charset="-122"/>
+              <a:cs typeface="Times New Roman" charset="0"/>
+            </a:endParaRPr>
+          </a:p>
+          <a:p>
+            <a:r>
+              <a:rPr lang="zh-CN" altLang="zh-CN" dirty="0" smtClean="0"/>
+              <a:t> </a:t>
+            </a:r>
+            <a:endParaRPr lang="zh-CN" altLang="en-US" dirty="0"/>
+          </a:p>
+        </p:txBody>
+      </p:sp>
+      <p:graphicFrame>
+        <p:nvGraphicFramePr>
+          <p:cNvPr id="7" name="表格 6"/>
+          <p:cNvGraphicFramePr>
+            <a:graphicFrameLocks noGrp="1"/>
+          </p:cNvGraphicFramePr>
+          <p:nvPr>
+            <p:extLst>
+              <p:ext uri="{D42A27DB-BD31-4B8C-83A1-F6EECF244321}">
+                <p14:modId xmlns:p14="http://schemas.microsoft.com/office/powerpoint/2010/main" val="1445183367"/>
+              </p:ext>
+            </p:extLst>
+          </p:nvPr>
+        </p:nvGraphicFramePr>
+        <p:xfrm>
+          <a:off x="1390209" y="3994758"/>
+          <a:ext cx="9411581" cy="1839229"/>
+        </p:xfrm>
+        <a:graphic>
+          <a:graphicData uri="http://schemas.openxmlformats.org/drawingml/2006/table">
+            <a:tbl>
+              <a:tblPr firstRow="1" firstCol="1" bandRow="1">
+                <a:tableStyleId>{5C22544A-7EE6-4342-B048-85BDC9FD1C3A}</a:tableStyleId>
+              </a:tblPr>
+              <a:tblGrid>
+                <a:gridCol w="1097891"/>
+                <a:gridCol w="755790"/>
+                <a:gridCol w="755790"/>
+                <a:gridCol w="755790"/>
+                <a:gridCol w="755790"/>
+                <a:gridCol w="755790"/>
+                <a:gridCol w="755790"/>
+                <a:gridCol w="755790"/>
+                <a:gridCol w="755790"/>
+                <a:gridCol w="755790"/>
+                <a:gridCol w="755790"/>
+                <a:gridCol w="755790"/>
+              </a:tblGrid>
+              <a:tr h="649139">
+                <a:tc>
+                  <a:txBody>
+                    <a:bodyPr/>
+                    <a:lstStyle/>
+                    <a:p>
+                      <a:pPr algn="r">
+                        <a:spcAft>
+                          <a:spcPts val="0"/>
+                        </a:spcAft>
+                      </a:pPr>
+                      <a:r>
+                        <a:rPr lang="zh-CN" sz="1000" kern="100" dirty="0">
+                          <a:effectLst/>
+                        </a:rPr>
+                        <a:t>预测词义</a:t>
+                      </a:r>
+                    </a:p>
+                    <a:p>
+                      <a:pPr algn="l">
+                        <a:spcAft>
+                          <a:spcPts val="0"/>
+                        </a:spcAft>
+                      </a:pPr>
+                      <a:r>
+                        <a:rPr lang="en-US" sz="1000" kern="100" dirty="0">
+                          <a:effectLst/>
+                        </a:rPr>
+                        <a:t>up</a:t>
+                      </a:r>
+                      <a:r>
+                        <a:rPr lang="zh-CN" sz="1000" kern="100" dirty="0">
+                          <a:effectLst/>
+                        </a:rPr>
+                        <a:t>出现？</a:t>
+                      </a:r>
+                      <a:endParaRPr lang="zh-CN" sz="1000" kern="100" dirty="0">
+                        <a:effectLst/>
+                        <a:latin typeface="Calibri" charset="0"/>
+                        <a:ea typeface="宋体" charset="-122"/>
+                        <a:cs typeface="Times New Roman" charset="0"/>
+                      </a:endParaRPr>
+                    </a:p>
+                  </a:txBody>
+                  <a:tcPr marL="68580" marR="68580" marT="0" marB="0" anchor="ctr">
+                    <a:lnTlToBr w="12700" cap="flat" cmpd="sng" algn="ctr">
+                      <a:solidFill>
+                        <a:schemeClr val="tx1"/>
+                      </a:solidFill>
+                      <a:prstDash val="solid"/>
+                      <a:round/>
+                      <a:headEnd type="none" w="med" len="med"/>
+                      <a:tailEnd type="none" w="med" len="med"/>
+                    </a:lnTlToBr>
+                  </a:tcPr>
+                </a:tc>
+                <a:tc>
+                  <a:txBody>
+                    <a:bodyPr/>
+                    <a:lstStyle/>
+                    <a:p>
+                      <a:pPr algn="just">
+                        <a:spcAft>
+                          <a:spcPts val="0"/>
+                        </a:spcAft>
+                      </a:pPr>
+                      <a:r>
+                        <a:rPr lang="en-US" sz="1800" kern="100" dirty="0">
+                          <a:effectLst/>
+                        </a:rPr>
+                        <a:t>A</a:t>
+                      </a:r>
+                      <a:endParaRPr lang="zh-CN" sz="1800" kern="100" dirty="0">
+                        <a:effectLst/>
+                        <a:latin typeface="Calibri" charset="0"/>
+                        <a:ea typeface="宋体" charset="-122"/>
+                        <a:cs typeface="Times New Roman" charset="0"/>
+                      </a:endParaRPr>
+                    </a:p>
+                  </a:txBody>
+                  <a:tcPr marL="68580" marR="68580" marT="0" marB="0" anchor="ctr"/>
+                </a:tc>
+                <a:tc>
+                  <a:txBody>
+                    <a:bodyPr/>
+                    <a:lstStyle/>
+                    <a:p>
+                      <a:pPr algn="just">
+                        <a:spcAft>
+                          <a:spcPts val="0"/>
+                        </a:spcAft>
+                      </a:pPr>
+                      <a:r>
+                        <a:rPr lang="en-US" sz="1800" kern="100" dirty="0">
+                          <a:effectLst/>
+                        </a:rPr>
+                        <a:t>B</a:t>
+                      </a:r>
+                      <a:endParaRPr lang="zh-CN" sz="1800" kern="100" dirty="0">
+                        <a:effectLst/>
+                        <a:latin typeface="Calibri" charset="0"/>
+                        <a:ea typeface="宋体" charset="-122"/>
+                        <a:cs typeface="Times New Roman" charset="0"/>
+                      </a:endParaRPr>
+                    </a:p>
+                  </a:txBody>
+                  <a:tcPr marL="68580" marR="68580" marT="0" marB="0" anchor="ctr"/>
+                </a:tc>
+                <a:tc>
+                  <a:txBody>
+                    <a:bodyPr/>
+                    <a:lstStyle/>
+                    <a:p>
+                      <a:pPr algn="just">
+                        <a:spcAft>
+                          <a:spcPts val="0"/>
+                        </a:spcAft>
+                      </a:pPr>
+                      <a:r>
+                        <a:rPr lang="en-US" sz="1800" kern="100" dirty="0">
+                          <a:effectLst/>
+                        </a:rPr>
+                        <a:t>C</a:t>
+                      </a:r>
+                      <a:endParaRPr lang="zh-CN" sz="1800" kern="100" dirty="0">
+                        <a:effectLst/>
+                        <a:latin typeface="Calibri" charset="0"/>
+                        <a:ea typeface="宋体" charset="-122"/>
+                        <a:cs typeface="Times New Roman" charset="0"/>
+                      </a:endParaRPr>
+                    </a:p>
+                  </a:txBody>
+                  <a:tcPr marL="68580" marR="68580" marT="0" marB="0" anchor="ctr"/>
+                </a:tc>
+                <a:tc>
+                  <a:txBody>
+                    <a:bodyPr/>
+                    <a:lstStyle/>
+                    <a:p>
+                      <a:pPr algn="just">
+                        <a:spcAft>
+                          <a:spcPts val="0"/>
+                        </a:spcAft>
+                      </a:pPr>
+                      <a:r>
+                        <a:rPr lang="en-US" sz="1800" kern="100" dirty="0">
+                          <a:effectLst/>
+                        </a:rPr>
+                        <a:t>D</a:t>
+                      </a:r>
+                      <a:endParaRPr lang="zh-CN" sz="1800" kern="100" dirty="0">
+                        <a:effectLst/>
+                        <a:latin typeface="Calibri" charset="0"/>
+                        <a:ea typeface="宋体" charset="-122"/>
+                        <a:cs typeface="Times New Roman" charset="0"/>
+                      </a:endParaRPr>
+                    </a:p>
+                  </a:txBody>
+                  <a:tcPr marL="68580" marR="68580" marT="0" marB="0" anchor="ctr"/>
+                </a:tc>
+                <a:tc>
+                  <a:txBody>
+                    <a:bodyPr/>
+                    <a:lstStyle/>
+                    <a:p>
+                      <a:pPr algn="just">
+                        <a:spcAft>
+                          <a:spcPts val="0"/>
+                        </a:spcAft>
+                      </a:pPr>
+                      <a:r>
+                        <a:rPr lang="en-US" sz="1800" kern="100">
+                          <a:effectLst/>
+                        </a:rPr>
+                        <a:t>E</a:t>
+                      </a:r>
+                      <a:endParaRPr lang="zh-CN" sz="1800" kern="100">
+                        <a:effectLst/>
+                        <a:latin typeface="Calibri" charset="0"/>
+                        <a:ea typeface="宋体" charset="-122"/>
+                        <a:cs typeface="Times New Roman" charset="0"/>
+                      </a:endParaRPr>
+                    </a:p>
+                  </a:txBody>
+                  <a:tcPr marL="68580" marR="68580" marT="0" marB="0" anchor="ctr"/>
+                </a:tc>
+                <a:tc>
+                  <a:txBody>
+                    <a:bodyPr/>
+                    <a:lstStyle/>
+                    <a:p>
+                      <a:pPr algn="just">
+                        <a:spcAft>
+                          <a:spcPts val="0"/>
+                        </a:spcAft>
+                      </a:pPr>
+                      <a:r>
+                        <a:rPr lang="en-US" sz="1800" kern="100">
+                          <a:effectLst/>
+                        </a:rPr>
+                        <a:t>F</a:t>
+                      </a:r>
+                      <a:endParaRPr lang="zh-CN" sz="1800" kern="100">
+                        <a:effectLst/>
+                        <a:latin typeface="Calibri" charset="0"/>
+                        <a:ea typeface="宋体" charset="-122"/>
+                        <a:cs typeface="Times New Roman" charset="0"/>
+                      </a:endParaRPr>
+                    </a:p>
+                  </a:txBody>
+                  <a:tcPr marL="68580" marR="68580" marT="0" marB="0" anchor="ctr"/>
+                </a:tc>
+                <a:tc>
+                  <a:txBody>
+                    <a:bodyPr/>
+                    <a:lstStyle/>
+                    <a:p>
+                      <a:pPr algn="just">
+                        <a:spcAft>
+                          <a:spcPts val="0"/>
+                        </a:spcAft>
+                      </a:pPr>
+                      <a:r>
+                        <a:rPr lang="en-US" sz="1800" kern="100">
+                          <a:effectLst/>
+                        </a:rPr>
+                        <a:t>G</a:t>
+                      </a:r>
+                      <a:endParaRPr lang="zh-CN" sz="1800" kern="100">
+                        <a:effectLst/>
+                        <a:latin typeface="Calibri" charset="0"/>
+                        <a:ea typeface="宋体" charset="-122"/>
+                        <a:cs typeface="Times New Roman" charset="0"/>
+                      </a:endParaRPr>
+                    </a:p>
+                  </a:txBody>
+                  <a:tcPr marL="68580" marR="68580" marT="0" marB="0" anchor="ctr"/>
+                </a:tc>
+                <a:tc>
+                  <a:txBody>
+                    <a:bodyPr/>
+                    <a:lstStyle/>
+                    <a:p>
+                      <a:pPr algn="just">
+                        <a:spcAft>
+                          <a:spcPts val="0"/>
+                        </a:spcAft>
+                      </a:pPr>
+                      <a:r>
+                        <a:rPr lang="en-US" sz="1800" kern="100">
+                          <a:effectLst/>
+                        </a:rPr>
+                        <a:t>H</a:t>
+                      </a:r>
+                      <a:endParaRPr lang="zh-CN" sz="1800" kern="100">
+                        <a:effectLst/>
+                        <a:latin typeface="Calibri" charset="0"/>
+                        <a:ea typeface="宋体" charset="-122"/>
+                        <a:cs typeface="Times New Roman" charset="0"/>
+                      </a:endParaRPr>
+                    </a:p>
+                  </a:txBody>
+                  <a:tcPr marL="68580" marR="68580" marT="0" marB="0" anchor="ctr"/>
+                </a:tc>
+                <a:tc>
+                  <a:txBody>
+                    <a:bodyPr/>
+                    <a:lstStyle/>
+                    <a:p>
+                      <a:pPr algn="just">
+                        <a:spcAft>
+                          <a:spcPts val="0"/>
+                        </a:spcAft>
+                      </a:pPr>
+                      <a:r>
+                        <a:rPr lang="en-US" sz="1800" kern="100" dirty="0">
+                          <a:effectLst/>
+                        </a:rPr>
+                        <a:t>I</a:t>
+                      </a:r>
+                      <a:endParaRPr lang="zh-CN" sz="1800" kern="100" dirty="0">
+                        <a:effectLst/>
+                        <a:latin typeface="Calibri" charset="0"/>
+                        <a:ea typeface="宋体" charset="-122"/>
+                        <a:cs typeface="Times New Roman" charset="0"/>
+                      </a:endParaRPr>
+                    </a:p>
+                  </a:txBody>
+                  <a:tcPr marL="68580" marR="68580" marT="0" marB="0" anchor="ctr"/>
+                </a:tc>
+                <a:tc>
+                  <a:txBody>
+                    <a:bodyPr/>
+                    <a:lstStyle/>
+                    <a:p>
+                      <a:pPr algn="just">
+                        <a:spcAft>
+                          <a:spcPts val="0"/>
+                        </a:spcAft>
+                      </a:pPr>
+                      <a:r>
+                        <a:rPr lang="en-US" sz="1800" kern="100" dirty="0">
+                          <a:effectLst/>
+                        </a:rPr>
+                        <a:t>J</a:t>
+                      </a:r>
+                      <a:endParaRPr lang="zh-CN" sz="1800" kern="100" dirty="0">
+                        <a:effectLst/>
+                        <a:latin typeface="Calibri" charset="0"/>
+                        <a:ea typeface="宋体" charset="-122"/>
+                        <a:cs typeface="Times New Roman" charset="0"/>
+                      </a:endParaRPr>
+                    </a:p>
+                  </a:txBody>
+                  <a:tcPr marL="68580" marR="68580" marT="0" marB="0" anchor="ctr"/>
+                </a:tc>
+                <a:tc>
+                  <a:txBody>
+                    <a:bodyPr/>
+                    <a:lstStyle/>
+                    <a:p>
+                      <a:pPr algn="just">
+                        <a:spcAft>
+                          <a:spcPts val="0"/>
+                        </a:spcAft>
+                      </a:pPr>
+                      <a:r>
+                        <a:rPr lang="zh-CN" altLang="en-US" sz="1800" kern="100" dirty="0" smtClean="0">
+                          <a:effectLst/>
+                          <a:latin typeface="Calibri" charset="0"/>
+                          <a:ea typeface="宋体" charset="-122"/>
+                          <a:cs typeface="Times New Roman" charset="0"/>
+                        </a:rPr>
+                        <a:t>求和</a:t>
+                      </a:r>
+                      <a:endParaRPr lang="zh-CN" sz="1800" kern="100" dirty="0">
+                        <a:effectLst/>
+                        <a:latin typeface="Calibri" charset="0"/>
+                        <a:ea typeface="宋体" charset="-122"/>
+                        <a:cs typeface="Times New Roman" charset="0"/>
+                      </a:endParaRPr>
+                    </a:p>
+                  </a:txBody>
+                  <a:tcPr marL="68580" marR="68580" marT="0" marB="0" anchor="ctr"/>
+                </a:tc>
+              </a:tr>
+              <a:tr h="595045">
+                <a:tc>
+                  <a:txBody>
+                    <a:bodyPr/>
+                    <a:lstStyle/>
+                    <a:p>
+                      <a:pPr algn="just">
+                        <a:spcAft>
+                          <a:spcPts val="0"/>
+                        </a:spcAft>
+                      </a:pPr>
+                      <a:r>
+                        <a:rPr lang="en-US" sz="1800" kern="100" dirty="0">
+                          <a:effectLst/>
+                        </a:rPr>
+                        <a:t>+up</a:t>
+                      </a:r>
+                      <a:endParaRPr lang="zh-CN" sz="1800" kern="100" dirty="0">
+                        <a:effectLst/>
+                        <a:latin typeface="Calibri" charset="0"/>
+                        <a:ea typeface="宋体" charset="-122"/>
+                        <a:cs typeface="Times New Roman" charset="0"/>
+                      </a:endParaRPr>
+                    </a:p>
+                  </a:txBody>
+                  <a:tcPr marL="68580" marR="68580" marT="0" marB="0" anchor="ctr"/>
+                </a:tc>
+                <a:tc>
+                  <a:txBody>
+                    <a:bodyPr/>
+                    <a:lstStyle/>
+                    <a:p>
+                      <a:pPr algn="just">
+                        <a:spcAft>
+                          <a:spcPts val="0"/>
+                        </a:spcAft>
+                      </a:pPr>
+                      <a:r>
+                        <a:rPr lang="en-US" sz="1800" kern="100" dirty="0">
+                          <a:effectLst/>
+                        </a:rPr>
+                        <a:t>5.1%</a:t>
+                      </a:r>
+                      <a:endParaRPr lang="zh-CN" sz="1800" kern="100" dirty="0">
+                        <a:effectLst/>
+                        <a:latin typeface="Calibri" charset="0"/>
+                        <a:ea typeface="宋体" charset="-122"/>
+                        <a:cs typeface="Times New Roman" charset="0"/>
+                      </a:endParaRPr>
+                    </a:p>
+                  </a:txBody>
+                  <a:tcPr marL="68580" marR="68580" marT="0" marB="0" anchor="ctr"/>
+                </a:tc>
+                <a:tc>
+                  <a:txBody>
+                    <a:bodyPr/>
+                    <a:lstStyle/>
+                    <a:p>
+                      <a:pPr algn="just">
+                        <a:spcAft>
+                          <a:spcPts val="0"/>
+                        </a:spcAft>
+                      </a:pPr>
+                      <a:r>
+                        <a:rPr lang="en-US" sz="1800" kern="100" dirty="0">
+                          <a:effectLst/>
+                        </a:rPr>
+                        <a:t>0.25%</a:t>
+                      </a:r>
+                      <a:endParaRPr lang="zh-CN" sz="1800" kern="100" dirty="0">
+                        <a:effectLst/>
+                        <a:latin typeface="Calibri" charset="0"/>
+                        <a:ea typeface="宋体" charset="-122"/>
+                        <a:cs typeface="Times New Roman" charset="0"/>
+                      </a:endParaRPr>
+                    </a:p>
+                  </a:txBody>
+                  <a:tcPr marL="68580" marR="68580" marT="0" marB="0" anchor="ctr"/>
+                </a:tc>
+                <a:tc>
+                  <a:txBody>
+                    <a:bodyPr/>
+                    <a:lstStyle/>
+                    <a:p>
+                      <a:pPr algn="just">
+                        <a:spcAft>
+                          <a:spcPts val="0"/>
+                        </a:spcAft>
+                      </a:pPr>
+                      <a:r>
+                        <a:rPr lang="en-US" sz="1800" kern="100" dirty="0">
+                          <a:effectLst/>
+                        </a:rPr>
+                        <a:t>2.9%</a:t>
+                      </a:r>
+                      <a:endParaRPr lang="zh-CN" sz="1800" kern="100" dirty="0">
+                        <a:effectLst/>
+                        <a:latin typeface="Calibri" charset="0"/>
+                        <a:ea typeface="宋体" charset="-122"/>
+                        <a:cs typeface="Times New Roman" charset="0"/>
+                      </a:endParaRPr>
+                    </a:p>
+                  </a:txBody>
+                  <a:tcPr marL="68580" marR="68580" marT="0" marB="0" anchor="ctr"/>
+                </a:tc>
+                <a:tc>
+                  <a:txBody>
+                    <a:bodyPr/>
+                    <a:lstStyle/>
+                    <a:p>
+                      <a:pPr algn="just">
+                        <a:spcAft>
+                          <a:spcPts val="0"/>
+                        </a:spcAft>
+                      </a:pPr>
+                      <a:r>
+                        <a:rPr lang="en-US" sz="1800" kern="100" dirty="0">
+                          <a:effectLst/>
+                        </a:rPr>
+                        <a:t>0.25%</a:t>
+                      </a:r>
+                      <a:endParaRPr lang="zh-CN" sz="1800" kern="100" dirty="0">
+                        <a:effectLst/>
+                        <a:latin typeface="Calibri" charset="0"/>
+                        <a:ea typeface="宋体" charset="-122"/>
+                        <a:cs typeface="Times New Roman" charset="0"/>
+                      </a:endParaRPr>
+                    </a:p>
+                  </a:txBody>
+                  <a:tcPr marL="68580" marR="68580" marT="0" marB="0" anchor="ctr"/>
+                </a:tc>
+                <a:tc>
+                  <a:txBody>
+                    <a:bodyPr/>
+                    <a:lstStyle/>
+                    <a:p>
+                      <a:pPr algn="just">
+                        <a:spcAft>
+                          <a:spcPts val="0"/>
+                        </a:spcAft>
+                      </a:pPr>
+                      <a:r>
+                        <a:rPr lang="en-US" sz="1800" kern="100" dirty="0">
+                          <a:effectLst/>
+                        </a:rPr>
+                        <a:t>0.25%</a:t>
+                      </a:r>
+                      <a:endParaRPr lang="zh-CN" sz="1800" kern="100" dirty="0">
+                        <a:effectLst/>
+                        <a:latin typeface="Calibri" charset="0"/>
+                        <a:ea typeface="宋体" charset="-122"/>
+                        <a:cs typeface="Times New Roman" charset="0"/>
+                      </a:endParaRPr>
+                    </a:p>
+                  </a:txBody>
+                  <a:tcPr marL="68580" marR="68580" marT="0" marB="0" anchor="ctr"/>
+                </a:tc>
+                <a:tc>
+                  <a:txBody>
+                    <a:bodyPr/>
+                    <a:lstStyle/>
+                    <a:p>
+                      <a:pPr algn="just">
+                        <a:spcAft>
+                          <a:spcPts val="0"/>
+                        </a:spcAft>
+                      </a:pPr>
+                      <a:r>
+                        <a:rPr lang="en-US" sz="1800" kern="100" dirty="0">
+                          <a:effectLst/>
+                        </a:rPr>
+                        <a:t>0.25%</a:t>
+                      </a:r>
+                      <a:endParaRPr lang="zh-CN" sz="1800" kern="100" dirty="0">
+                        <a:effectLst/>
+                        <a:latin typeface="Calibri" charset="0"/>
+                        <a:ea typeface="宋体" charset="-122"/>
+                        <a:cs typeface="Times New Roman" charset="0"/>
+                      </a:endParaRPr>
+                    </a:p>
+                  </a:txBody>
+                  <a:tcPr marL="68580" marR="68580" marT="0" marB="0" anchor="ctr"/>
+                </a:tc>
+                <a:tc>
+                  <a:txBody>
+                    <a:bodyPr/>
+                    <a:lstStyle/>
+                    <a:p>
+                      <a:pPr algn="just">
+                        <a:spcAft>
+                          <a:spcPts val="0"/>
+                        </a:spcAft>
+                      </a:pPr>
+                      <a:r>
+                        <a:rPr lang="en-US" sz="1800" kern="100" dirty="0">
+                          <a:effectLst/>
+                        </a:rPr>
+                        <a:t>0.25%</a:t>
+                      </a:r>
+                      <a:endParaRPr lang="zh-CN" sz="1800" kern="100" dirty="0">
+                        <a:effectLst/>
+                        <a:latin typeface="Calibri" charset="0"/>
+                        <a:ea typeface="宋体" charset="-122"/>
+                        <a:cs typeface="Times New Roman" charset="0"/>
+                      </a:endParaRPr>
+                    </a:p>
+                  </a:txBody>
+                  <a:tcPr marL="68580" marR="68580" marT="0" marB="0" anchor="ctr"/>
+                </a:tc>
+                <a:tc>
+                  <a:txBody>
+                    <a:bodyPr/>
+                    <a:lstStyle/>
+                    <a:p>
+                      <a:pPr algn="just">
+                        <a:spcAft>
+                          <a:spcPts val="0"/>
+                        </a:spcAft>
+                      </a:pPr>
+                      <a:r>
+                        <a:rPr lang="en-US" sz="1800" kern="100">
+                          <a:effectLst/>
+                        </a:rPr>
+                        <a:t>0.25%</a:t>
+                      </a:r>
+                      <a:endParaRPr lang="zh-CN" sz="1800" kern="100">
+                        <a:effectLst/>
+                        <a:latin typeface="Calibri" charset="0"/>
+                        <a:ea typeface="宋体" charset="-122"/>
+                        <a:cs typeface="Times New Roman" charset="0"/>
+                      </a:endParaRPr>
+                    </a:p>
+                  </a:txBody>
+                  <a:tcPr marL="68580" marR="68580" marT="0" marB="0" anchor="ctr"/>
+                </a:tc>
+                <a:tc>
+                  <a:txBody>
+                    <a:bodyPr/>
+                    <a:lstStyle/>
+                    <a:p>
+                      <a:pPr algn="just">
+                        <a:spcAft>
+                          <a:spcPts val="0"/>
+                        </a:spcAft>
+                      </a:pPr>
+                      <a:r>
+                        <a:rPr lang="en-US" sz="1800" kern="100">
+                          <a:effectLst/>
+                        </a:rPr>
+                        <a:t>0.25%</a:t>
+                      </a:r>
+                      <a:endParaRPr lang="zh-CN" sz="1800" kern="100">
+                        <a:effectLst/>
+                        <a:latin typeface="Calibri" charset="0"/>
+                        <a:ea typeface="宋体" charset="-122"/>
+                        <a:cs typeface="Times New Roman" charset="0"/>
+                      </a:endParaRPr>
+                    </a:p>
+                  </a:txBody>
+                  <a:tcPr marL="68580" marR="68580" marT="0" marB="0" anchor="ctr"/>
+                </a:tc>
+                <a:tc>
+                  <a:txBody>
+                    <a:bodyPr/>
+                    <a:lstStyle/>
+                    <a:p>
+                      <a:pPr algn="just">
+                        <a:spcAft>
+                          <a:spcPts val="0"/>
+                        </a:spcAft>
+                      </a:pPr>
+                      <a:r>
+                        <a:rPr lang="en-US" sz="1800" kern="100">
+                          <a:effectLst/>
+                        </a:rPr>
+                        <a:t>0.25%</a:t>
+                      </a:r>
+                      <a:endParaRPr lang="zh-CN" sz="1800" kern="100">
+                        <a:effectLst/>
+                        <a:latin typeface="Calibri" charset="0"/>
+                        <a:ea typeface="宋体" charset="-122"/>
+                        <a:cs typeface="Times New Roman" charset="0"/>
+                      </a:endParaRPr>
+                    </a:p>
+                  </a:txBody>
+                  <a:tcPr marL="68580" marR="68580" marT="0" marB="0" anchor="ctr"/>
+                </a:tc>
+                <a:tc>
+                  <a:txBody>
+                    <a:bodyPr/>
+                    <a:lstStyle/>
+                    <a:p>
+                      <a:pPr algn="just">
+                        <a:spcAft>
+                          <a:spcPts val="0"/>
+                        </a:spcAft>
+                      </a:pPr>
+                      <a:r>
+                        <a:rPr lang="en-US" altLang="zh-CN" sz="1800" kern="100" dirty="0" smtClean="0">
+                          <a:effectLst/>
+                          <a:latin typeface="Calibri" charset="0"/>
+                          <a:ea typeface="宋体" charset="-122"/>
+                          <a:cs typeface="Times New Roman" charset="0"/>
+                        </a:rPr>
+                        <a:t>10%</a:t>
+                      </a:r>
+                      <a:endParaRPr lang="zh-CN" sz="1800" kern="100" dirty="0">
+                        <a:effectLst/>
+                        <a:latin typeface="Calibri" charset="0"/>
+                        <a:ea typeface="宋体" charset="-122"/>
+                        <a:cs typeface="Times New Roman" charset="0"/>
+                      </a:endParaRPr>
+                    </a:p>
+                  </a:txBody>
+                  <a:tcPr marL="68580" marR="68580" marT="0" marB="0" anchor="ctr"/>
+                </a:tc>
+              </a:tr>
+              <a:tr h="595045">
+                <a:tc>
+                  <a:txBody>
+                    <a:bodyPr/>
+                    <a:lstStyle/>
+                    <a:p>
+                      <a:pPr algn="just">
+                        <a:spcAft>
+                          <a:spcPts val="0"/>
+                        </a:spcAft>
+                      </a:pPr>
+                      <a:r>
+                        <a:rPr lang="en-US" sz="1800" kern="100" dirty="0">
+                          <a:effectLst/>
+                        </a:rPr>
+                        <a:t>-up</a:t>
+                      </a:r>
+                      <a:endParaRPr lang="zh-CN" sz="1800" kern="100" dirty="0">
+                        <a:effectLst/>
+                        <a:latin typeface="Calibri" charset="0"/>
+                        <a:ea typeface="宋体" charset="-122"/>
+                        <a:cs typeface="Times New Roman" charset="0"/>
+                      </a:endParaRPr>
+                    </a:p>
+                  </a:txBody>
+                  <a:tcPr marL="68580" marR="68580" marT="0" marB="0" anchor="ctr"/>
+                </a:tc>
+                <a:tc>
+                  <a:txBody>
+                    <a:bodyPr/>
+                    <a:lstStyle/>
+                    <a:p>
+                      <a:pPr algn="just">
+                        <a:spcAft>
+                          <a:spcPts val="0"/>
+                        </a:spcAft>
+                      </a:pPr>
+                      <a:r>
+                        <a:rPr lang="en-US" sz="1800" kern="100" dirty="0">
+                          <a:effectLst/>
+                        </a:rPr>
+                        <a:t>49.9%</a:t>
+                      </a:r>
+                      <a:endParaRPr lang="zh-CN" sz="1800" kern="100" dirty="0">
+                        <a:effectLst/>
+                        <a:latin typeface="Calibri" charset="0"/>
+                        <a:ea typeface="宋体" charset="-122"/>
+                        <a:cs typeface="Times New Roman" charset="0"/>
+                      </a:endParaRPr>
+                    </a:p>
+                  </a:txBody>
+                  <a:tcPr marL="68580" marR="68580" marT="0" marB="0" anchor="ctr"/>
+                </a:tc>
+                <a:tc>
+                  <a:txBody>
+                    <a:bodyPr/>
+                    <a:lstStyle/>
+                    <a:p>
+                      <a:pPr algn="just">
+                        <a:spcAft>
+                          <a:spcPts val="0"/>
+                        </a:spcAft>
+                      </a:pPr>
+                      <a:r>
+                        <a:rPr lang="en-US" sz="1800" kern="100" dirty="0">
+                          <a:effectLst/>
+                        </a:rPr>
+                        <a:t>4.46%</a:t>
+                      </a:r>
+                      <a:endParaRPr lang="zh-CN" sz="1800" kern="100" dirty="0">
+                        <a:effectLst/>
+                        <a:latin typeface="Calibri" charset="0"/>
+                        <a:ea typeface="宋体" charset="-122"/>
+                        <a:cs typeface="Times New Roman" charset="0"/>
+                      </a:endParaRPr>
+                    </a:p>
+                  </a:txBody>
+                  <a:tcPr marL="68580" marR="68580" marT="0" marB="0" anchor="ctr"/>
+                </a:tc>
+                <a:tc>
+                  <a:txBody>
+                    <a:bodyPr/>
+                    <a:lstStyle/>
+                    <a:p>
+                      <a:pPr algn="just">
+                        <a:spcAft>
+                          <a:spcPts val="0"/>
+                        </a:spcAft>
+                      </a:pPr>
+                      <a:r>
+                        <a:rPr lang="en-US" sz="1800" kern="100" dirty="0">
+                          <a:effectLst/>
+                        </a:rPr>
+                        <a:t>4.46%</a:t>
+                      </a:r>
+                      <a:endParaRPr lang="zh-CN" sz="1800" kern="100" dirty="0">
+                        <a:effectLst/>
+                        <a:latin typeface="Calibri" charset="0"/>
+                        <a:ea typeface="宋体" charset="-122"/>
+                        <a:cs typeface="Times New Roman" charset="0"/>
+                      </a:endParaRPr>
+                    </a:p>
+                  </a:txBody>
+                  <a:tcPr marL="68580" marR="68580" marT="0" marB="0" anchor="ctr"/>
+                </a:tc>
+                <a:tc>
+                  <a:txBody>
+                    <a:bodyPr/>
+                    <a:lstStyle/>
+                    <a:p>
+                      <a:pPr algn="just">
+                        <a:spcAft>
+                          <a:spcPts val="0"/>
+                        </a:spcAft>
+                      </a:pPr>
+                      <a:r>
+                        <a:rPr lang="en-US" sz="1800" kern="100" dirty="0">
+                          <a:effectLst/>
+                        </a:rPr>
+                        <a:t>4.46%</a:t>
+                      </a:r>
+                      <a:endParaRPr lang="zh-CN" sz="1800" kern="100" dirty="0">
+                        <a:effectLst/>
+                        <a:latin typeface="Calibri" charset="0"/>
+                        <a:ea typeface="宋体" charset="-122"/>
+                        <a:cs typeface="Times New Roman" charset="0"/>
+                      </a:endParaRPr>
+                    </a:p>
+                  </a:txBody>
+                  <a:tcPr marL="68580" marR="68580" marT="0" marB="0" anchor="ctr"/>
+                </a:tc>
+                <a:tc>
+                  <a:txBody>
+                    <a:bodyPr/>
+                    <a:lstStyle/>
+                    <a:p>
+                      <a:pPr algn="just">
+                        <a:spcAft>
+                          <a:spcPts val="0"/>
+                        </a:spcAft>
+                      </a:pPr>
+                      <a:r>
+                        <a:rPr lang="en-US" sz="1800" kern="100" dirty="0">
+                          <a:effectLst/>
+                        </a:rPr>
+                        <a:t>4.46%</a:t>
+                      </a:r>
+                      <a:endParaRPr lang="zh-CN" sz="1800" kern="100" dirty="0">
+                        <a:effectLst/>
+                        <a:latin typeface="Calibri" charset="0"/>
+                        <a:ea typeface="宋体" charset="-122"/>
+                        <a:cs typeface="Times New Roman" charset="0"/>
+                      </a:endParaRPr>
+                    </a:p>
+                  </a:txBody>
+                  <a:tcPr marL="68580" marR="68580" marT="0" marB="0" anchor="ctr"/>
+                </a:tc>
+                <a:tc>
+                  <a:txBody>
+                    <a:bodyPr/>
+                    <a:lstStyle/>
+                    <a:p>
+                      <a:pPr algn="just">
+                        <a:spcAft>
+                          <a:spcPts val="0"/>
+                        </a:spcAft>
+                      </a:pPr>
+                      <a:r>
+                        <a:rPr lang="en-US" sz="1800" kern="100" dirty="0">
+                          <a:effectLst/>
+                        </a:rPr>
+                        <a:t>4.46%</a:t>
+                      </a:r>
+                      <a:endParaRPr lang="zh-CN" sz="1800" kern="100" dirty="0">
+                        <a:effectLst/>
+                        <a:latin typeface="Calibri" charset="0"/>
+                        <a:ea typeface="宋体" charset="-122"/>
+                        <a:cs typeface="Times New Roman" charset="0"/>
+                      </a:endParaRPr>
+                    </a:p>
+                  </a:txBody>
+                  <a:tcPr marL="68580" marR="68580" marT="0" marB="0" anchor="ctr"/>
+                </a:tc>
+                <a:tc>
+                  <a:txBody>
+                    <a:bodyPr/>
+                    <a:lstStyle/>
+                    <a:p>
+                      <a:pPr algn="just">
+                        <a:spcAft>
+                          <a:spcPts val="0"/>
+                        </a:spcAft>
+                      </a:pPr>
+                      <a:r>
+                        <a:rPr lang="en-US" sz="1800" kern="100" dirty="0">
+                          <a:effectLst/>
+                        </a:rPr>
+                        <a:t>4.46%</a:t>
+                      </a:r>
+                      <a:endParaRPr lang="zh-CN" sz="1800" kern="100" dirty="0">
+                        <a:effectLst/>
+                        <a:latin typeface="Calibri" charset="0"/>
+                        <a:ea typeface="宋体" charset="-122"/>
+                        <a:cs typeface="Times New Roman" charset="0"/>
+                      </a:endParaRPr>
+                    </a:p>
+                  </a:txBody>
+                  <a:tcPr marL="68580" marR="68580" marT="0" marB="0" anchor="ctr"/>
+                </a:tc>
+                <a:tc>
+                  <a:txBody>
+                    <a:bodyPr/>
+                    <a:lstStyle/>
+                    <a:p>
+                      <a:pPr algn="just">
+                        <a:spcAft>
+                          <a:spcPts val="0"/>
+                        </a:spcAft>
+                      </a:pPr>
+                      <a:r>
+                        <a:rPr lang="en-US" sz="1800" kern="100" dirty="0">
+                          <a:effectLst/>
+                        </a:rPr>
+                        <a:t>4.46%</a:t>
+                      </a:r>
+                      <a:endParaRPr lang="zh-CN" sz="1800" kern="100" dirty="0">
+                        <a:effectLst/>
+                        <a:latin typeface="Calibri" charset="0"/>
+                        <a:ea typeface="宋体" charset="-122"/>
+                        <a:cs typeface="Times New Roman" charset="0"/>
+                      </a:endParaRPr>
+                    </a:p>
+                  </a:txBody>
+                  <a:tcPr marL="68580" marR="68580" marT="0" marB="0" anchor="ctr"/>
+                </a:tc>
+                <a:tc>
+                  <a:txBody>
+                    <a:bodyPr/>
+                    <a:lstStyle/>
+                    <a:p>
+                      <a:pPr algn="just">
+                        <a:spcAft>
+                          <a:spcPts val="0"/>
+                        </a:spcAft>
+                      </a:pPr>
+                      <a:r>
+                        <a:rPr lang="en-US" sz="1800" kern="100" dirty="0">
+                          <a:effectLst/>
+                        </a:rPr>
+                        <a:t>4.46%</a:t>
+                      </a:r>
+                      <a:endParaRPr lang="zh-CN" sz="1800" kern="100" dirty="0">
+                        <a:effectLst/>
+                        <a:latin typeface="Calibri" charset="0"/>
+                        <a:ea typeface="宋体" charset="-122"/>
+                        <a:cs typeface="Times New Roman" charset="0"/>
+                      </a:endParaRPr>
+                    </a:p>
+                  </a:txBody>
+                  <a:tcPr marL="68580" marR="68580" marT="0" marB="0" anchor="ctr"/>
+                </a:tc>
+                <a:tc>
+                  <a:txBody>
+                    <a:bodyPr/>
+                    <a:lstStyle/>
+                    <a:p>
+                      <a:pPr algn="just">
+                        <a:spcAft>
+                          <a:spcPts val="0"/>
+                        </a:spcAft>
+                      </a:pPr>
+                      <a:r>
+                        <a:rPr lang="en-US" sz="1800" kern="100" dirty="0">
+                          <a:effectLst/>
+                        </a:rPr>
+                        <a:t>4.46%</a:t>
+                      </a:r>
+                      <a:endParaRPr lang="zh-CN" sz="1800" kern="100" dirty="0">
+                        <a:effectLst/>
+                        <a:latin typeface="Calibri" charset="0"/>
+                        <a:ea typeface="宋体" charset="-122"/>
+                        <a:cs typeface="Times New Roman" charset="0"/>
+                      </a:endParaRPr>
+                    </a:p>
+                  </a:txBody>
+                  <a:tcPr marL="68580" marR="68580" marT="0" marB="0" anchor="ctr"/>
+                </a:tc>
+                <a:tc>
+                  <a:txBody>
+                    <a:bodyPr/>
+                    <a:lstStyle/>
+                    <a:p>
+                      <a:pPr algn="just">
+                        <a:spcAft>
+                          <a:spcPts val="0"/>
+                        </a:spcAft>
+                      </a:pPr>
+                      <a:r>
+                        <a:rPr lang="en-US" altLang="zh-CN" sz="1800" kern="100" dirty="0" smtClean="0">
+                          <a:effectLst/>
+                          <a:latin typeface="Calibri" charset="0"/>
+                          <a:ea typeface="宋体" charset="-122"/>
+                          <a:cs typeface="Times New Roman" charset="0"/>
+                        </a:rPr>
+                        <a:t>90%</a:t>
+                      </a:r>
+                      <a:endParaRPr lang="zh-CN" sz="1800" kern="100" dirty="0">
+                        <a:effectLst/>
+                        <a:latin typeface="Calibri" charset="0"/>
+                        <a:ea typeface="宋体" charset="-122"/>
+                        <a:cs typeface="Times New Roman" charset="0"/>
+                      </a:endParaRPr>
+                    </a:p>
+                  </a:txBody>
+                  <a:tcPr marL="68580" marR="68580" marT="0" marB="0" anchor="ctr"/>
+                </a:tc>
+              </a:tr>
+            </a:tbl>
+          </a:graphicData>
+        </a:graphic>
+      </p:graphicFrame>
+      <p:sp>
+        <p:nvSpPr>
+          <p:cNvPr id="11" name="矩形 10"/>
+          <p:cNvSpPr/>
+          <p:nvPr/>
+        </p:nvSpPr>
+        <p:spPr>
+          <a:xfrm>
+            <a:off x="2509284" y="4008677"/>
+            <a:ext cx="723014" cy="1839228"/>
+          </a:xfrm>
+          <a:prstGeom prst="rect">
+            <a:avLst/>
+          </a:prstGeom>
+          <a:noFill/>
+          <a:ln w="38100">
+            <a:solidFill>
+              <a:srgbClr val="FF0000"/>
+            </a:solidFill>
+          </a:ln>
+        </p:spPr>
+        <p:style>
+          <a:lnRef idx="2">
+            <a:schemeClr val="accent1">
+              <a:shade val="50000"/>
+            </a:schemeClr>
+          </a:lnRef>
+          <a:fillRef idx="1">
+            <a:schemeClr val="accent1"/>
+          </a:fillRef>
+          <a:effectRef idx="0">
+            <a:schemeClr val="accent1"/>
+          </a:effectRef>
+          <a:fontRef idx="minor">
+            <a:schemeClr val="lt1"/>
+          </a:fontRef>
+        </p:style>
+        <p:txBody>
+          <a:bodyPr rtlCol="0" anchor="ctr"/>
+          <a:lstStyle/>
+          <a:p>
+            <a:pPr algn="ctr"/>
+            <a:endParaRPr kumimoji="1" lang="zh-CN" altLang="en-US"/>
+          </a:p>
+        </p:txBody>
+      </p:sp>
+      <p:sp>
+        <p:nvSpPr>
+          <p:cNvPr id="12" name="矩形 11"/>
+          <p:cNvSpPr/>
+          <p:nvPr/>
+        </p:nvSpPr>
+        <p:spPr>
+          <a:xfrm>
+            <a:off x="10057071" y="4640648"/>
+            <a:ext cx="723014" cy="590569"/>
+          </a:xfrm>
+          <a:prstGeom prst="rect">
+            <a:avLst/>
+          </a:prstGeom>
+          <a:noFill/>
+          <a:ln w="38100">
+            <a:solidFill>
+              <a:schemeClr val="accent2"/>
+            </a:solidFill>
+          </a:ln>
+        </p:spPr>
+        <p:style>
+          <a:lnRef idx="2">
+            <a:schemeClr val="accent1">
+              <a:shade val="50000"/>
+            </a:schemeClr>
+          </a:lnRef>
+          <a:fillRef idx="1">
+            <a:schemeClr val="accent1"/>
+          </a:fillRef>
+          <a:effectRef idx="0">
+            <a:schemeClr val="accent1"/>
+          </a:effectRef>
+          <a:fontRef idx="minor">
+            <a:schemeClr val="lt1"/>
+          </a:fontRef>
+        </p:style>
+        <p:txBody>
+          <a:bodyPr rtlCol="0" anchor="ctr"/>
+          <a:lstStyle/>
+          <a:p>
+            <a:pPr algn="ctr"/>
+            <a:endParaRPr kumimoji="1" lang="zh-CN" altLang="en-US"/>
+          </a:p>
+        </p:txBody>
+      </p:sp>
+      <p:sp>
+        <p:nvSpPr>
+          <p:cNvPr id="13" name="矩形 12"/>
+          <p:cNvSpPr/>
+          <p:nvPr/>
+        </p:nvSpPr>
+        <p:spPr>
+          <a:xfrm>
+            <a:off x="2509284" y="4651285"/>
+            <a:ext cx="723014" cy="579933"/>
+          </a:xfrm>
+          <a:prstGeom prst="rect">
+            <a:avLst/>
+          </a:prstGeom>
+          <a:noFill/>
+          <a:ln w="38100">
+            <a:solidFill>
+              <a:schemeClr val="accent6"/>
+            </a:solidFill>
+          </a:ln>
+        </p:spPr>
+        <p:style>
+          <a:lnRef idx="2">
+            <a:schemeClr val="accent1">
+              <a:shade val="50000"/>
+            </a:schemeClr>
+          </a:lnRef>
+          <a:fillRef idx="1">
+            <a:schemeClr val="accent1"/>
+          </a:fillRef>
+          <a:effectRef idx="0">
+            <a:schemeClr val="accent1"/>
+          </a:effectRef>
+          <a:fontRef idx="minor">
+            <a:schemeClr val="lt1"/>
+          </a:fontRef>
+        </p:style>
+        <p:txBody>
+          <a:bodyPr rtlCol="0" anchor="ctr"/>
+          <a:lstStyle/>
+          <a:p>
+            <a:pPr algn="ctr"/>
+            <a:endParaRPr kumimoji="1" lang="zh-CN" altLang="en-US"/>
+          </a:p>
+        </p:txBody>
+      </p:sp>
+      <p:sp>
+        <p:nvSpPr>
+          <p:cNvPr id="14" name="矩形 13"/>
+          <p:cNvSpPr/>
+          <p:nvPr/>
+        </p:nvSpPr>
+        <p:spPr>
+          <a:xfrm>
+            <a:off x="4021765" y="4651288"/>
+            <a:ext cx="723014" cy="579930"/>
+          </a:xfrm>
+          <a:prstGeom prst="rect">
+            <a:avLst/>
+          </a:prstGeom>
+          <a:noFill/>
+          <a:ln w="38100">
+            <a:solidFill>
+              <a:schemeClr val="accent6"/>
+            </a:solidFill>
+          </a:ln>
+        </p:spPr>
+        <p:style>
+          <a:lnRef idx="2">
+            <a:schemeClr val="accent1">
+              <a:shade val="50000"/>
+            </a:schemeClr>
+          </a:lnRef>
+          <a:fillRef idx="1">
+            <a:schemeClr val="accent1"/>
+          </a:fillRef>
+          <a:effectRef idx="0">
+            <a:schemeClr val="accent1"/>
+          </a:effectRef>
+          <a:fontRef idx="minor">
+            <a:schemeClr val="lt1"/>
+          </a:fontRef>
+        </p:style>
+        <p:txBody>
+          <a:bodyPr rtlCol="0" anchor="ctr"/>
+          <a:lstStyle/>
+          <a:p>
+            <a:pPr algn="ctr"/>
+            <a:endParaRPr kumimoji="1" lang="zh-CN" altLang="en-US"/>
+          </a:p>
+        </p:txBody>
+      </p:sp>
+    </p:spTree>
+    <p:extLst>
+      <p:ext uri="{BB962C8B-B14F-4D97-AF65-F5344CB8AC3E}">
+        <p14:creationId xmlns:p14="http://schemas.microsoft.com/office/powerpoint/2010/main" val="1857384506"/>
+      </p:ext>
+    </p:extLst>
+  </p:cSld>
+  <p:clrMapOvr>
+    <a:masterClrMapping/>
+  </p:clrMapOvr>
+</p:sld>
+</file>
+
+<file path=ppt/slides/slide4.xml><?xml version="1.0" encoding="utf-8"?>
+<p:sld xmlns:a="http://schemas.openxmlformats.org/drawingml/2006/main" xmlns:r="http://schemas.openxmlformats.org/officeDocument/2006/relationships" xmlns:p="http://schemas.openxmlformats.org/presentationml/2006/main">
+  <p:cSld>
+    <p:spTree>
+      <p:nvGrpSpPr>
+        <p:cNvPr id="1" name=""/>
+        <p:cNvGrpSpPr/>
+        <p:nvPr/>
+      </p:nvGrpSpPr>
+      <p:grpSpPr>
+        <a:xfrm>
+          <a:off x="0" y="0"/>
+          <a:ext cx="0" cy="0"/>
+          <a:chOff x="0" y="0"/>
+          <a:chExt cx="0" cy="0"/>
+        </a:xfrm>
+      </p:grpSpPr>
+      <p:sp>
+        <p:nvSpPr>
           <p:cNvPr id="2" name="标题 1">
             <a:extLst>
               <a:ext uri="{FF2B5EF4-FFF2-40B4-BE49-F238E27FC236}">
-                <a16:creationId xmlns:a16="http://schemas.microsoft.com/office/drawing/2014/main" id="{78218EBA-65D5-4A38-A656-FE15D07F24D5}"/>
+                <a16:creationId xmlns:a16="http://schemas.microsoft.com/office/drawing/2014/main" xmlns="" id="{78218EBA-65D5-4A38-A656-FE15D07F24D5}"/>
               </a:ext>
             </a:extLst>
           </p:cNvPr>
@@ -3632,14 +5167,14 @@
           </a:p>
         </p:txBody>
       </p:sp>
-      <mc:AlternateContent xmlns:mc="http://schemas.openxmlformats.org/markup-compatibility/2006">
-        <mc:Choice xmlns:a14="http://schemas.microsoft.com/office/drawing/2010/main" Requires="a14">
+      <mc:AlternateContent xmlns:mc="http://schemas.openxmlformats.org/markup-compatibility/2006" xmlns:a14="http://schemas.microsoft.com/office/drawing/2010/main">
+        <mc:Choice Requires="a14">
           <p:sp>
             <p:nvSpPr>
               <p:cNvPr id="4" name="文本框 3">
                 <a:extLst>
                   <a:ext uri="{FF2B5EF4-FFF2-40B4-BE49-F238E27FC236}">
-                    <a16:creationId xmlns:a16="http://schemas.microsoft.com/office/drawing/2014/main" id="{F4EC48E2-8BA3-4909-8049-4209AC75BB08}"/>
+                    <a16:creationId xmlns:a16="http://schemas.microsoft.com/office/drawing/2014/main" xmlns="" id="{F4EC48E2-8BA3-4909-8049-4209AC75BB08}"/>
                   </a:ext>
                 </a:extLst>
               </p:cNvPr>
@@ -3662,6 +5197,7 @@
               </a:bodyPr>
               <a:lstStyle/>
               <a:p>
+                <a:pPr/>
                 <a14:m>
                   <m:oMathPara xmlns:m="http://schemas.openxmlformats.org/officeDocument/2006/math">
                     <m:oMathParaPr>
@@ -3672,7 +5208,7 @@
                         <m:sSubPr>
                           <m:ctrlPr>
                             <a:rPr lang="en-US" altLang="zh-CN" i="1" smtClean="0">
-                              <a:latin typeface="Cambria Math" panose="02040503050406030204" pitchFamily="18" charset="0"/>
+                              <a:latin typeface="Cambria Math" charset="0"/>
                             </a:rPr>
                           </m:ctrlPr>
                         </m:sSubPr>
@@ -3697,7 +5233,7 @@
                         <m:dPr>
                           <m:ctrlPr>
                             <a:rPr lang="en-US" altLang="zh-CN" b="0" i="1" smtClean="0">
-                              <a:latin typeface="Cambria Math" panose="02040503050406030204" pitchFamily="18" charset="0"/>
+                              <a:latin typeface="Cambria Math" charset="0"/>
                             </a:rPr>
                           </m:ctrlPr>
                         </m:dPr>
@@ -3744,7 +5280,7 @@
                           <m:chr m:val="∑"/>
                           <m:ctrlPr>
                             <a:rPr lang="en-US" altLang="zh-CN" b="0" i="1" smtClean="0">
-                              <a:latin typeface="Cambria Math" panose="02040503050406030204" pitchFamily="18" charset="0"/>
+                              <a:latin typeface="Cambria Math" charset="0"/>
                             </a:rPr>
                           </m:ctrlPr>
                         </m:naryPr>
@@ -3778,7 +5314,7 @@
                             <m:sSubPr>
                               <m:ctrlPr>
                                 <a:rPr lang="en-US" altLang="zh-CN" b="0" i="1" smtClean="0">
-                                  <a:latin typeface="Cambria Math" panose="02040503050406030204" pitchFamily="18" charset="0"/>
+                                  <a:latin typeface="Cambria Math" charset="0"/>
                                 </a:rPr>
                               </m:ctrlPr>
                             </m:sSubPr>
@@ -3803,7 +5339,7 @@
                             <m:sSubPr>
                               <m:ctrlPr>
                                 <a:rPr lang="en-US" altLang="zh-CN" b="0" i="1" smtClean="0">
-                                  <a:latin typeface="Cambria Math" panose="02040503050406030204" pitchFamily="18" charset="0"/>
+                                  <a:latin typeface="Cambria Math" charset="0"/>
                                 </a:rPr>
                               </m:ctrlPr>
                             </m:sSubPr>
@@ -3870,7 +5406,7 @@
             </p:txBody>
           </p:sp>
         </mc:Choice>
-        <mc:Fallback>
+        <mc:Fallback xmlns="">
           <p:sp>
             <p:nvSpPr>
               <p:cNvPr id="4" name="文本框 3">
@@ -3928,7 +5464,7 @@
 </p:sld>
 </file>
 
-<file path=ppt/slides/slide4.xml><?xml version="1.0" encoding="utf-8"?>
+<file path=ppt/slides/slide5.xml><?xml version="1.0" encoding="utf-8"?>
 <p:sld xmlns:a="http://schemas.openxmlformats.org/drawingml/2006/main" xmlns:r="http://schemas.openxmlformats.org/officeDocument/2006/relationships" xmlns:p="http://schemas.openxmlformats.org/presentationml/2006/main">
   <p:cSld>
     <p:spTree>
@@ -3945,14 +5481,14 @@
           <a:chExt cx="0" cy="0"/>
         </a:xfrm>
       </p:grpSpPr>
-      <mc:AlternateContent xmlns:mc="http://schemas.openxmlformats.org/markup-compatibility/2006">
-        <mc:Choice xmlns:a14="http://schemas.microsoft.com/office/drawing/2010/main" Requires="a14">
+      <mc:AlternateContent xmlns:mc="http://schemas.openxmlformats.org/markup-compatibility/2006" xmlns:a14="http://schemas.microsoft.com/office/drawing/2010/main">
+        <mc:Choice Requires="a14">
           <p:sp>
             <p:nvSpPr>
               <p:cNvPr id="2" name="标题 1">
                 <a:extLst>
                   <a:ext uri="{FF2B5EF4-FFF2-40B4-BE49-F238E27FC236}">
-                    <a16:creationId xmlns:a16="http://schemas.microsoft.com/office/drawing/2014/main" id="{095BF1F6-E20F-4513-863E-A5566498EA73}"/>
+                    <a16:creationId xmlns:a16="http://schemas.microsoft.com/office/drawing/2014/main" xmlns="" id="{095BF1F6-E20F-4513-863E-A5566498EA73}"/>
                   </a:ext>
                 </a:extLst>
               </p:cNvPr>
@@ -3982,7 +5518,7 @@
                       <m:sSubSupPr>
                         <m:ctrlPr>
                           <a:rPr lang="en-US" altLang="zh-CN" i="1" smtClean="0">
-                            <a:latin typeface="Cambria Math" panose="02040503050406030204" pitchFamily="18" charset="0"/>
+                            <a:latin typeface="Cambria Math" charset="0"/>
                           </a:rPr>
                         </m:ctrlPr>
                       </m:sSubSupPr>
@@ -4018,7 +5554,7 @@
             </p:txBody>
           </p:sp>
         </mc:Choice>
-        <mc:Fallback>
+        <mc:Fallback xmlns="">
           <p:sp>
             <p:nvSpPr>
               <p:cNvPr id="2" name="标题 1">
@@ -4058,14 +5594,14 @@
           </p:sp>
         </mc:Fallback>
       </mc:AlternateContent>
-      <mc:AlternateContent xmlns:mc="http://schemas.openxmlformats.org/markup-compatibility/2006">
-        <mc:Choice xmlns:a14="http://schemas.microsoft.com/office/drawing/2010/main" Requires="a14">
+      <mc:AlternateContent xmlns:mc="http://schemas.openxmlformats.org/markup-compatibility/2006" xmlns:a14="http://schemas.microsoft.com/office/drawing/2010/main">
+        <mc:Choice Requires="a14">
           <p:sp>
             <p:nvSpPr>
               <p:cNvPr id="3" name="内容占位符 2">
                 <a:extLst>
                   <a:ext uri="{FF2B5EF4-FFF2-40B4-BE49-F238E27FC236}">
-                    <a16:creationId xmlns:a16="http://schemas.microsoft.com/office/drawing/2014/main" id="{CAE8BCA0-891A-41DB-8065-F0B3539F2188}"/>
+                    <a16:creationId xmlns:a16="http://schemas.microsoft.com/office/drawing/2014/main" xmlns="" id="{CAE8BCA0-891A-41DB-8065-F0B3539F2188}"/>
                   </a:ext>
                 </a:extLst>
               </p:cNvPr>
@@ -4091,7 +5627,7 @@
                       <m:sSubPr>
                         <m:ctrlPr>
                           <a:rPr lang="en-US" altLang="zh-CN" i="1" smtClean="0">
-                            <a:latin typeface="Cambria Math" panose="02040503050406030204" pitchFamily="18" charset="0"/>
+                            <a:latin typeface="Cambria Math" charset="0"/>
                           </a:rPr>
                         </m:ctrlPr>
                       </m:sSubPr>
@@ -4122,7 +5658,7 @@
                       <m:sSubPr>
                         <m:ctrlPr>
                           <a:rPr lang="en-US" altLang="zh-CN" b="0" i="1" smtClean="0">
-                            <a:latin typeface="Cambria Math" panose="02040503050406030204" pitchFamily="18" charset="0"/>
+                            <a:latin typeface="Cambria Math" charset="0"/>
                           </a:rPr>
                         </m:ctrlPr>
                       </m:sSubPr>
@@ -4153,7 +5689,7 @@
                       <m:sSubPr>
                         <m:ctrlPr>
                           <a:rPr lang="en-US" altLang="zh-CN" b="0" i="1" smtClean="0">
-                            <a:latin typeface="Cambria Math" panose="02040503050406030204" pitchFamily="18" charset="0"/>
+                            <a:latin typeface="Cambria Math" charset="0"/>
                           </a:rPr>
                         </m:ctrlPr>
                       </m:sSubPr>
@@ -4187,7 +5723,7 @@
                         <m:chr m:val="̃"/>
                         <m:ctrlPr>
                           <a:rPr lang="zh-CN" altLang="en-US" i="1" smtClean="0">
-                            <a:latin typeface="Cambria Math" panose="02040503050406030204" pitchFamily="18" charset="0"/>
+                            <a:latin typeface="Cambria Math" charset="0"/>
                           </a:rPr>
                         </m:ctrlPr>
                       </m:accPr>
@@ -4242,7 +5778,7 @@
                       <m:sSubPr>
                         <m:ctrlPr>
                           <a:rPr lang="en-US" altLang="zh-CN" i="1" smtClean="0">
-                            <a:latin typeface="Cambria Math" panose="02040503050406030204" pitchFamily="18" charset="0"/>
+                            <a:latin typeface="Cambria Math" charset="0"/>
                           </a:rPr>
                         </m:ctrlPr>
                       </m:sSubPr>
@@ -4267,7 +5803,7 @@
                       <m:dPr>
                         <m:ctrlPr>
                           <a:rPr lang="en-US" altLang="zh-CN" b="0" i="1" smtClean="0">
-                            <a:latin typeface="Cambria Math" panose="02040503050406030204" pitchFamily="18" charset="0"/>
+                            <a:latin typeface="Cambria Math" charset="0"/>
                           </a:rPr>
                         </m:ctrlPr>
                       </m:dPr>
@@ -4303,7 +5839,7 @@
                       <m:sSubSupPr>
                         <m:ctrlPr>
                           <a:rPr lang="en-US" altLang="zh-CN" i="1" smtClean="0">
-                            <a:latin typeface="Cambria Math" panose="02040503050406030204" pitchFamily="18" charset="0"/>
+                            <a:latin typeface="Cambria Math" charset="0"/>
                           </a:rPr>
                         </m:ctrlPr>
                       </m:sSubSupPr>
@@ -4344,7 +5880,7 @@
                       <m:sSubPr>
                         <m:ctrlPr>
                           <a:rPr lang="en-US" altLang="zh-CN" i="1" smtClean="0">
-                            <a:latin typeface="Cambria Math" panose="02040503050406030204" pitchFamily="18" charset="0"/>
+                            <a:latin typeface="Cambria Math" charset="0"/>
                           </a:rPr>
                         </m:ctrlPr>
                       </m:sSubPr>
@@ -4361,7 +5897,7 @@
                           <m:sSupPr>
                             <m:ctrlPr>
                               <a:rPr lang="en-US" altLang="zh-CN" i="1" smtClean="0">
-                                <a:latin typeface="Cambria Math" panose="02040503050406030204" pitchFamily="18" charset="0"/>
+                                <a:latin typeface="Cambria Math" charset="0"/>
                               </a:rPr>
                             </m:ctrlPr>
                           </m:sSupPr>
@@ -4445,7 +5981,7 @@
                       <m:sSubPr>
                         <m:ctrlPr>
                           <a:rPr lang="en-US" altLang="zh-CN" i="1" smtClean="0">
-                            <a:latin typeface="Cambria Math" panose="02040503050406030204" pitchFamily="18" charset="0"/>
+                            <a:latin typeface="Cambria Math" charset="0"/>
                           </a:rPr>
                         </m:ctrlPr>
                       </m:sSubPr>
@@ -4555,7 +6091,7 @@
                       <m:sSubPr>
                         <m:ctrlPr>
                           <a:rPr lang="en-US" altLang="zh-CN" i="1" smtClean="0">
-                            <a:latin typeface="Cambria Math" panose="02040503050406030204" pitchFamily="18" charset="0"/>
+                            <a:latin typeface="Cambria Math" charset="0"/>
                           </a:rPr>
                         </m:ctrlPr>
                       </m:sSubPr>
@@ -4586,7 +6122,7 @@
                       <m:fPr>
                         <m:ctrlPr>
                           <a:rPr lang="en-US" altLang="zh-CN" b="0" i="1" smtClean="0">
-                            <a:latin typeface="Cambria Math" panose="02040503050406030204" pitchFamily="18" charset="0"/>
+                            <a:latin typeface="Cambria Math" charset="0"/>
                           </a:rPr>
                         </m:ctrlPr>
                       </m:fPr>
@@ -4617,7 +6153,7 @@
                       <m:fPr>
                         <m:ctrlPr>
                           <a:rPr lang="en-US" altLang="zh-CN" b="0" i="1" smtClean="0">
-                            <a:latin typeface="Cambria Math" panose="02040503050406030204" pitchFamily="18" charset="0"/>
+                            <a:latin typeface="Cambria Math" charset="0"/>
                           </a:rPr>
                         </m:ctrlPr>
                       </m:fPr>
@@ -4626,7 +6162,7 @@
                           <m:sSubPr>
                             <m:ctrlPr>
                               <a:rPr lang="en-US" altLang="zh-CN" b="0" i="1" smtClean="0">
-                                <a:latin typeface="Cambria Math" panose="02040503050406030204" pitchFamily="18" charset="0"/>
+                                <a:latin typeface="Cambria Math" charset="0"/>
                               </a:rPr>
                             </m:ctrlPr>
                           </m:sSubPr>
@@ -4644,7 +6180,7 @@
                                 <m:chr m:val="̃"/>
                                 <m:ctrlPr>
                                   <a:rPr lang="en-US" altLang="zh-CN" b="0" i="1" smtClean="0">
-                                    <a:latin typeface="Cambria Math" panose="02040503050406030204" pitchFamily="18" charset="0"/>
+                                    <a:latin typeface="Cambria Math" charset="0"/>
                                   </a:rPr>
                                 </m:ctrlPr>
                               </m:accPr>
@@ -4669,7 +6205,7 @@
                           <m:sSubPr>
                             <m:ctrlPr>
                               <a:rPr lang="en-US" altLang="zh-CN" b="0" i="1" smtClean="0">
-                                <a:latin typeface="Cambria Math" panose="02040503050406030204" pitchFamily="18" charset="0"/>
+                                <a:latin typeface="Cambria Math" charset="0"/>
                               </a:rPr>
                             </m:ctrlPr>
                           </m:sSubPr>
@@ -4702,7 +6238,7 @@
                           <m:sSubPr>
                             <m:ctrlPr>
                               <a:rPr lang="en-US" altLang="zh-CN" b="0" i="1" smtClean="0">
-                                <a:latin typeface="Cambria Math" panose="02040503050406030204" pitchFamily="18" charset="0"/>
+                                <a:latin typeface="Cambria Math" charset="0"/>
                               </a:rPr>
                             </m:ctrlPr>
                           </m:sSubPr>
@@ -4733,7 +6269,7 @@
                           <m:sSubPr>
                             <m:ctrlPr>
                               <a:rPr lang="en-US" altLang="zh-CN" b="0" i="1" smtClean="0">
-                                <a:latin typeface="Cambria Math" panose="02040503050406030204" pitchFamily="18" charset="0"/>
+                                <a:latin typeface="Cambria Math" charset="0"/>
                               </a:rPr>
                             </m:ctrlPr>
                           </m:sSubPr>
@@ -4792,7 +6328,7 @@
                       <m:sSubPr>
                         <m:ctrlPr>
                           <a:rPr lang="en-US" altLang="zh-CN" i="1" smtClean="0">
-                            <a:latin typeface="Cambria Math" panose="02040503050406030204" pitchFamily="18" charset="0"/>
+                            <a:latin typeface="Cambria Math" charset="0"/>
                           </a:rPr>
                         </m:ctrlPr>
                       </m:sSubPr>
@@ -4825,7 +6361,7 @@
                       <m:sSubPr>
                         <m:ctrlPr>
                           <a:rPr lang="en-US" altLang="zh-CN" i="1" smtClean="0">
-                            <a:latin typeface="Cambria Math" panose="02040503050406030204" pitchFamily="18" charset="0"/>
+                            <a:latin typeface="Cambria Math" charset="0"/>
                           </a:rPr>
                         </m:ctrlPr>
                       </m:sSubPr>
@@ -4857,7 +6393,7 @@
                       <m:sSubPr>
                         <m:ctrlPr>
                           <a:rPr lang="en-US" altLang="zh-CN" i="1" smtClean="0">
-                            <a:latin typeface="Cambria Math" panose="02040503050406030204" pitchFamily="18" charset="0"/>
+                            <a:latin typeface="Cambria Math" charset="0"/>
                           </a:rPr>
                         </m:ctrlPr>
                       </m:sSubPr>
@@ -4888,7 +6424,7 @@
                       <m:sSubPr>
                         <m:ctrlPr>
                           <a:rPr lang="en-US" altLang="zh-CN" i="1" smtClean="0">
-                            <a:latin typeface="Cambria Math" panose="02040503050406030204" pitchFamily="18" charset="0"/>
+                            <a:latin typeface="Cambria Math" charset="0"/>
                           </a:rPr>
                         </m:ctrlPr>
                       </m:sSubPr>
@@ -4935,7 +6471,7 @@
                       <m:sSubPr>
                         <m:ctrlPr>
                           <a:rPr lang="en-US" altLang="zh-CN" i="1" smtClean="0">
-                            <a:latin typeface="Cambria Math" panose="02040503050406030204" pitchFamily="18" charset="0"/>
+                            <a:latin typeface="Cambria Math" charset="0"/>
                           </a:rPr>
                         </m:ctrlPr>
                       </m:sSubPr>
@@ -4975,7 +6511,7 @@
             </p:txBody>
           </p:sp>
         </mc:Choice>
-        <mc:Fallback>
+        <mc:Fallback xmlns="">
           <p:sp>
             <p:nvSpPr>
               <p:cNvPr id="3" name="内容占位符 2">
@@ -5028,7 +6564,7 @@
 </p:sld>
 </file>
 
-<file path=ppt/slides/slide5.xml><?xml version="1.0" encoding="utf-8"?>
+<file path=ppt/slides/slide6.xml><?xml version="1.0" encoding="utf-8"?>
 <p:sld xmlns:a="http://schemas.openxmlformats.org/drawingml/2006/main" xmlns:r="http://schemas.openxmlformats.org/officeDocument/2006/relationships" xmlns:p="http://schemas.openxmlformats.org/presentationml/2006/main">
   <p:cSld>
     <p:spTree>
@@ -5045,14 +6581,14 @@
           <a:chExt cx="0" cy="0"/>
         </a:xfrm>
       </p:grpSpPr>
-      <mc:AlternateContent xmlns:mc="http://schemas.openxmlformats.org/markup-compatibility/2006">
-        <mc:Choice xmlns:a14="http://schemas.microsoft.com/office/drawing/2010/main" Requires="a14">
+      <mc:AlternateContent xmlns:mc="http://schemas.openxmlformats.org/markup-compatibility/2006" xmlns:a14="http://schemas.microsoft.com/office/drawing/2010/main">
+        <mc:Choice Requires="a14">
           <p:sp>
             <p:nvSpPr>
               <p:cNvPr id="2" name="标题 1">
                 <a:extLst>
                   <a:ext uri="{FF2B5EF4-FFF2-40B4-BE49-F238E27FC236}">
-                    <a16:creationId xmlns:a16="http://schemas.microsoft.com/office/drawing/2014/main" id="{87DCE796-5A54-4641-A737-D918725D654E}"/>
+                    <a16:creationId xmlns:a16="http://schemas.microsoft.com/office/drawing/2014/main" xmlns="" id="{87DCE796-5A54-4641-A737-D918725D654E}"/>
                   </a:ext>
                 </a:extLst>
               </p:cNvPr>
@@ -5082,7 +6618,7 @@
                       <m:sSubSupPr>
                         <m:ctrlPr>
                           <a:rPr lang="en-US" altLang="zh-CN" i="1" smtClean="0">
-                            <a:latin typeface="Cambria Math" panose="02040503050406030204" pitchFamily="18" charset="0"/>
+                            <a:latin typeface="Cambria Math" charset="0"/>
                           </a:rPr>
                         </m:ctrlPr>
                       </m:sSubSupPr>
@@ -5118,7 +6654,7 @@
             </p:txBody>
           </p:sp>
         </mc:Choice>
-        <mc:Fallback>
+        <mc:Fallback xmlns="">
           <p:sp>
             <p:nvSpPr>
               <p:cNvPr id="2" name="标题 1">
@@ -5158,14 +6694,14 @@
           </p:sp>
         </mc:Fallback>
       </mc:AlternateContent>
-      <mc:AlternateContent xmlns:mc="http://schemas.openxmlformats.org/markup-compatibility/2006">
-        <mc:Choice xmlns:a14="http://schemas.microsoft.com/office/drawing/2010/main" Requires="a14">
+      <mc:AlternateContent xmlns:mc="http://schemas.openxmlformats.org/markup-compatibility/2006" xmlns:a14="http://schemas.microsoft.com/office/drawing/2010/main">
+        <mc:Choice Requires="a14">
           <p:sp>
             <p:nvSpPr>
               <p:cNvPr id="3" name="内容占位符 2">
                 <a:extLst>
                   <a:ext uri="{FF2B5EF4-FFF2-40B4-BE49-F238E27FC236}">
-                    <a16:creationId xmlns:a16="http://schemas.microsoft.com/office/drawing/2014/main" id="{C4337C8A-FD9D-49A1-9A52-5BF9853DC02A}"/>
+                    <a16:creationId xmlns:a16="http://schemas.microsoft.com/office/drawing/2014/main" xmlns="" id="{C4337C8A-FD9D-49A1-9A52-5BF9853DC02A}"/>
                   </a:ext>
                 </a:extLst>
               </p:cNvPr>
@@ -5203,7 +6739,7 @@
                       <m:sSubPr>
                         <m:ctrlPr>
                           <a:rPr lang="en-US" altLang="zh-CN" b="0" i="1" smtClean="0">
-                            <a:latin typeface="Cambria Math" panose="02040503050406030204" pitchFamily="18" charset="0"/>
+                            <a:latin typeface="Cambria Math" charset="0"/>
                           </a:rPr>
                         </m:ctrlPr>
                       </m:sSubPr>
@@ -5234,7 +6770,7 @@
                       <m:sSubPr>
                         <m:ctrlPr>
                           <a:rPr lang="en-US" altLang="zh-CN" b="0" i="1" smtClean="0">
-                            <a:latin typeface="Cambria Math" panose="02040503050406030204" pitchFamily="18" charset="0"/>
+                            <a:latin typeface="Cambria Math" charset="0"/>
                           </a:rPr>
                         </m:ctrlPr>
                       </m:sSubPr>
@@ -5265,7 +6801,7 @@
                       <m:sSubPr>
                         <m:ctrlPr>
                           <a:rPr lang="en-US" altLang="zh-CN" b="0" i="1" smtClean="0">
-                            <a:latin typeface="Cambria Math" panose="02040503050406030204" pitchFamily="18" charset="0"/>
+                            <a:latin typeface="Cambria Math" charset="0"/>
                           </a:rPr>
                         </m:ctrlPr>
                       </m:sSubPr>
@@ -5296,7 +6832,7 @@
                       <m:sSubPr>
                         <m:ctrlPr>
                           <a:rPr lang="en-US" altLang="zh-CN" b="0" i="1" smtClean="0">
-                            <a:latin typeface="Cambria Math" panose="02040503050406030204" pitchFamily="18" charset="0"/>
+                            <a:latin typeface="Cambria Math" charset="0"/>
                           </a:rPr>
                         </m:ctrlPr>
                       </m:sSubPr>
@@ -5333,13 +6869,7 @@
                       <a:rPr lang="en-US" altLang="zh-CN" b="0" i="1" smtClean="0">
                         <a:latin typeface="Cambria Math" panose="02040503050406030204" pitchFamily="18" charset="0"/>
                       </a:rPr>
-                      <m:t>)</m:t>
-                    </m:r>
-                    <m:r>
-                      <a:rPr lang="en-US" altLang="zh-CN" b="0" i="1" smtClean="0">
-                        <a:latin typeface="Cambria Math" panose="02040503050406030204" pitchFamily="18" charset="0"/>
-                      </a:rPr>
-                      <m:t>，</m:t>
+                      <m:t>)，</m:t>
                     </m:r>
                   </m:oMath>
                 </a14:m>
@@ -5382,7 +6912,7 @@
                       <m:dPr>
                         <m:ctrlPr>
                           <a:rPr lang="en-US" altLang="zh-CN" b="0" i="1" smtClean="0">
-                            <a:latin typeface="Cambria Math" panose="02040503050406030204" pitchFamily="18" charset="0"/>
+                            <a:latin typeface="Cambria Math" charset="0"/>
                           </a:rPr>
                         </m:ctrlPr>
                       </m:dPr>
@@ -5391,7 +6921,7 @@
                           <m:sSubPr>
                             <m:ctrlPr>
                               <a:rPr lang="en-US" altLang="zh-CN" b="0" i="1" smtClean="0">
-                                <a:latin typeface="Cambria Math" panose="02040503050406030204" pitchFamily="18" charset="0"/>
+                                <a:latin typeface="Cambria Math" charset="0"/>
                               </a:rPr>
                             </m:ctrlPr>
                           </m:sSubPr>
@@ -5430,7 +6960,7 @@
                       <m:dPr>
                         <m:ctrlPr>
                           <a:rPr lang="en-US" altLang="zh-CN" b="0" i="1" smtClean="0">
-                            <a:latin typeface="Cambria Math" panose="02040503050406030204" pitchFamily="18" charset="0"/>
+                            <a:latin typeface="Cambria Math" charset="0"/>
                           </a:rPr>
                         </m:ctrlPr>
                       </m:dPr>
@@ -5439,7 +6969,7 @@
                           <m:sSubPr>
                             <m:ctrlPr>
                               <a:rPr lang="en-US" altLang="zh-CN" b="0" i="1" smtClean="0">
-                                <a:latin typeface="Cambria Math" panose="02040503050406030204" pitchFamily="18" charset="0"/>
+                                <a:latin typeface="Cambria Math" charset="0"/>
                               </a:rPr>
                             </m:ctrlPr>
                           </m:sSubPr>
@@ -5478,7 +7008,7 @@
                       <m:dPr>
                         <m:ctrlPr>
                           <a:rPr lang="en-US" altLang="zh-CN" b="0" i="1" smtClean="0">
-                            <a:latin typeface="Cambria Math" panose="02040503050406030204" pitchFamily="18" charset="0"/>
+                            <a:latin typeface="Cambria Math" charset="0"/>
                           </a:rPr>
                         </m:ctrlPr>
                       </m:dPr>
@@ -5487,7 +7017,7 @@
                           <m:sSubPr>
                             <m:ctrlPr>
                               <a:rPr lang="en-US" altLang="zh-CN" b="0" i="1" smtClean="0">
-                                <a:latin typeface="Cambria Math" panose="02040503050406030204" pitchFamily="18" charset="0"/>
+                                <a:latin typeface="Cambria Math" charset="0"/>
                               </a:rPr>
                             </m:ctrlPr>
                           </m:sSubPr>
@@ -5527,7 +7057,7 @@
                       <m:sSubPr>
                         <m:ctrlPr>
                           <a:rPr lang="en-US" altLang="zh-CN" b="0" i="1" smtClean="0">
-                            <a:latin typeface="Cambria Math" panose="02040503050406030204" pitchFamily="18" charset="0"/>
+                            <a:latin typeface="Cambria Math" charset="0"/>
                           </a:rPr>
                         </m:ctrlPr>
                       </m:sSubPr>
@@ -5545,7 +7075,7 @@
                             <m:chr m:val="̃"/>
                             <m:ctrlPr>
                               <a:rPr lang="en-US" altLang="zh-CN" b="0" i="1" smtClean="0">
-                                <a:latin typeface="Cambria Math" panose="02040503050406030204" pitchFamily="18" charset="0"/>
+                                <a:latin typeface="Cambria Math" charset="0"/>
                               </a:rPr>
                             </m:ctrlPr>
                           </m:accPr>
@@ -5570,7 +7100,7 @@
                       <m:sSubPr>
                         <m:ctrlPr>
                           <a:rPr lang="en-US" altLang="zh-CN" b="0" i="1" smtClean="0">
-                            <a:latin typeface="Cambria Math" panose="02040503050406030204" pitchFamily="18" charset="0"/>
+                            <a:latin typeface="Cambria Math" charset="0"/>
                           </a:rPr>
                         </m:ctrlPr>
                       </m:sSubPr>
@@ -5619,7 +7149,7 @@
                       <m:sSubPr>
                         <m:ctrlPr>
                           <a:rPr lang="en-US" altLang="zh-CN" b="0" i="1" smtClean="0">
-                            <a:latin typeface="Cambria Math" panose="02040503050406030204" pitchFamily="18" charset="0"/>
+                            <a:latin typeface="Cambria Math" charset="0"/>
                           </a:rPr>
                         </m:ctrlPr>
                       </m:sSubPr>
@@ -5637,7 +7167,7 @@
                             <m:chr m:val="̃"/>
                             <m:ctrlPr>
                               <a:rPr lang="en-US" altLang="zh-CN" b="0" i="1" smtClean="0">
-                                <a:latin typeface="Cambria Math" panose="02040503050406030204" pitchFamily="18" charset="0"/>
+                                <a:latin typeface="Cambria Math" charset="0"/>
                               </a:rPr>
                             </m:ctrlPr>
                           </m:accPr>
@@ -5656,7 +7186,7 @@
                       <m:dPr>
                         <m:ctrlPr>
                           <a:rPr lang="en-US" altLang="zh-CN" b="0" i="1" smtClean="0">
-                            <a:latin typeface="Cambria Math" panose="02040503050406030204" pitchFamily="18" charset="0"/>
+                            <a:latin typeface="Cambria Math" charset="0"/>
                           </a:rPr>
                         </m:ctrlPr>
                       </m:dPr>
@@ -5665,7 +7195,7 @@
                           <m:sSubPr>
                             <m:ctrlPr>
                               <a:rPr lang="en-US" altLang="zh-CN" b="0" i="1" smtClean="0">
-                                <a:latin typeface="Cambria Math" panose="02040503050406030204" pitchFamily="18" charset="0"/>
+                                <a:latin typeface="Cambria Math" charset="0"/>
                               </a:rPr>
                             </m:ctrlPr>
                           </m:sSubPr>
@@ -5698,7 +7228,7 @@
                       <m:fPr>
                         <m:ctrlPr>
                           <a:rPr lang="en-US" altLang="zh-CN" b="0" i="1" smtClean="0">
-                            <a:latin typeface="Cambria Math" panose="02040503050406030204" pitchFamily="18" charset="0"/>
+                            <a:latin typeface="Cambria Math" charset="0"/>
                           </a:rPr>
                         </m:ctrlPr>
                       </m:fPr>
@@ -5874,7 +7404,7 @@
                       <m:sSubPr>
                         <m:ctrlPr>
                           <a:rPr lang="en-US" altLang="zh-CN" b="0" i="1" smtClean="0">
-                            <a:latin typeface="Cambria Math" panose="02040503050406030204" pitchFamily="18" charset="0"/>
+                            <a:latin typeface="Cambria Math" charset="0"/>
                           </a:rPr>
                         </m:ctrlPr>
                       </m:sSubPr>
@@ -5905,7 +7435,7 @@
                       <m:sSubPr>
                         <m:ctrlPr>
                           <a:rPr lang="en-US" altLang="zh-CN" b="0" i="1" smtClean="0">
-                            <a:latin typeface="Cambria Math" panose="02040503050406030204" pitchFamily="18" charset="0"/>
+                            <a:latin typeface="Cambria Math" charset="0"/>
                           </a:rPr>
                         </m:ctrlPr>
                       </m:sSubPr>
@@ -5948,7 +7478,7 @@
                       <m:sSubPr>
                         <m:ctrlPr>
                           <a:rPr lang="en-US" altLang="zh-CN" b="0" i="1" smtClean="0">
-                            <a:latin typeface="Cambria Math" panose="02040503050406030204" pitchFamily="18" charset="0"/>
+                            <a:latin typeface="Cambria Math" charset="0"/>
                           </a:rPr>
                         </m:ctrlPr>
                       </m:sSubPr>
@@ -5973,7 +7503,7 @@
                       <m:dPr>
                         <m:ctrlPr>
                           <a:rPr lang="en-US" altLang="zh-CN" b="0" i="1" smtClean="0">
-                            <a:latin typeface="Cambria Math" panose="02040503050406030204" pitchFamily="18" charset="0"/>
+                            <a:latin typeface="Cambria Math" charset="0"/>
                           </a:rPr>
                         </m:ctrlPr>
                       </m:dPr>
@@ -5982,7 +7512,7 @@
                           <m:sSubPr>
                             <m:ctrlPr>
                               <a:rPr lang="en-US" altLang="zh-CN" b="0" i="1" smtClean="0">
-                                <a:latin typeface="Cambria Math" panose="02040503050406030204" pitchFamily="18" charset="0"/>
+                                <a:latin typeface="Cambria Math" charset="0"/>
                               </a:rPr>
                             </m:ctrlPr>
                           </m:sSubPr>
@@ -6015,7 +7545,7 @@
                       <m:fPr>
                         <m:ctrlPr>
                           <a:rPr lang="en-US" altLang="zh-CN" b="0" i="1" smtClean="0">
-                            <a:latin typeface="Cambria Math" panose="02040503050406030204" pitchFamily="18" charset="0"/>
+                            <a:latin typeface="Cambria Math" charset="0"/>
                           </a:rPr>
                         </m:ctrlPr>
                       </m:fPr>
@@ -6046,7 +7576,7 @@
                       <m:dPr>
                         <m:ctrlPr>
                           <a:rPr lang="en-US" altLang="zh-CN" b="0" i="1" smtClean="0">
-                            <a:latin typeface="Cambria Math" panose="02040503050406030204" pitchFamily="18" charset="0"/>
+                            <a:latin typeface="Cambria Math" charset="0"/>
                           </a:rPr>
                         </m:ctrlPr>
                       </m:dPr>
@@ -6077,7 +7607,7 @@
                       <m:fPr>
                         <m:ctrlPr>
                           <a:rPr lang="en-US" altLang="zh-CN" b="0" i="1" smtClean="0">
-                            <a:latin typeface="Cambria Math" panose="02040503050406030204" pitchFamily="18" charset="0"/>
+                            <a:latin typeface="Cambria Math" charset="0"/>
                           </a:rPr>
                         </m:ctrlPr>
                       </m:fPr>
@@ -6102,7 +7632,7 @@
                       <m:sSupPr>
                         <m:ctrlPr>
                           <a:rPr lang="en-US" altLang="zh-CN" b="0" i="1" smtClean="0">
-                            <a:latin typeface="Cambria Math" panose="02040503050406030204" pitchFamily="18" charset="0"/>
+                            <a:latin typeface="Cambria Math" charset="0"/>
                           </a:rPr>
                         </m:ctrlPr>
                       </m:sSupPr>
@@ -6119,7 +7649,7 @@
                           <m:sSubPr>
                             <m:ctrlPr>
                               <a:rPr lang="en-US" altLang="zh-CN" b="0" i="1" smtClean="0">
-                                <a:latin typeface="Cambria Math" panose="02040503050406030204" pitchFamily="18" charset="0"/>
+                                <a:latin typeface="Cambria Math" charset="0"/>
                               </a:rPr>
                             </m:ctrlPr>
                           </m:sSubPr>
@@ -6149,7 +7679,7 @@
             </p:txBody>
           </p:sp>
         </mc:Choice>
-        <mc:Fallback>
+        <mc:Fallback xmlns="">
           <p:sp>
             <p:nvSpPr>
               <p:cNvPr id="3" name="内容占位符 2">

--- a/MaxEntPosTag/最大熵模型.pptx
+++ b/MaxEntPosTag/最大熵模型.pptx
@@ -139,7 +139,7 @@
           <p:cNvPr id="2" name="标题 1">
             <a:extLst>
               <a:ext uri="{FF2B5EF4-FFF2-40B4-BE49-F238E27FC236}">
-                <a16:creationId xmlns:a16="http://schemas.microsoft.com/office/drawing/2014/main" xmlns="" id="{2F1EC56E-EF22-49F4-98D0-741524669679}"/>
+                <a16:creationId xmlns:a16="http://schemas.microsoft.com/office/drawing/2014/main" id="{2F1EC56E-EF22-49F4-98D0-741524669679}"/>
               </a:ext>
             </a:extLst>
           </p:cNvPr>
@@ -176,7 +176,7 @@
           <p:cNvPr id="3" name="副标题 2">
             <a:extLst>
               <a:ext uri="{FF2B5EF4-FFF2-40B4-BE49-F238E27FC236}">
-                <a16:creationId xmlns:a16="http://schemas.microsoft.com/office/drawing/2014/main" xmlns="" id="{D1C1AAA0-5F41-4C15-8F71-A8B34E35CBCD}"/>
+                <a16:creationId xmlns:a16="http://schemas.microsoft.com/office/drawing/2014/main" id="{D1C1AAA0-5F41-4C15-8F71-A8B34E35CBCD}"/>
               </a:ext>
             </a:extLst>
           </p:cNvPr>
@@ -246,7 +246,7 @@
           <p:cNvPr id="4" name="日期占位符 3">
             <a:extLst>
               <a:ext uri="{FF2B5EF4-FFF2-40B4-BE49-F238E27FC236}">
-                <a16:creationId xmlns:a16="http://schemas.microsoft.com/office/drawing/2014/main" xmlns="" id="{78F5699A-45C8-489B-B26B-5C831DAF4A96}"/>
+                <a16:creationId xmlns:a16="http://schemas.microsoft.com/office/drawing/2014/main" id="{78F5699A-45C8-489B-B26B-5C831DAF4A96}"/>
               </a:ext>
             </a:extLst>
           </p:cNvPr>
@@ -264,7 +264,7 @@
           <a:p>
             <a:fld id="{9D586CC8-5FE8-4F7D-984E-3E1A9BA07916}" type="datetimeFigureOut">
               <a:rPr lang="zh-CN" altLang="en-US" smtClean="0"/>
-              <a:t>2019/11/26</a:t>
+              <a:t>2019/11/28</a:t>
             </a:fld>
             <a:endParaRPr lang="zh-CN" altLang="en-US"/>
           </a:p>
@@ -275,7 +275,7 @@
           <p:cNvPr id="5" name="页脚占位符 4">
             <a:extLst>
               <a:ext uri="{FF2B5EF4-FFF2-40B4-BE49-F238E27FC236}">
-                <a16:creationId xmlns:a16="http://schemas.microsoft.com/office/drawing/2014/main" xmlns="" id="{4096700A-54A7-4FAC-8957-EAB5B1192DE4}"/>
+                <a16:creationId xmlns:a16="http://schemas.microsoft.com/office/drawing/2014/main" id="{4096700A-54A7-4FAC-8957-EAB5B1192DE4}"/>
               </a:ext>
             </a:extLst>
           </p:cNvPr>
@@ -300,7 +300,7 @@
           <p:cNvPr id="6" name="灯片编号占位符 5">
             <a:extLst>
               <a:ext uri="{FF2B5EF4-FFF2-40B4-BE49-F238E27FC236}">
-                <a16:creationId xmlns:a16="http://schemas.microsoft.com/office/drawing/2014/main" xmlns="" id="{7614BD41-C2BB-406F-9297-7DB1B1E5EAFF}"/>
+                <a16:creationId xmlns:a16="http://schemas.microsoft.com/office/drawing/2014/main" id="{7614BD41-C2BB-406F-9297-7DB1B1E5EAFF}"/>
               </a:ext>
             </a:extLst>
           </p:cNvPr>
@@ -359,7 +359,7 @@
           <p:cNvPr id="2" name="标题 1">
             <a:extLst>
               <a:ext uri="{FF2B5EF4-FFF2-40B4-BE49-F238E27FC236}">
-                <a16:creationId xmlns:a16="http://schemas.microsoft.com/office/drawing/2014/main" xmlns="" id="{9590B87B-220C-4079-A31E-1B167E2C6D40}"/>
+                <a16:creationId xmlns:a16="http://schemas.microsoft.com/office/drawing/2014/main" id="{9590B87B-220C-4079-A31E-1B167E2C6D40}"/>
               </a:ext>
             </a:extLst>
           </p:cNvPr>
@@ -387,7 +387,7 @@
           <p:cNvPr id="3" name="竖排文字占位符 2">
             <a:extLst>
               <a:ext uri="{FF2B5EF4-FFF2-40B4-BE49-F238E27FC236}">
-                <a16:creationId xmlns:a16="http://schemas.microsoft.com/office/drawing/2014/main" xmlns="" id="{47BBCF23-7E18-469B-8FC7-E72FEF85D9ED}"/>
+                <a16:creationId xmlns:a16="http://schemas.microsoft.com/office/drawing/2014/main" id="{47BBCF23-7E18-469B-8FC7-E72FEF85D9ED}"/>
               </a:ext>
             </a:extLst>
           </p:cNvPr>
@@ -444,7 +444,7 @@
           <p:cNvPr id="4" name="日期占位符 3">
             <a:extLst>
               <a:ext uri="{FF2B5EF4-FFF2-40B4-BE49-F238E27FC236}">
-                <a16:creationId xmlns:a16="http://schemas.microsoft.com/office/drawing/2014/main" xmlns="" id="{12E19C9E-6E3D-44A0-883D-4B83BF9B1693}"/>
+                <a16:creationId xmlns:a16="http://schemas.microsoft.com/office/drawing/2014/main" id="{12E19C9E-6E3D-44A0-883D-4B83BF9B1693}"/>
               </a:ext>
             </a:extLst>
           </p:cNvPr>
@@ -462,7 +462,7 @@
           <a:p>
             <a:fld id="{9D586CC8-5FE8-4F7D-984E-3E1A9BA07916}" type="datetimeFigureOut">
               <a:rPr lang="zh-CN" altLang="en-US" smtClean="0"/>
-              <a:t>2019/11/26</a:t>
+              <a:t>2019/11/28</a:t>
             </a:fld>
             <a:endParaRPr lang="zh-CN" altLang="en-US"/>
           </a:p>
@@ -473,7 +473,7 @@
           <p:cNvPr id="5" name="页脚占位符 4">
             <a:extLst>
               <a:ext uri="{FF2B5EF4-FFF2-40B4-BE49-F238E27FC236}">
-                <a16:creationId xmlns:a16="http://schemas.microsoft.com/office/drawing/2014/main" xmlns="" id="{750DB086-7181-4A3E-8778-11554A369510}"/>
+                <a16:creationId xmlns:a16="http://schemas.microsoft.com/office/drawing/2014/main" id="{750DB086-7181-4A3E-8778-11554A369510}"/>
               </a:ext>
             </a:extLst>
           </p:cNvPr>
@@ -498,7 +498,7 @@
           <p:cNvPr id="6" name="灯片编号占位符 5">
             <a:extLst>
               <a:ext uri="{FF2B5EF4-FFF2-40B4-BE49-F238E27FC236}">
-                <a16:creationId xmlns:a16="http://schemas.microsoft.com/office/drawing/2014/main" xmlns="" id="{E917B64E-AE1A-4940-8369-2404A1D3C7A1}"/>
+                <a16:creationId xmlns:a16="http://schemas.microsoft.com/office/drawing/2014/main" id="{E917B64E-AE1A-4940-8369-2404A1D3C7A1}"/>
               </a:ext>
             </a:extLst>
           </p:cNvPr>
@@ -557,7 +557,7 @@
           <p:cNvPr id="2" name="竖排标题 1">
             <a:extLst>
               <a:ext uri="{FF2B5EF4-FFF2-40B4-BE49-F238E27FC236}">
-                <a16:creationId xmlns:a16="http://schemas.microsoft.com/office/drawing/2014/main" xmlns="" id="{00CF95E6-CAEF-4704-B895-3F5931888CF3}"/>
+                <a16:creationId xmlns:a16="http://schemas.microsoft.com/office/drawing/2014/main" id="{00CF95E6-CAEF-4704-B895-3F5931888CF3}"/>
               </a:ext>
             </a:extLst>
           </p:cNvPr>
@@ -590,7 +590,7 @@
           <p:cNvPr id="3" name="竖排文字占位符 2">
             <a:extLst>
               <a:ext uri="{FF2B5EF4-FFF2-40B4-BE49-F238E27FC236}">
-                <a16:creationId xmlns:a16="http://schemas.microsoft.com/office/drawing/2014/main" xmlns="" id="{C008E49D-4005-4BE2-98A3-8FBF41713BDA}"/>
+                <a16:creationId xmlns:a16="http://schemas.microsoft.com/office/drawing/2014/main" id="{C008E49D-4005-4BE2-98A3-8FBF41713BDA}"/>
               </a:ext>
             </a:extLst>
           </p:cNvPr>
@@ -652,7 +652,7 @@
           <p:cNvPr id="4" name="日期占位符 3">
             <a:extLst>
               <a:ext uri="{FF2B5EF4-FFF2-40B4-BE49-F238E27FC236}">
-                <a16:creationId xmlns:a16="http://schemas.microsoft.com/office/drawing/2014/main" xmlns="" id="{AE353E33-994F-4FCF-9DA5-4BB638E2EFE4}"/>
+                <a16:creationId xmlns:a16="http://schemas.microsoft.com/office/drawing/2014/main" id="{AE353E33-994F-4FCF-9DA5-4BB638E2EFE4}"/>
               </a:ext>
             </a:extLst>
           </p:cNvPr>
@@ -670,7 +670,7 @@
           <a:p>
             <a:fld id="{9D586CC8-5FE8-4F7D-984E-3E1A9BA07916}" type="datetimeFigureOut">
               <a:rPr lang="zh-CN" altLang="en-US" smtClean="0"/>
-              <a:t>2019/11/26</a:t>
+              <a:t>2019/11/28</a:t>
             </a:fld>
             <a:endParaRPr lang="zh-CN" altLang="en-US"/>
           </a:p>
@@ -681,7 +681,7 @@
           <p:cNvPr id="5" name="页脚占位符 4">
             <a:extLst>
               <a:ext uri="{FF2B5EF4-FFF2-40B4-BE49-F238E27FC236}">
-                <a16:creationId xmlns:a16="http://schemas.microsoft.com/office/drawing/2014/main" xmlns="" id="{1263BC31-F53B-43F6-B64D-233D6FBEFC3A}"/>
+                <a16:creationId xmlns:a16="http://schemas.microsoft.com/office/drawing/2014/main" id="{1263BC31-F53B-43F6-B64D-233D6FBEFC3A}"/>
               </a:ext>
             </a:extLst>
           </p:cNvPr>
@@ -706,7 +706,7 @@
           <p:cNvPr id="6" name="灯片编号占位符 5">
             <a:extLst>
               <a:ext uri="{FF2B5EF4-FFF2-40B4-BE49-F238E27FC236}">
-                <a16:creationId xmlns:a16="http://schemas.microsoft.com/office/drawing/2014/main" xmlns="" id="{36522C67-D375-4841-B920-1893E2A6031D}"/>
+                <a16:creationId xmlns:a16="http://schemas.microsoft.com/office/drawing/2014/main" id="{36522C67-D375-4841-B920-1893E2A6031D}"/>
               </a:ext>
             </a:extLst>
           </p:cNvPr>
@@ -765,7 +765,7 @@
           <p:cNvPr id="2" name="标题 1">
             <a:extLst>
               <a:ext uri="{FF2B5EF4-FFF2-40B4-BE49-F238E27FC236}">
-                <a16:creationId xmlns:a16="http://schemas.microsoft.com/office/drawing/2014/main" xmlns="" id="{5062EA3D-5C3F-430D-96DA-63512AE31F0A}"/>
+                <a16:creationId xmlns:a16="http://schemas.microsoft.com/office/drawing/2014/main" id="{5062EA3D-5C3F-430D-96DA-63512AE31F0A}"/>
               </a:ext>
             </a:extLst>
           </p:cNvPr>
@@ -793,7 +793,7 @@
           <p:cNvPr id="3" name="内容占位符 2">
             <a:extLst>
               <a:ext uri="{FF2B5EF4-FFF2-40B4-BE49-F238E27FC236}">
-                <a16:creationId xmlns:a16="http://schemas.microsoft.com/office/drawing/2014/main" xmlns="" id="{00742E17-D339-4289-A068-65A0A4ACEA6A}"/>
+                <a16:creationId xmlns:a16="http://schemas.microsoft.com/office/drawing/2014/main" id="{00742E17-D339-4289-A068-65A0A4ACEA6A}"/>
               </a:ext>
             </a:extLst>
           </p:cNvPr>
@@ -850,7 +850,7 @@
           <p:cNvPr id="4" name="日期占位符 3">
             <a:extLst>
               <a:ext uri="{FF2B5EF4-FFF2-40B4-BE49-F238E27FC236}">
-                <a16:creationId xmlns:a16="http://schemas.microsoft.com/office/drawing/2014/main" xmlns="" id="{3FEC6A38-E60C-498F-B3A8-5F1AD8936C95}"/>
+                <a16:creationId xmlns:a16="http://schemas.microsoft.com/office/drawing/2014/main" id="{3FEC6A38-E60C-498F-B3A8-5F1AD8936C95}"/>
               </a:ext>
             </a:extLst>
           </p:cNvPr>
@@ -868,7 +868,7 @@
           <a:p>
             <a:fld id="{9D586CC8-5FE8-4F7D-984E-3E1A9BA07916}" type="datetimeFigureOut">
               <a:rPr lang="zh-CN" altLang="en-US" smtClean="0"/>
-              <a:t>2019/11/26</a:t>
+              <a:t>2019/11/28</a:t>
             </a:fld>
             <a:endParaRPr lang="zh-CN" altLang="en-US"/>
           </a:p>
@@ -879,7 +879,7 @@
           <p:cNvPr id="5" name="页脚占位符 4">
             <a:extLst>
               <a:ext uri="{FF2B5EF4-FFF2-40B4-BE49-F238E27FC236}">
-                <a16:creationId xmlns:a16="http://schemas.microsoft.com/office/drawing/2014/main" xmlns="" id="{E4FB91BE-B06E-4520-9516-2F824971A300}"/>
+                <a16:creationId xmlns:a16="http://schemas.microsoft.com/office/drawing/2014/main" id="{E4FB91BE-B06E-4520-9516-2F824971A300}"/>
               </a:ext>
             </a:extLst>
           </p:cNvPr>
@@ -904,7 +904,7 @@
           <p:cNvPr id="6" name="灯片编号占位符 5">
             <a:extLst>
               <a:ext uri="{FF2B5EF4-FFF2-40B4-BE49-F238E27FC236}">
-                <a16:creationId xmlns:a16="http://schemas.microsoft.com/office/drawing/2014/main" xmlns="" id="{C1BDC38A-2FDF-4998-91C5-E72C7ABE2F92}"/>
+                <a16:creationId xmlns:a16="http://schemas.microsoft.com/office/drawing/2014/main" id="{C1BDC38A-2FDF-4998-91C5-E72C7ABE2F92}"/>
               </a:ext>
             </a:extLst>
           </p:cNvPr>
@@ -963,7 +963,7 @@
           <p:cNvPr id="2" name="标题 1">
             <a:extLst>
               <a:ext uri="{FF2B5EF4-FFF2-40B4-BE49-F238E27FC236}">
-                <a16:creationId xmlns:a16="http://schemas.microsoft.com/office/drawing/2014/main" xmlns="" id="{0CE49C81-4C05-41F9-8D79-C692D4D19DAB}"/>
+                <a16:creationId xmlns:a16="http://schemas.microsoft.com/office/drawing/2014/main" id="{0CE49C81-4C05-41F9-8D79-C692D4D19DAB}"/>
               </a:ext>
             </a:extLst>
           </p:cNvPr>
@@ -1000,7 +1000,7 @@
           <p:cNvPr id="3" name="文本占位符 2">
             <a:extLst>
               <a:ext uri="{FF2B5EF4-FFF2-40B4-BE49-F238E27FC236}">
-                <a16:creationId xmlns:a16="http://schemas.microsoft.com/office/drawing/2014/main" xmlns="" id="{72FAC54B-D5C4-42BD-BE51-5C65B55A403C}"/>
+                <a16:creationId xmlns:a16="http://schemas.microsoft.com/office/drawing/2014/main" id="{72FAC54B-D5C4-42BD-BE51-5C65B55A403C}"/>
               </a:ext>
             </a:extLst>
           </p:cNvPr>
@@ -1125,7 +1125,7 @@
           <p:cNvPr id="4" name="日期占位符 3">
             <a:extLst>
               <a:ext uri="{FF2B5EF4-FFF2-40B4-BE49-F238E27FC236}">
-                <a16:creationId xmlns:a16="http://schemas.microsoft.com/office/drawing/2014/main" xmlns="" id="{EB11E3EF-2349-4A05-B692-D493F8D56B9B}"/>
+                <a16:creationId xmlns:a16="http://schemas.microsoft.com/office/drawing/2014/main" id="{EB11E3EF-2349-4A05-B692-D493F8D56B9B}"/>
               </a:ext>
             </a:extLst>
           </p:cNvPr>
@@ -1143,7 +1143,7 @@
           <a:p>
             <a:fld id="{9D586CC8-5FE8-4F7D-984E-3E1A9BA07916}" type="datetimeFigureOut">
               <a:rPr lang="zh-CN" altLang="en-US" smtClean="0"/>
-              <a:t>2019/11/26</a:t>
+              <a:t>2019/11/28</a:t>
             </a:fld>
             <a:endParaRPr lang="zh-CN" altLang="en-US"/>
           </a:p>
@@ -1154,7 +1154,7 @@
           <p:cNvPr id="5" name="页脚占位符 4">
             <a:extLst>
               <a:ext uri="{FF2B5EF4-FFF2-40B4-BE49-F238E27FC236}">
-                <a16:creationId xmlns:a16="http://schemas.microsoft.com/office/drawing/2014/main" xmlns="" id="{66F43BB2-3D6B-44CB-96FB-E5CA89B203F8}"/>
+                <a16:creationId xmlns:a16="http://schemas.microsoft.com/office/drawing/2014/main" id="{66F43BB2-3D6B-44CB-96FB-E5CA89B203F8}"/>
               </a:ext>
             </a:extLst>
           </p:cNvPr>
@@ -1179,7 +1179,7 @@
           <p:cNvPr id="6" name="灯片编号占位符 5">
             <a:extLst>
               <a:ext uri="{FF2B5EF4-FFF2-40B4-BE49-F238E27FC236}">
-                <a16:creationId xmlns:a16="http://schemas.microsoft.com/office/drawing/2014/main" xmlns="" id="{1DCD8C69-ADD0-49A4-905F-07316E6674DB}"/>
+                <a16:creationId xmlns:a16="http://schemas.microsoft.com/office/drawing/2014/main" id="{1DCD8C69-ADD0-49A4-905F-07316E6674DB}"/>
               </a:ext>
             </a:extLst>
           </p:cNvPr>
@@ -1238,7 +1238,7 @@
           <p:cNvPr id="2" name="标题 1">
             <a:extLst>
               <a:ext uri="{FF2B5EF4-FFF2-40B4-BE49-F238E27FC236}">
-                <a16:creationId xmlns:a16="http://schemas.microsoft.com/office/drawing/2014/main" xmlns="" id="{67BC83DE-FDCB-4D67-9CA0-6F5A96650032}"/>
+                <a16:creationId xmlns:a16="http://schemas.microsoft.com/office/drawing/2014/main" id="{67BC83DE-FDCB-4D67-9CA0-6F5A96650032}"/>
               </a:ext>
             </a:extLst>
           </p:cNvPr>
@@ -1266,7 +1266,7 @@
           <p:cNvPr id="3" name="内容占位符 2">
             <a:extLst>
               <a:ext uri="{FF2B5EF4-FFF2-40B4-BE49-F238E27FC236}">
-                <a16:creationId xmlns:a16="http://schemas.microsoft.com/office/drawing/2014/main" xmlns="" id="{7548FADC-E57F-47B9-A197-A2282315089D}"/>
+                <a16:creationId xmlns:a16="http://schemas.microsoft.com/office/drawing/2014/main" id="{7548FADC-E57F-47B9-A197-A2282315089D}"/>
               </a:ext>
             </a:extLst>
           </p:cNvPr>
@@ -1328,7 +1328,7 @@
           <p:cNvPr id="4" name="内容占位符 3">
             <a:extLst>
               <a:ext uri="{FF2B5EF4-FFF2-40B4-BE49-F238E27FC236}">
-                <a16:creationId xmlns:a16="http://schemas.microsoft.com/office/drawing/2014/main" xmlns="" id="{F616B3AD-FE94-4856-B9C0-C08322E5506A}"/>
+                <a16:creationId xmlns:a16="http://schemas.microsoft.com/office/drawing/2014/main" id="{F616B3AD-FE94-4856-B9C0-C08322E5506A}"/>
               </a:ext>
             </a:extLst>
           </p:cNvPr>
@@ -1390,7 +1390,7 @@
           <p:cNvPr id="5" name="日期占位符 4">
             <a:extLst>
               <a:ext uri="{FF2B5EF4-FFF2-40B4-BE49-F238E27FC236}">
-                <a16:creationId xmlns:a16="http://schemas.microsoft.com/office/drawing/2014/main" xmlns="" id="{1F4BD7F7-ED73-4157-B73A-93C5A7226258}"/>
+                <a16:creationId xmlns:a16="http://schemas.microsoft.com/office/drawing/2014/main" id="{1F4BD7F7-ED73-4157-B73A-93C5A7226258}"/>
               </a:ext>
             </a:extLst>
           </p:cNvPr>
@@ -1408,7 +1408,7 @@
           <a:p>
             <a:fld id="{9D586CC8-5FE8-4F7D-984E-3E1A9BA07916}" type="datetimeFigureOut">
               <a:rPr lang="zh-CN" altLang="en-US" smtClean="0"/>
-              <a:t>2019/11/26</a:t>
+              <a:t>2019/11/28</a:t>
             </a:fld>
             <a:endParaRPr lang="zh-CN" altLang="en-US"/>
           </a:p>
@@ -1419,7 +1419,7 @@
           <p:cNvPr id="6" name="页脚占位符 5">
             <a:extLst>
               <a:ext uri="{FF2B5EF4-FFF2-40B4-BE49-F238E27FC236}">
-                <a16:creationId xmlns:a16="http://schemas.microsoft.com/office/drawing/2014/main" xmlns="" id="{8E9D3907-577C-48A5-B958-C3821A3F8182}"/>
+                <a16:creationId xmlns:a16="http://schemas.microsoft.com/office/drawing/2014/main" id="{8E9D3907-577C-48A5-B958-C3821A3F8182}"/>
               </a:ext>
             </a:extLst>
           </p:cNvPr>
@@ -1444,7 +1444,7 @@
           <p:cNvPr id="7" name="灯片编号占位符 6">
             <a:extLst>
               <a:ext uri="{FF2B5EF4-FFF2-40B4-BE49-F238E27FC236}">
-                <a16:creationId xmlns:a16="http://schemas.microsoft.com/office/drawing/2014/main" xmlns="" id="{E7C1D863-E7C6-4690-921D-9E5D5A7116B1}"/>
+                <a16:creationId xmlns:a16="http://schemas.microsoft.com/office/drawing/2014/main" id="{E7C1D863-E7C6-4690-921D-9E5D5A7116B1}"/>
               </a:ext>
             </a:extLst>
           </p:cNvPr>
@@ -1503,7 +1503,7 @@
           <p:cNvPr id="2" name="标题 1">
             <a:extLst>
               <a:ext uri="{FF2B5EF4-FFF2-40B4-BE49-F238E27FC236}">
-                <a16:creationId xmlns:a16="http://schemas.microsoft.com/office/drawing/2014/main" xmlns="" id="{0D3F8348-3291-450F-BB09-91B626B7897A}"/>
+                <a16:creationId xmlns:a16="http://schemas.microsoft.com/office/drawing/2014/main" id="{0D3F8348-3291-450F-BB09-91B626B7897A}"/>
               </a:ext>
             </a:extLst>
           </p:cNvPr>
@@ -1536,7 +1536,7 @@
           <p:cNvPr id="3" name="文本占位符 2">
             <a:extLst>
               <a:ext uri="{FF2B5EF4-FFF2-40B4-BE49-F238E27FC236}">
-                <a16:creationId xmlns:a16="http://schemas.microsoft.com/office/drawing/2014/main" xmlns="" id="{A2CE56B9-A3C4-4EFE-B4C3-B2A31A032CDC}"/>
+                <a16:creationId xmlns:a16="http://schemas.microsoft.com/office/drawing/2014/main" id="{A2CE56B9-A3C4-4EFE-B4C3-B2A31A032CDC}"/>
               </a:ext>
             </a:extLst>
           </p:cNvPr>
@@ -1607,7 +1607,7 @@
           <p:cNvPr id="4" name="内容占位符 3">
             <a:extLst>
               <a:ext uri="{FF2B5EF4-FFF2-40B4-BE49-F238E27FC236}">
-                <a16:creationId xmlns:a16="http://schemas.microsoft.com/office/drawing/2014/main" xmlns="" id="{EE5FB570-5E0B-4159-9ADF-5F24F04B0E9E}"/>
+                <a16:creationId xmlns:a16="http://schemas.microsoft.com/office/drawing/2014/main" id="{EE5FB570-5E0B-4159-9ADF-5F24F04B0E9E}"/>
               </a:ext>
             </a:extLst>
           </p:cNvPr>
@@ -1669,7 +1669,7 @@
           <p:cNvPr id="5" name="文本占位符 4">
             <a:extLst>
               <a:ext uri="{FF2B5EF4-FFF2-40B4-BE49-F238E27FC236}">
-                <a16:creationId xmlns:a16="http://schemas.microsoft.com/office/drawing/2014/main" xmlns="" id="{91B1B9E6-B00D-49BD-B5F4-ADF9692A60BA}"/>
+                <a16:creationId xmlns:a16="http://schemas.microsoft.com/office/drawing/2014/main" id="{91B1B9E6-B00D-49BD-B5F4-ADF9692A60BA}"/>
               </a:ext>
             </a:extLst>
           </p:cNvPr>
@@ -1740,7 +1740,7 @@
           <p:cNvPr id="6" name="内容占位符 5">
             <a:extLst>
               <a:ext uri="{FF2B5EF4-FFF2-40B4-BE49-F238E27FC236}">
-                <a16:creationId xmlns:a16="http://schemas.microsoft.com/office/drawing/2014/main" xmlns="" id="{6EBC87A0-884E-4F50-B9C9-B59AE1556D0C}"/>
+                <a16:creationId xmlns:a16="http://schemas.microsoft.com/office/drawing/2014/main" id="{6EBC87A0-884E-4F50-B9C9-B59AE1556D0C}"/>
               </a:ext>
             </a:extLst>
           </p:cNvPr>
@@ -1802,7 +1802,7 @@
           <p:cNvPr id="7" name="日期占位符 6">
             <a:extLst>
               <a:ext uri="{FF2B5EF4-FFF2-40B4-BE49-F238E27FC236}">
-                <a16:creationId xmlns:a16="http://schemas.microsoft.com/office/drawing/2014/main" xmlns="" id="{C2A16A5B-C061-4CAB-A979-81A20F3F881E}"/>
+                <a16:creationId xmlns:a16="http://schemas.microsoft.com/office/drawing/2014/main" id="{C2A16A5B-C061-4CAB-A979-81A20F3F881E}"/>
               </a:ext>
             </a:extLst>
           </p:cNvPr>
@@ -1820,7 +1820,7 @@
           <a:p>
             <a:fld id="{9D586CC8-5FE8-4F7D-984E-3E1A9BA07916}" type="datetimeFigureOut">
               <a:rPr lang="zh-CN" altLang="en-US" smtClean="0"/>
-              <a:t>2019/11/26</a:t>
+              <a:t>2019/11/28</a:t>
             </a:fld>
             <a:endParaRPr lang="zh-CN" altLang="en-US"/>
           </a:p>
@@ -1831,7 +1831,7 @@
           <p:cNvPr id="8" name="页脚占位符 7">
             <a:extLst>
               <a:ext uri="{FF2B5EF4-FFF2-40B4-BE49-F238E27FC236}">
-                <a16:creationId xmlns:a16="http://schemas.microsoft.com/office/drawing/2014/main" xmlns="" id="{229D5C85-D875-4852-BDD0-535845CB3233}"/>
+                <a16:creationId xmlns:a16="http://schemas.microsoft.com/office/drawing/2014/main" id="{229D5C85-D875-4852-BDD0-535845CB3233}"/>
               </a:ext>
             </a:extLst>
           </p:cNvPr>
@@ -1856,7 +1856,7 @@
           <p:cNvPr id="9" name="灯片编号占位符 8">
             <a:extLst>
               <a:ext uri="{FF2B5EF4-FFF2-40B4-BE49-F238E27FC236}">
-                <a16:creationId xmlns:a16="http://schemas.microsoft.com/office/drawing/2014/main" xmlns="" id="{A80C2575-D961-4137-A971-11D403DFAF1A}"/>
+                <a16:creationId xmlns:a16="http://schemas.microsoft.com/office/drawing/2014/main" id="{A80C2575-D961-4137-A971-11D403DFAF1A}"/>
               </a:ext>
             </a:extLst>
           </p:cNvPr>
@@ -1915,7 +1915,7 @@
           <p:cNvPr id="2" name="标题 1">
             <a:extLst>
               <a:ext uri="{FF2B5EF4-FFF2-40B4-BE49-F238E27FC236}">
-                <a16:creationId xmlns:a16="http://schemas.microsoft.com/office/drawing/2014/main" xmlns="" id="{4630EDA2-1F85-43A9-A5EC-14E7D8E060AA}"/>
+                <a16:creationId xmlns:a16="http://schemas.microsoft.com/office/drawing/2014/main" id="{4630EDA2-1F85-43A9-A5EC-14E7D8E060AA}"/>
               </a:ext>
             </a:extLst>
           </p:cNvPr>
@@ -1943,7 +1943,7 @@
           <p:cNvPr id="3" name="日期占位符 2">
             <a:extLst>
               <a:ext uri="{FF2B5EF4-FFF2-40B4-BE49-F238E27FC236}">
-                <a16:creationId xmlns:a16="http://schemas.microsoft.com/office/drawing/2014/main" xmlns="" id="{DE3357AC-D210-4792-AD66-101E8F93B7A9}"/>
+                <a16:creationId xmlns:a16="http://schemas.microsoft.com/office/drawing/2014/main" id="{DE3357AC-D210-4792-AD66-101E8F93B7A9}"/>
               </a:ext>
             </a:extLst>
           </p:cNvPr>
@@ -1961,7 +1961,7 @@
           <a:p>
             <a:fld id="{9D586CC8-5FE8-4F7D-984E-3E1A9BA07916}" type="datetimeFigureOut">
               <a:rPr lang="zh-CN" altLang="en-US" smtClean="0"/>
-              <a:t>2019/11/26</a:t>
+              <a:t>2019/11/28</a:t>
             </a:fld>
             <a:endParaRPr lang="zh-CN" altLang="en-US"/>
           </a:p>
@@ -1972,7 +1972,7 @@
           <p:cNvPr id="4" name="页脚占位符 3">
             <a:extLst>
               <a:ext uri="{FF2B5EF4-FFF2-40B4-BE49-F238E27FC236}">
-                <a16:creationId xmlns:a16="http://schemas.microsoft.com/office/drawing/2014/main" xmlns="" id="{A44139BE-D119-4CE9-B7FA-F09480D1A57A}"/>
+                <a16:creationId xmlns:a16="http://schemas.microsoft.com/office/drawing/2014/main" id="{A44139BE-D119-4CE9-B7FA-F09480D1A57A}"/>
               </a:ext>
             </a:extLst>
           </p:cNvPr>
@@ -1997,7 +1997,7 @@
           <p:cNvPr id="5" name="灯片编号占位符 4">
             <a:extLst>
               <a:ext uri="{FF2B5EF4-FFF2-40B4-BE49-F238E27FC236}">
-                <a16:creationId xmlns:a16="http://schemas.microsoft.com/office/drawing/2014/main" xmlns="" id="{8ACF43BC-59DF-4ABA-8707-AE75735D8E31}"/>
+                <a16:creationId xmlns:a16="http://schemas.microsoft.com/office/drawing/2014/main" id="{8ACF43BC-59DF-4ABA-8707-AE75735D8E31}"/>
               </a:ext>
             </a:extLst>
           </p:cNvPr>
@@ -2056,7 +2056,7 @@
           <p:cNvPr id="2" name="日期占位符 1">
             <a:extLst>
               <a:ext uri="{FF2B5EF4-FFF2-40B4-BE49-F238E27FC236}">
-                <a16:creationId xmlns:a16="http://schemas.microsoft.com/office/drawing/2014/main" xmlns="" id="{3D047D2B-88A2-4D8E-BD4F-34EDA8BB36EE}"/>
+                <a16:creationId xmlns:a16="http://schemas.microsoft.com/office/drawing/2014/main" id="{3D047D2B-88A2-4D8E-BD4F-34EDA8BB36EE}"/>
               </a:ext>
             </a:extLst>
           </p:cNvPr>
@@ -2074,7 +2074,7 @@
           <a:p>
             <a:fld id="{9D586CC8-5FE8-4F7D-984E-3E1A9BA07916}" type="datetimeFigureOut">
               <a:rPr lang="zh-CN" altLang="en-US" smtClean="0"/>
-              <a:t>2019/11/26</a:t>
+              <a:t>2019/11/28</a:t>
             </a:fld>
             <a:endParaRPr lang="zh-CN" altLang="en-US"/>
           </a:p>
@@ -2085,7 +2085,7 @@
           <p:cNvPr id="3" name="页脚占位符 2">
             <a:extLst>
               <a:ext uri="{FF2B5EF4-FFF2-40B4-BE49-F238E27FC236}">
-                <a16:creationId xmlns:a16="http://schemas.microsoft.com/office/drawing/2014/main" xmlns="" id="{981DEC8D-6A5D-4168-B91A-AC4ACBDAA459}"/>
+                <a16:creationId xmlns:a16="http://schemas.microsoft.com/office/drawing/2014/main" id="{981DEC8D-6A5D-4168-B91A-AC4ACBDAA459}"/>
               </a:ext>
             </a:extLst>
           </p:cNvPr>
@@ -2110,7 +2110,7 @@
           <p:cNvPr id="4" name="灯片编号占位符 3">
             <a:extLst>
               <a:ext uri="{FF2B5EF4-FFF2-40B4-BE49-F238E27FC236}">
-                <a16:creationId xmlns:a16="http://schemas.microsoft.com/office/drawing/2014/main" xmlns="" id="{840B8806-E577-4880-9028-D6118966629C}"/>
+                <a16:creationId xmlns:a16="http://schemas.microsoft.com/office/drawing/2014/main" id="{840B8806-E577-4880-9028-D6118966629C}"/>
               </a:ext>
             </a:extLst>
           </p:cNvPr>
@@ -2169,7 +2169,7 @@
           <p:cNvPr id="2" name="标题 1">
             <a:extLst>
               <a:ext uri="{FF2B5EF4-FFF2-40B4-BE49-F238E27FC236}">
-                <a16:creationId xmlns:a16="http://schemas.microsoft.com/office/drawing/2014/main" xmlns="" id="{6FB5D0B7-F600-429D-860B-ADA461EC50E9}"/>
+                <a16:creationId xmlns:a16="http://schemas.microsoft.com/office/drawing/2014/main" id="{6FB5D0B7-F600-429D-860B-ADA461EC50E9}"/>
               </a:ext>
             </a:extLst>
           </p:cNvPr>
@@ -2206,7 +2206,7 @@
           <p:cNvPr id="3" name="内容占位符 2">
             <a:extLst>
               <a:ext uri="{FF2B5EF4-FFF2-40B4-BE49-F238E27FC236}">
-                <a16:creationId xmlns:a16="http://schemas.microsoft.com/office/drawing/2014/main" xmlns="" id="{5E646035-438E-4ED5-A307-998C01B5B102}"/>
+                <a16:creationId xmlns:a16="http://schemas.microsoft.com/office/drawing/2014/main" id="{5E646035-438E-4ED5-A307-998C01B5B102}"/>
               </a:ext>
             </a:extLst>
           </p:cNvPr>
@@ -2296,7 +2296,7 @@
           <p:cNvPr id="4" name="文本占位符 3">
             <a:extLst>
               <a:ext uri="{FF2B5EF4-FFF2-40B4-BE49-F238E27FC236}">
-                <a16:creationId xmlns:a16="http://schemas.microsoft.com/office/drawing/2014/main" xmlns="" id="{CF823A2B-8F30-47F0-AD97-7235AD217DE2}"/>
+                <a16:creationId xmlns:a16="http://schemas.microsoft.com/office/drawing/2014/main" id="{CF823A2B-8F30-47F0-AD97-7235AD217DE2}"/>
               </a:ext>
             </a:extLst>
           </p:cNvPr>
@@ -2367,7 +2367,7 @@
           <p:cNvPr id="5" name="日期占位符 4">
             <a:extLst>
               <a:ext uri="{FF2B5EF4-FFF2-40B4-BE49-F238E27FC236}">
-                <a16:creationId xmlns:a16="http://schemas.microsoft.com/office/drawing/2014/main" xmlns="" id="{14634293-9D2F-419C-9267-9C62E0285E47}"/>
+                <a16:creationId xmlns:a16="http://schemas.microsoft.com/office/drawing/2014/main" id="{14634293-9D2F-419C-9267-9C62E0285E47}"/>
               </a:ext>
             </a:extLst>
           </p:cNvPr>
@@ -2385,7 +2385,7 @@
           <a:p>
             <a:fld id="{9D586CC8-5FE8-4F7D-984E-3E1A9BA07916}" type="datetimeFigureOut">
               <a:rPr lang="zh-CN" altLang="en-US" smtClean="0"/>
-              <a:t>2019/11/26</a:t>
+              <a:t>2019/11/28</a:t>
             </a:fld>
             <a:endParaRPr lang="zh-CN" altLang="en-US"/>
           </a:p>
@@ -2396,7 +2396,7 @@
           <p:cNvPr id="6" name="页脚占位符 5">
             <a:extLst>
               <a:ext uri="{FF2B5EF4-FFF2-40B4-BE49-F238E27FC236}">
-                <a16:creationId xmlns:a16="http://schemas.microsoft.com/office/drawing/2014/main" xmlns="" id="{B346FF9A-BBEF-465E-B6CC-3C2064FE2C34}"/>
+                <a16:creationId xmlns:a16="http://schemas.microsoft.com/office/drawing/2014/main" id="{B346FF9A-BBEF-465E-B6CC-3C2064FE2C34}"/>
               </a:ext>
             </a:extLst>
           </p:cNvPr>
@@ -2421,7 +2421,7 @@
           <p:cNvPr id="7" name="灯片编号占位符 6">
             <a:extLst>
               <a:ext uri="{FF2B5EF4-FFF2-40B4-BE49-F238E27FC236}">
-                <a16:creationId xmlns:a16="http://schemas.microsoft.com/office/drawing/2014/main" xmlns="" id="{7A8B7A23-E060-4AA3-9BF5-68202FF9D40D}"/>
+                <a16:creationId xmlns:a16="http://schemas.microsoft.com/office/drawing/2014/main" id="{7A8B7A23-E060-4AA3-9BF5-68202FF9D40D}"/>
               </a:ext>
             </a:extLst>
           </p:cNvPr>
@@ -2480,7 +2480,7 @@
           <p:cNvPr id="2" name="标题 1">
             <a:extLst>
               <a:ext uri="{FF2B5EF4-FFF2-40B4-BE49-F238E27FC236}">
-                <a16:creationId xmlns:a16="http://schemas.microsoft.com/office/drawing/2014/main" xmlns="" id="{8A64B344-5E65-45A9-9B68-F7161211F11D}"/>
+                <a16:creationId xmlns:a16="http://schemas.microsoft.com/office/drawing/2014/main" id="{8A64B344-5E65-45A9-9B68-F7161211F11D}"/>
               </a:ext>
             </a:extLst>
           </p:cNvPr>
@@ -2517,7 +2517,7 @@
           <p:cNvPr id="3" name="图片占位符 2">
             <a:extLst>
               <a:ext uri="{FF2B5EF4-FFF2-40B4-BE49-F238E27FC236}">
-                <a16:creationId xmlns:a16="http://schemas.microsoft.com/office/drawing/2014/main" xmlns="" id="{BC8B4C50-3CA0-4A15-87F4-BA14DABE1099}"/>
+                <a16:creationId xmlns:a16="http://schemas.microsoft.com/office/drawing/2014/main" id="{BC8B4C50-3CA0-4A15-87F4-BA14DABE1099}"/>
               </a:ext>
             </a:extLst>
           </p:cNvPr>
@@ -2584,7 +2584,7 @@
           <p:cNvPr id="4" name="文本占位符 3">
             <a:extLst>
               <a:ext uri="{FF2B5EF4-FFF2-40B4-BE49-F238E27FC236}">
-                <a16:creationId xmlns:a16="http://schemas.microsoft.com/office/drawing/2014/main" xmlns="" id="{38944B49-0F27-486C-B463-A862E736F700}"/>
+                <a16:creationId xmlns:a16="http://schemas.microsoft.com/office/drawing/2014/main" id="{38944B49-0F27-486C-B463-A862E736F700}"/>
               </a:ext>
             </a:extLst>
           </p:cNvPr>
@@ -2655,7 +2655,7 @@
           <p:cNvPr id="5" name="日期占位符 4">
             <a:extLst>
               <a:ext uri="{FF2B5EF4-FFF2-40B4-BE49-F238E27FC236}">
-                <a16:creationId xmlns:a16="http://schemas.microsoft.com/office/drawing/2014/main" xmlns="" id="{5FD70ABB-ED85-4C37-A56C-8169574DBFD8}"/>
+                <a16:creationId xmlns:a16="http://schemas.microsoft.com/office/drawing/2014/main" id="{5FD70ABB-ED85-4C37-A56C-8169574DBFD8}"/>
               </a:ext>
             </a:extLst>
           </p:cNvPr>
@@ -2673,7 +2673,7 @@
           <a:p>
             <a:fld id="{9D586CC8-5FE8-4F7D-984E-3E1A9BA07916}" type="datetimeFigureOut">
               <a:rPr lang="zh-CN" altLang="en-US" smtClean="0"/>
-              <a:t>2019/11/26</a:t>
+              <a:t>2019/11/28</a:t>
             </a:fld>
             <a:endParaRPr lang="zh-CN" altLang="en-US"/>
           </a:p>
@@ -2684,7 +2684,7 @@
           <p:cNvPr id="6" name="页脚占位符 5">
             <a:extLst>
               <a:ext uri="{FF2B5EF4-FFF2-40B4-BE49-F238E27FC236}">
-                <a16:creationId xmlns:a16="http://schemas.microsoft.com/office/drawing/2014/main" xmlns="" id="{31D63BC8-D05F-46BE-BC77-B35B7A569813}"/>
+                <a16:creationId xmlns:a16="http://schemas.microsoft.com/office/drawing/2014/main" id="{31D63BC8-D05F-46BE-BC77-B35B7A569813}"/>
               </a:ext>
             </a:extLst>
           </p:cNvPr>
@@ -2709,7 +2709,7 @@
           <p:cNvPr id="7" name="灯片编号占位符 6">
             <a:extLst>
               <a:ext uri="{FF2B5EF4-FFF2-40B4-BE49-F238E27FC236}">
-                <a16:creationId xmlns:a16="http://schemas.microsoft.com/office/drawing/2014/main" xmlns="" id="{D0231F7A-0AA0-481A-B254-D87638545AF7}"/>
+                <a16:creationId xmlns:a16="http://schemas.microsoft.com/office/drawing/2014/main" id="{D0231F7A-0AA0-481A-B254-D87638545AF7}"/>
               </a:ext>
             </a:extLst>
           </p:cNvPr>
@@ -2773,7 +2773,7 @@
           <p:cNvPr id="2" name="标题占位符 1">
             <a:extLst>
               <a:ext uri="{FF2B5EF4-FFF2-40B4-BE49-F238E27FC236}">
-                <a16:creationId xmlns:a16="http://schemas.microsoft.com/office/drawing/2014/main" xmlns="" id="{F13BA886-BDC5-4502-875B-FF8ADDC82A11}"/>
+                <a16:creationId xmlns:a16="http://schemas.microsoft.com/office/drawing/2014/main" id="{F13BA886-BDC5-4502-875B-FF8ADDC82A11}"/>
               </a:ext>
             </a:extLst>
           </p:cNvPr>
@@ -2811,7 +2811,7 @@
           <p:cNvPr id="3" name="文本占位符 2">
             <a:extLst>
               <a:ext uri="{FF2B5EF4-FFF2-40B4-BE49-F238E27FC236}">
-                <a16:creationId xmlns:a16="http://schemas.microsoft.com/office/drawing/2014/main" xmlns="" id="{DEE7686D-0C9B-43AA-98C6-FC4058B54249}"/>
+                <a16:creationId xmlns:a16="http://schemas.microsoft.com/office/drawing/2014/main" id="{DEE7686D-0C9B-43AA-98C6-FC4058B54249}"/>
               </a:ext>
             </a:extLst>
           </p:cNvPr>
@@ -2878,7 +2878,7 @@
           <p:cNvPr id="4" name="日期占位符 3">
             <a:extLst>
               <a:ext uri="{FF2B5EF4-FFF2-40B4-BE49-F238E27FC236}">
-                <a16:creationId xmlns:a16="http://schemas.microsoft.com/office/drawing/2014/main" xmlns="" id="{449D41C4-14F4-45E8-938A-D8867F797DB3}"/>
+                <a16:creationId xmlns:a16="http://schemas.microsoft.com/office/drawing/2014/main" id="{449D41C4-14F4-45E8-938A-D8867F797DB3}"/>
               </a:ext>
             </a:extLst>
           </p:cNvPr>
@@ -2914,7 +2914,7 @@
           <a:p>
             <a:fld id="{9D586CC8-5FE8-4F7D-984E-3E1A9BA07916}" type="datetimeFigureOut">
               <a:rPr lang="zh-CN" altLang="en-US" smtClean="0"/>
-              <a:t>2019/11/26</a:t>
+              <a:t>2019/11/28</a:t>
             </a:fld>
             <a:endParaRPr lang="zh-CN" altLang="en-US"/>
           </a:p>
@@ -2925,7 +2925,7 @@
           <p:cNvPr id="5" name="页脚占位符 4">
             <a:extLst>
               <a:ext uri="{FF2B5EF4-FFF2-40B4-BE49-F238E27FC236}">
-                <a16:creationId xmlns:a16="http://schemas.microsoft.com/office/drawing/2014/main" xmlns="" id="{9FA7F412-98CC-4D10-8E16-35B13C79C204}"/>
+                <a16:creationId xmlns:a16="http://schemas.microsoft.com/office/drawing/2014/main" id="{9FA7F412-98CC-4D10-8E16-35B13C79C204}"/>
               </a:ext>
             </a:extLst>
           </p:cNvPr>
@@ -2968,7 +2968,7 @@
           <p:cNvPr id="6" name="灯片编号占位符 5">
             <a:extLst>
               <a:ext uri="{FF2B5EF4-FFF2-40B4-BE49-F238E27FC236}">
-                <a16:creationId xmlns:a16="http://schemas.microsoft.com/office/drawing/2014/main" xmlns="" id="{EA87E0FE-F305-43C4-9095-C78F536827A0}"/>
+                <a16:creationId xmlns:a16="http://schemas.microsoft.com/office/drawing/2014/main" id="{EA87E0FE-F305-43C4-9095-C78F536827A0}"/>
               </a:ext>
             </a:extLst>
           </p:cNvPr>
@@ -3336,7 +3336,7 @@
           <p:cNvPr id="2" name="标题 1">
             <a:extLst>
               <a:ext uri="{FF2B5EF4-FFF2-40B4-BE49-F238E27FC236}">
-                <a16:creationId xmlns:a16="http://schemas.microsoft.com/office/drawing/2014/main" xmlns="" id="{C0C826F8-1DFE-4BB3-9D90-474662121688}"/>
+                <a16:creationId xmlns:a16="http://schemas.microsoft.com/office/drawing/2014/main" id="{C0C826F8-1DFE-4BB3-9D90-474662121688}"/>
               </a:ext>
             </a:extLst>
           </p:cNvPr>
@@ -3364,7 +3364,7 @@
           <p:cNvPr id="3" name="副标题 2">
             <a:extLst>
               <a:ext uri="{FF2B5EF4-FFF2-40B4-BE49-F238E27FC236}">
-                <a16:creationId xmlns:a16="http://schemas.microsoft.com/office/drawing/2014/main" xmlns="" id="{EEFFC433-A701-4BB9-85D5-CEFFA35C83A0}"/>
+                <a16:creationId xmlns:a16="http://schemas.microsoft.com/office/drawing/2014/main" id="{EEFFC433-A701-4BB9-85D5-CEFFA35C83A0}"/>
               </a:ext>
             </a:extLst>
           </p:cNvPr>
@@ -3453,15 +3453,14 @@
           <a:lstStyle/>
           <a:p>
             <a:r>
-              <a:rPr kumimoji="1" lang="zh-CN" altLang="en-US" dirty="0" smtClean="0"/>
+              <a:rPr kumimoji="1" lang="zh-CN" altLang="en-US" dirty="0"/>
               <a:t>什么是最大熵模型？核心思想是什么？</a:t>
             </a:r>
-            <a:endParaRPr kumimoji="1" lang="zh-CN" altLang="en-US" dirty="0"/>
           </a:p>
         </p:txBody>
       </p:sp>
-      <mc:AlternateContent xmlns:mc="http://schemas.openxmlformats.org/markup-compatibility/2006">
-        <mc:Choice xmlns:a14="http://schemas.microsoft.com/office/drawing/2010/main" Requires="a14">
+      <mc:AlternateContent xmlns:mc="http://schemas.openxmlformats.org/markup-compatibility/2006" xmlns:a14="http://schemas.microsoft.com/office/drawing/2010/main">
+        <mc:Choice Requires="a14">
           <p:sp>
             <p:nvSpPr>
               <p:cNvPr id="3" name="内容占位符 2"/>
@@ -3523,13 +3522,9 @@
                 </a:r>
                 <a:r>
                   <a:rPr lang="zh-CN" altLang="zh-CN" dirty="0"/>
-                  <a:t>年提出了一种利用最大熵方法将上下文中多信源特征集成起来建立语言模型的方法。最大熵原理指出，当我们需要对一个随机事件的概率分布进行预测时，我们的预测应当满足全部已知的条件，而对未知的情况不要做任何主观假设。在这种情况下，概率分布最均匀，预测的风险最小。因为这时概率分布的信息熵最大，所以人们把这种模型称为“最大熵模型”</a:t>
+                  <a:t>年提出了一种利用最大熵方法将上下文中多信源特征集成起来建立语言模型的方法。最大熵原理指出，当我们需要对一个随机事件的概率分布进行预测时，我们的预测应当满足全部已知的条件，而对未知的情况不要做任何主观假设。在这种情况下，概率分布最均匀，预测的风险最小。因为这时概率分布的信息熵最大，所以人们把这种模型称为“最大熵模型”。</a:t>
                 </a:r>
-                <a:r>
-                  <a:rPr lang="zh-CN" altLang="zh-CN" dirty="0" smtClean="0"/>
-                  <a:t>。</a:t>
-                </a:r>
-                <a:endParaRPr lang="en-US" altLang="zh-CN" dirty="0" smtClean="0"/>
+                <a:endParaRPr lang="en-US" altLang="zh-CN" dirty="0"/>
               </a:p>
               <a:p>
                 <a:r>
@@ -3582,7 +3577,7 @@
                 </a:r>
               </a:p>
               <a:p>
-                <a:endParaRPr lang="en-US" altLang="zh-CN" dirty="0" smtClean="0"/>
+                <a:endParaRPr lang="en-US" altLang="zh-CN" dirty="0"/>
               </a:p>
               <a:p>
                 <a:endParaRPr lang="zh-CN" altLang="zh-CN" dirty="0"/>
@@ -3593,7 +3588,7 @@
             </p:txBody>
           </p:sp>
         </mc:Choice>
-        <mc:Fallback>
+        <mc:Fallback xmlns="">
           <p:sp>
             <p:nvSpPr>
               <p:cNvPr id="3" name="内容占位符 2"/>
@@ -3678,10 +3673,9 @@
           <a:lstStyle/>
           <a:p>
             <a:r>
-              <a:rPr kumimoji="1" lang="zh-CN" altLang="en-US" dirty="0" smtClean="0"/>
+              <a:rPr kumimoji="1" lang="zh-CN" altLang="en-US" dirty="0"/>
               <a:t>用模型联合分布演示最大熵</a:t>
             </a:r>
-            <a:endParaRPr kumimoji="1" lang="zh-CN" altLang="en-US" dirty="0"/>
           </a:p>
         </p:txBody>
       </p:sp>
@@ -3715,15 +3709,7 @@
             </a:r>
             <a:r>
               <a:rPr lang="zh-CN" altLang="zh-CN" dirty="0"/>
-              <a:t>个可能</a:t>
-            </a:r>
-            <a:r>
-              <a:rPr lang="zh-CN" altLang="zh-CN" dirty="0" smtClean="0"/>
-              <a:t>词义（</a:t>
-            </a:r>
-            <a:r>
-              <a:rPr lang="zh-CN" altLang="zh-CN" dirty="0"/>
-              <a:t>标签从</a:t>
+              <a:t>个可能词义（标签从</a:t>
             </a:r>
             <a:r>
               <a:rPr lang="en-US" altLang="zh-CN" dirty="0"/>
@@ -3843,23 +3829,15 @@
             </a:r>
             <a:r>
               <a:rPr lang="zh-CN" altLang="zh-CN" dirty="0"/>
-              <a:t>。则</a:t>
-            </a:r>
-            <a:r>
-              <a:rPr lang="zh-CN" altLang="zh-CN" dirty="0" smtClean="0"/>
-              <a:t>下边</a:t>
-            </a:r>
-            <a:r>
-              <a:rPr lang="zh-CN" altLang="en-US" dirty="0" smtClean="0"/>
+              <a:t>。则下边</a:t>
+            </a:r>
+            <a:r>
+              <a:rPr lang="zh-CN" altLang="en-US" dirty="0"/>
               <a:t>的联合</a:t>
             </a:r>
             <a:r>
-              <a:rPr lang="zh-CN" altLang="zh-CN" dirty="0" smtClean="0"/>
-              <a:t>概率分布是否</a:t>
-            </a:r>
-            <a:r>
               <a:rPr lang="zh-CN" altLang="zh-CN" dirty="0"/>
-              <a:t>合适？为什么？</a:t>
+              <a:t>概率分布是否合适？为什么？</a:t>
             </a:r>
           </a:p>
           <a:p>
@@ -3888,7 +3866,7 @@
           </a:bodyPr>
           <a:lstStyle/>
           <a:p>
-            <a:endParaRPr lang="en-US" altLang="zh-CN" dirty="0" smtClean="0">
+            <a:endParaRPr lang="en-US" altLang="zh-CN" dirty="0">
               <a:latin typeface="Calibri" charset="0"/>
               <a:ea typeface="宋体" charset="-122"/>
               <a:cs typeface="Times New Roman" charset="0"/>
@@ -3896,7 +3874,7 @@
           </a:p>
           <a:p>
             <a:r>
-              <a:rPr lang="zh-CN" altLang="zh-CN" dirty="0" smtClean="0"/>
+              <a:rPr lang="zh-CN" altLang="zh-CN" dirty="0"/>
               <a:t> </a:t>
             </a:r>
             <a:endParaRPr lang="zh-CN" altLang="en-US" dirty="0"/>
@@ -3928,18 +3906,90 @@
                 <a:tableStyleId>{5C22544A-7EE6-4342-B048-85BDC9FD1C3A}</a:tableStyleId>
               </a:tblPr>
               <a:tblGrid>
-                <a:gridCol w="1097891"/>
-                <a:gridCol w="755790"/>
-                <a:gridCol w="755790"/>
-                <a:gridCol w="755790"/>
-                <a:gridCol w="755790"/>
-                <a:gridCol w="755790"/>
-                <a:gridCol w="755790"/>
-                <a:gridCol w="755790"/>
-                <a:gridCol w="755790"/>
-                <a:gridCol w="755790"/>
-                <a:gridCol w="755790"/>
-                <a:gridCol w="755790"/>
+                <a:gridCol w="1097891">
+                  <a:extLst>
+                    <a:ext uri="{9D8B030D-6E8A-4147-A177-3AD203B41FA5}">
+                      <a16:colId xmlns:a16="http://schemas.microsoft.com/office/drawing/2014/main" val="20000"/>
+                    </a:ext>
+                  </a:extLst>
+                </a:gridCol>
+                <a:gridCol w="755790">
+                  <a:extLst>
+                    <a:ext uri="{9D8B030D-6E8A-4147-A177-3AD203B41FA5}">
+                      <a16:colId xmlns:a16="http://schemas.microsoft.com/office/drawing/2014/main" val="20001"/>
+                    </a:ext>
+                  </a:extLst>
+                </a:gridCol>
+                <a:gridCol w="755790">
+                  <a:extLst>
+                    <a:ext uri="{9D8B030D-6E8A-4147-A177-3AD203B41FA5}">
+                      <a16:colId xmlns:a16="http://schemas.microsoft.com/office/drawing/2014/main" val="20002"/>
+                    </a:ext>
+                  </a:extLst>
+                </a:gridCol>
+                <a:gridCol w="755790">
+                  <a:extLst>
+                    <a:ext uri="{9D8B030D-6E8A-4147-A177-3AD203B41FA5}">
+                      <a16:colId xmlns:a16="http://schemas.microsoft.com/office/drawing/2014/main" val="20003"/>
+                    </a:ext>
+                  </a:extLst>
+                </a:gridCol>
+                <a:gridCol w="755790">
+                  <a:extLst>
+                    <a:ext uri="{9D8B030D-6E8A-4147-A177-3AD203B41FA5}">
+                      <a16:colId xmlns:a16="http://schemas.microsoft.com/office/drawing/2014/main" val="20004"/>
+                    </a:ext>
+                  </a:extLst>
+                </a:gridCol>
+                <a:gridCol w="755790">
+                  <a:extLst>
+                    <a:ext uri="{9D8B030D-6E8A-4147-A177-3AD203B41FA5}">
+                      <a16:colId xmlns:a16="http://schemas.microsoft.com/office/drawing/2014/main" val="20005"/>
+                    </a:ext>
+                  </a:extLst>
+                </a:gridCol>
+                <a:gridCol w="755790">
+                  <a:extLst>
+                    <a:ext uri="{9D8B030D-6E8A-4147-A177-3AD203B41FA5}">
+                      <a16:colId xmlns:a16="http://schemas.microsoft.com/office/drawing/2014/main" val="20006"/>
+                    </a:ext>
+                  </a:extLst>
+                </a:gridCol>
+                <a:gridCol w="755790">
+                  <a:extLst>
+                    <a:ext uri="{9D8B030D-6E8A-4147-A177-3AD203B41FA5}">
+                      <a16:colId xmlns:a16="http://schemas.microsoft.com/office/drawing/2014/main" val="20007"/>
+                    </a:ext>
+                  </a:extLst>
+                </a:gridCol>
+                <a:gridCol w="755790">
+                  <a:extLst>
+                    <a:ext uri="{9D8B030D-6E8A-4147-A177-3AD203B41FA5}">
+                      <a16:colId xmlns:a16="http://schemas.microsoft.com/office/drawing/2014/main" val="20008"/>
+                    </a:ext>
+                  </a:extLst>
+                </a:gridCol>
+                <a:gridCol w="755790">
+                  <a:extLst>
+                    <a:ext uri="{9D8B030D-6E8A-4147-A177-3AD203B41FA5}">
+                      <a16:colId xmlns:a16="http://schemas.microsoft.com/office/drawing/2014/main" val="20009"/>
+                    </a:ext>
+                  </a:extLst>
+                </a:gridCol>
+                <a:gridCol w="755790">
+                  <a:extLst>
+                    <a:ext uri="{9D8B030D-6E8A-4147-A177-3AD203B41FA5}">
+                      <a16:colId xmlns:a16="http://schemas.microsoft.com/office/drawing/2014/main" val="20010"/>
+                    </a:ext>
+                  </a:extLst>
+                </a:gridCol>
+                <a:gridCol w="755790">
+                  <a:extLst>
+                    <a:ext uri="{9D8B030D-6E8A-4147-A177-3AD203B41FA5}">
+                      <a16:colId xmlns:a16="http://schemas.microsoft.com/office/drawing/2014/main" val="20011"/>
+                    </a:ext>
+                  </a:extLst>
+                </a:gridCol>
               </a:tblGrid>
               <a:tr h="649139">
                 <a:tc>
@@ -4268,7 +4318,7 @@
                         </a:spcAft>
                       </a:pPr>
                       <a:r>
-                        <a:rPr lang="zh-CN" altLang="en-US" sz="1800" kern="100" dirty="0" smtClean="0">
+                        <a:rPr lang="zh-CN" altLang="en-US" sz="1800" kern="100" dirty="0">
                           <a:effectLst/>
                           <a:latin typeface="Calibri" charset="0"/>
                           <a:ea typeface="宋体" charset="-122"/>
@@ -4286,6 +4336,11 @@
                   </a:txBody>
                   <a:tcPr marL="68580" marR="68580" marT="0" marB="0" anchor="ctr"/>
                 </a:tc>
+                <a:extLst>
+                  <a:ext uri="{0D108BD9-81ED-4DB2-BD59-A6C34878D82A}">
+                    <a16:rowId xmlns:a16="http://schemas.microsoft.com/office/drawing/2014/main" val="10000"/>
+                  </a:ext>
+                </a:extLst>
               </a:tr>
               <a:tr h="595045">
                 <a:tc>
@@ -4585,7 +4640,7 @@
                         </a:spcAft>
                       </a:pPr>
                       <a:r>
-                        <a:rPr lang="en-US" altLang="zh-CN" sz="1800" kern="100" dirty="0" smtClean="0">
+                        <a:rPr lang="en-US" altLang="zh-CN" sz="1800" kern="100" dirty="0">
                           <a:effectLst/>
                           <a:latin typeface="Calibri" charset="0"/>
                           <a:ea typeface="宋体" charset="-122"/>
@@ -4603,6 +4658,11 @@
                   </a:txBody>
                   <a:tcPr marL="68580" marR="68580" marT="0" marB="0" anchor="ctr"/>
                 </a:tc>
+                <a:extLst>
+                  <a:ext uri="{0D108BD9-81ED-4DB2-BD59-A6C34878D82A}">
+                    <a16:rowId xmlns:a16="http://schemas.microsoft.com/office/drawing/2014/main" val="10001"/>
+                  </a:ext>
+                </a:extLst>
               </a:tr>
               <a:tr h="595045">
                 <a:tc>
@@ -4902,7 +4962,7 @@
                         </a:spcAft>
                       </a:pPr>
                       <a:r>
-                        <a:rPr lang="en-US" altLang="zh-CN" sz="1800" kern="100" dirty="0" smtClean="0">
+                        <a:rPr lang="en-US" altLang="zh-CN" sz="1800" kern="100" dirty="0">
                           <a:effectLst/>
                           <a:latin typeface="Calibri" charset="0"/>
                           <a:ea typeface="宋体" charset="-122"/>
@@ -4920,6 +4980,11 @@
                   </a:txBody>
                   <a:tcPr marL="68580" marR="68580" marT="0" marB="0" anchor="ctr"/>
                 </a:tc>
+                <a:extLst>
+                  <a:ext uri="{0D108BD9-81ED-4DB2-BD59-A6C34878D82A}">
+                    <a16:rowId xmlns:a16="http://schemas.microsoft.com/office/drawing/2014/main" val="10002"/>
+                  </a:ext>
+                </a:extLst>
               </a:tr>
             </a:tbl>
           </a:graphicData>
@@ -5144,7 +5209,7 @@
           <p:cNvPr id="2" name="标题 1">
             <a:extLst>
               <a:ext uri="{FF2B5EF4-FFF2-40B4-BE49-F238E27FC236}">
-                <a16:creationId xmlns:a16="http://schemas.microsoft.com/office/drawing/2014/main" xmlns="" id="{78218EBA-65D5-4A38-A656-FE15D07F24D5}"/>
+                <a16:creationId xmlns:a16="http://schemas.microsoft.com/office/drawing/2014/main" id="{78218EBA-65D5-4A38-A656-FE15D07F24D5}"/>
               </a:ext>
             </a:extLst>
           </p:cNvPr>
@@ -5174,7 +5239,7 @@
               <p:cNvPr id="4" name="文本框 3">
                 <a:extLst>
                   <a:ext uri="{FF2B5EF4-FFF2-40B4-BE49-F238E27FC236}">
-                    <a16:creationId xmlns:a16="http://schemas.microsoft.com/office/drawing/2014/main" xmlns="" id="{F4EC48E2-8BA3-4909-8049-4209AC75BB08}"/>
+                    <a16:creationId xmlns:a16="http://schemas.microsoft.com/office/drawing/2014/main" id="{F4EC48E2-8BA3-4909-8049-4209AC75BB08}"/>
                   </a:ext>
                 </a:extLst>
               </p:cNvPr>
@@ -5208,7 +5273,7 @@
                         <m:sSubPr>
                           <m:ctrlPr>
                             <a:rPr lang="en-US" altLang="zh-CN" i="1" smtClean="0">
-                              <a:latin typeface="Cambria Math" charset="0"/>
+                              <a:latin typeface="Cambria Math" panose="02040503050406030204" pitchFamily="18" charset="0"/>
                             </a:rPr>
                           </m:ctrlPr>
                         </m:sSubPr>
@@ -5233,7 +5298,7 @@
                         <m:dPr>
                           <m:ctrlPr>
                             <a:rPr lang="en-US" altLang="zh-CN" b="0" i="1" smtClean="0">
-                              <a:latin typeface="Cambria Math" charset="0"/>
+                              <a:latin typeface="Cambria Math" panose="02040503050406030204" pitchFamily="18" charset="0"/>
                             </a:rPr>
                           </m:ctrlPr>
                         </m:dPr>
@@ -5280,7 +5345,7 @@
                           <m:chr m:val="∑"/>
                           <m:ctrlPr>
                             <a:rPr lang="en-US" altLang="zh-CN" b="0" i="1" smtClean="0">
-                              <a:latin typeface="Cambria Math" charset="0"/>
+                              <a:latin typeface="Cambria Math" panose="02040503050406030204" pitchFamily="18" charset="0"/>
                             </a:rPr>
                           </m:ctrlPr>
                         </m:naryPr>
@@ -5314,7 +5379,7 @@
                             <m:sSubPr>
                               <m:ctrlPr>
                                 <a:rPr lang="en-US" altLang="zh-CN" b="0" i="1" smtClean="0">
-                                  <a:latin typeface="Cambria Math" charset="0"/>
+                                  <a:latin typeface="Cambria Math" panose="02040503050406030204" pitchFamily="18" charset="0"/>
                                 </a:rPr>
                               </m:ctrlPr>
                             </m:sSubPr>
@@ -5339,7 +5404,7 @@
                             <m:sSubPr>
                               <m:ctrlPr>
                                 <a:rPr lang="en-US" altLang="zh-CN" b="0" i="1" smtClean="0">
-                                  <a:latin typeface="Cambria Math" charset="0"/>
+                                  <a:latin typeface="Cambria Math" panose="02040503050406030204" pitchFamily="18" charset="0"/>
                                 </a:rPr>
                               </m:ctrlPr>
                             </m:sSubPr>
@@ -5488,7 +5553,7 @@
               <p:cNvPr id="2" name="标题 1">
                 <a:extLst>
                   <a:ext uri="{FF2B5EF4-FFF2-40B4-BE49-F238E27FC236}">
-                    <a16:creationId xmlns:a16="http://schemas.microsoft.com/office/drawing/2014/main" xmlns="" id="{095BF1F6-E20F-4513-863E-A5566498EA73}"/>
+                    <a16:creationId xmlns:a16="http://schemas.microsoft.com/office/drawing/2014/main" id="{095BF1F6-E20F-4513-863E-A5566498EA73}"/>
                   </a:ext>
                 </a:extLst>
               </p:cNvPr>
@@ -5518,7 +5583,7 @@
                       <m:sSubSupPr>
                         <m:ctrlPr>
                           <a:rPr lang="en-US" altLang="zh-CN" i="1" smtClean="0">
-                            <a:latin typeface="Cambria Math" charset="0"/>
+                            <a:latin typeface="Cambria Math" panose="02040503050406030204" pitchFamily="18" charset="0"/>
                           </a:rPr>
                         </m:ctrlPr>
                       </m:sSubSupPr>
@@ -5594,14 +5659,14 @@
           </p:sp>
         </mc:Fallback>
       </mc:AlternateContent>
-      <mc:AlternateContent xmlns:mc="http://schemas.openxmlformats.org/markup-compatibility/2006" xmlns:a14="http://schemas.microsoft.com/office/drawing/2010/main">
-        <mc:Choice Requires="a14">
+      <mc:AlternateContent xmlns:mc="http://schemas.openxmlformats.org/markup-compatibility/2006">
+        <mc:Choice xmlns:a14="http://schemas.microsoft.com/office/drawing/2010/main" Requires="a14">
           <p:sp>
             <p:nvSpPr>
               <p:cNvPr id="3" name="内容占位符 2">
                 <a:extLst>
                   <a:ext uri="{FF2B5EF4-FFF2-40B4-BE49-F238E27FC236}">
-                    <a16:creationId xmlns:a16="http://schemas.microsoft.com/office/drawing/2014/main" xmlns="" id="{CAE8BCA0-891A-41DB-8065-F0B3539F2188}"/>
+                    <a16:creationId xmlns:a16="http://schemas.microsoft.com/office/drawing/2014/main" id="{CAE8BCA0-891A-41DB-8065-F0B3539F2188}"/>
                   </a:ext>
                 </a:extLst>
               </p:cNvPr>
@@ -5627,7 +5692,7 @@
                       <m:sSubPr>
                         <m:ctrlPr>
                           <a:rPr lang="en-US" altLang="zh-CN" i="1" smtClean="0">
-                            <a:latin typeface="Cambria Math" charset="0"/>
+                            <a:latin typeface="Cambria Math" panose="02040503050406030204" pitchFamily="18" charset="0"/>
                           </a:rPr>
                         </m:ctrlPr>
                       </m:sSubPr>
@@ -5658,7 +5723,7 @@
                       <m:sSubPr>
                         <m:ctrlPr>
                           <a:rPr lang="en-US" altLang="zh-CN" b="0" i="1" smtClean="0">
-                            <a:latin typeface="Cambria Math" charset="0"/>
+                            <a:latin typeface="Cambria Math" panose="02040503050406030204" pitchFamily="18" charset="0"/>
                           </a:rPr>
                         </m:ctrlPr>
                       </m:sSubPr>
@@ -5689,7 +5754,7 @@
                       <m:sSubPr>
                         <m:ctrlPr>
                           <a:rPr lang="en-US" altLang="zh-CN" b="0" i="1" smtClean="0">
-                            <a:latin typeface="Cambria Math" charset="0"/>
+                            <a:latin typeface="Cambria Math" panose="02040503050406030204" pitchFamily="18" charset="0"/>
                           </a:rPr>
                         </m:ctrlPr>
                       </m:sSubPr>
@@ -5723,7 +5788,7 @@
                         <m:chr m:val="̃"/>
                         <m:ctrlPr>
                           <a:rPr lang="zh-CN" altLang="en-US" i="1" smtClean="0">
-                            <a:latin typeface="Cambria Math" charset="0"/>
+                            <a:latin typeface="Cambria Math" panose="02040503050406030204" pitchFamily="18" charset="0"/>
                           </a:rPr>
                         </m:ctrlPr>
                       </m:accPr>
@@ -5778,7 +5843,7 @@
                       <m:sSubPr>
                         <m:ctrlPr>
                           <a:rPr lang="en-US" altLang="zh-CN" i="1" smtClean="0">
-                            <a:latin typeface="Cambria Math" charset="0"/>
+                            <a:latin typeface="Cambria Math" panose="02040503050406030204" pitchFamily="18" charset="0"/>
                           </a:rPr>
                         </m:ctrlPr>
                       </m:sSubPr>
@@ -5803,7 +5868,7 @@
                       <m:dPr>
                         <m:ctrlPr>
                           <a:rPr lang="en-US" altLang="zh-CN" b="0" i="1" smtClean="0">
-                            <a:latin typeface="Cambria Math" charset="0"/>
+                            <a:latin typeface="Cambria Math" panose="02040503050406030204" pitchFamily="18" charset="0"/>
                           </a:rPr>
                         </m:ctrlPr>
                       </m:dPr>
@@ -5839,7 +5904,7 @@
                       <m:sSubSupPr>
                         <m:ctrlPr>
                           <a:rPr lang="en-US" altLang="zh-CN" i="1" smtClean="0">
-                            <a:latin typeface="Cambria Math" charset="0"/>
+                            <a:latin typeface="Cambria Math" panose="02040503050406030204" pitchFamily="18" charset="0"/>
                           </a:rPr>
                         </m:ctrlPr>
                       </m:sSubSupPr>
@@ -5880,7 +5945,7 @@
                       <m:sSubPr>
                         <m:ctrlPr>
                           <a:rPr lang="en-US" altLang="zh-CN" i="1" smtClean="0">
-                            <a:latin typeface="Cambria Math" charset="0"/>
+                            <a:latin typeface="Cambria Math" panose="02040503050406030204" pitchFamily="18" charset="0"/>
                           </a:rPr>
                         </m:ctrlPr>
                       </m:sSubPr>
@@ -5897,7 +5962,7 @@
                           <m:sSupPr>
                             <m:ctrlPr>
                               <a:rPr lang="en-US" altLang="zh-CN" i="1" smtClean="0">
-                                <a:latin typeface="Cambria Math" charset="0"/>
+                                <a:latin typeface="Cambria Math" panose="02040503050406030204" pitchFamily="18" charset="0"/>
                               </a:rPr>
                             </m:ctrlPr>
                           </m:sSupPr>
@@ -5981,7 +6046,7 @@
                       <m:sSubPr>
                         <m:ctrlPr>
                           <a:rPr lang="en-US" altLang="zh-CN" i="1" smtClean="0">
-                            <a:latin typeface="Cambria Math" charset="0"/>
+                            <a:latin typeface="Cambria Math" panose="02040503050406030204" pitchFamily="18" charset="0"/>
                           </a:rPr>
                         </m:ctrlPr>
                       </m:sSubPr>
@@ -6091,7 +6156,7 @@
                       <m:sSubPr>
                         <m:ctrlPr>
                           <a:rPr lang="en-US" altLang="zh-CN" i="1" smtClean="0">
-                            <a:latin typeface="Cambria Math" charset="0"/>
+                            <a:latin typeface="Cambria Math" panose="02040503050406030204" pitchFamily="18" charset="0"/>
                           </a:rPr>
                         </m:ctrlPr>
                       </m:sSubPr>
@@ -6122,7 +6187,7 @@
                       <m:fPr>
                         <m:ctrlPr>
                           <a:rPr lang="en-US" altLang="zh-CN" b="0" i="1" smtClean="0">
-                            <a:latin typeface="Cambria Math" charset="0"/>
+                            <a:latin typeface="Cambria Math" panose="02040503050406030204" pitchFamily="18" charset="0"/>
                           </a:rPr>
                         </m:ctrlPr>
                       </m:fPr>
@@ -6153,7 +6218,7 @@
                       <m:fPr>
                         <m:ctrlPr>
                           <a:rPr lang="en-US" altLang="zh-CN" b="0" i="1" smtClean="0">
-                            <a:latin typeface="Cambria Math" charset="0"/>
+                            <a:latin typeface="Cambria Math" panose="02040503050406030204" pitchFamily="18" charset="0"/>
                           </a:rPr>
                         </m:ctrlPr>
                       </m:fPr>
@@ -6162,7 +6227,7 @@
                           <m:sSubPr>
                             <m:ctrlPr>
                               <a:rPr lang="en-US" altLang="zh-CN" b="0" i="1" smtClean="0">
-                                <a:latin typeface="Cambria Math" charset="0"/>
+                                <a:latin typeface="Cambria Math" panose="02040503050406030204" pitchFamily="18" charset="0"/>
                               </a:rPr>
                             </m:ctrlPr>
                           </m:sSubPr>
@@ -6180,7 +6245,7 @@
                                 <m:chr m:val="̃"/>
                                 <m:ctrlPr>
                                   <a:rPr lang="en-US" altLang="zh-CN" b="0" i="1" smtClean="0">
-                                    <a:latin typeface="Cambria Math" charset="0"/>
+                                    <a:latin typeface="Cambria Math" panose="02040503050406030204" pitchFamily="18" charset="0"/>
                                   </a:rPr>
                                 </m:ctrlPr>
                               </m:accPr>
@@ -6205,7 +6270,7 @@
                           <m:sSubPr>
                             <m:ctrlPr>
                               <a:rPr lang="en-US" altLang="zh-CN" b="0" i="1" smtClean="0">
-                                <a:latin typeface="Cambria Math" charset="0"/>
+                                <a:latin typeface="Cambria Math" panose="02040503050406030204" pitchFamily="18" charset="0"/>
                               </a:rPr>
                             </m:ctrlPr>
                           </m:sSubPr>
@@ -6238,7 +6303,7 @@
                           <m:sSubPr>
                             <m:ctrlPr>
                               <a:rPr lang="en-US" altLang="zh-CN" b="0" i="1" smtClean="0">
-                                <a:latin typeface="Cambria Math" charset="0"/>
+                                <a:latin typeface="Cambria Math" panose="02040503050406030204" pitchFamily="18" charset="0"/>
                               </a:rPr>
                             </m:ctrlPr>
                           </m:sSubPr>
@@ -6269,7 +6334,7 @@
                           <m:sSubPr>
                             <m:ctrlPr>
                               <a:rPr lang="en-US" altLang="zh-CN" b="0" i="1" smtClean="0">
-                                <a:latin typeface="Cambria Math" charset="0"/>
+                                <a:latin typeface="Cambria Math" panose="02040503050406030204" pitchFamily="18" charset="0"/>
                               </a:rPr>
                             </m:ctrlPr>
                           </m:sSubPr>
@@ -6298,6 +6363,118 @@
                         </m:r>
                       </m:den>
                     </m:f>
+                  </m:oMath>
+                </a14:m>
+                <a:r>
+                  <a:rPr lang="zh-CN" altLang="en-US"/>
+                  <a:t>，</a:t>
+                </a:r>
+                <a14:m>
+                  <m:oMath xmlns:m="http://schemas.openxmlformats.org/officeDocument/2006/math">
+                    <m:r>
+                      <a:rPr lang="en-US" altLang="zh-CN" b="0" i="1" smtClean="0">
+                        <a:latin typeface="Cambria Math" panose="02040503050406030204" pitchFamily="18" charset="0"/>
+                      </a:rPr>
+                      <m:t>𝑀</m:t>
+                    </m:r>
+                    <m:r>
+                      <a:rPr lang="en-US" altLang="zh-CN" b="0" i="1" smtClean="0">
+                        <a:latin typeface="Cambria Math" panose="02040503050406030204" pitchFamily="18" charset="0"/>
+                      </a:rPr>
+                      <m:t>=</m:t>
+                    </m:r>
+                    <m:nary>
+                      <m:naryPr>
+                        <m:chr m:val="∑"/>
+                        <m:ctrlPr>
+                          <a:rPr lang="en-US" altLang="zh-CN" b="0" i="1" smtClean="0">
+                            <a:latin typeface="Cambria Math" panose="02040503050406030204" pitchFamily="18" charset="0"/>
+                          </a:rPr>
+                        </m:ctrlPr>
+                      </m:naryPr>
+                      <m:sub>
+                        <m:r>
+                          <m:rPr>
+                            <m:brk m:alnAt="23"/>
+                          </m:rPr>
+                          <a:rPr lang="en-US" altLang="zh-CN" b="0" i="1" smtClean="0">
+                            <a:latin typeface="Cambria Math" panose="02040503050406030204" pitchFamily="18" charset="0"/>
+                          </a:rPr>
+                          <m:t>𝑖</m:t>
+                        </m:r>
+                        <m:r>
+                          <a:rPr lang="en-US" altLang="zh-CN" b="0" i="1" smtClean="0">
+                            <a:latin typeface="Cambria Math" panose="02040503050406030204" pitchFamily="18" charset="0"/>
+                          </a:rPr>
+                          <m:t>=1</m:t>
+                        </m:r>
+                      </m:sub>
+                      <m:sup>
+                        <m:r>
+                          <a:rPr lang="en-US" altLang="zh-CN" b="0" i="1" smtClean="0">
+                            <a:latin typeface="Cambria Math" panose="02040503050406030204" pitchFamily="18" charset="0"/>
+                          </a:rPr>
+                          <m:t>𝑛</m:t>
+                        </m:r>
+                      </m:sup>
+                      <m:e>
+                        <m:sSub>
+                          <m:sSubPr>
+                            <m:ctrlPr>
+                              <a:rPr lang="en-US" altLang="zh-CN" b="0" i="1" smtClean="0">
+                                <a:latin typeface="Cambria Math" panose="02040503050406030204" pitchFamily="18" charset="0"/>
+                              </a:rPr>
+                            </m:ctrlPr>
+                          </m:sSubPr>
+                          <m:e>
+                            <m:r>
+                              <a:rPr lang="en-US" altLang="zh-CN" b="0" i="1" smtClean="0">
+                                <a:latin typeface="Cambria Math" panose="02040503050406030204" pitchFamily="18" charset="0"/>
+                              </a:rPr>
+                              <m:t>𝑓</m:t>
+                            </m:r>
+                          </m:e>
+                          <m:sub>
+                            <m:r>
+                              <a:rPr lang="en-US" altLang="zh-CN" b="0" i="1" smtClean="0">
+                                <a:latin typeface="Cambria Math" panose="02040503050406030204" pitchFamily="18" charset="0"/>
+                              </a:rPr>
+                              <m:t>𝑖</m:t>
+                            </m:r>
+                          </m:sub>
+                        </m:sSub>
+                        <m:r>
+                          <a:rPr lang="en-US" altLang="zh-CN" b="0" i="1" smtClean="0">
+                            <a:latin typeface="Cambria Math" panose="02040503050406030204" pitchFamily="18" charset="0"/>
+                          </a:rPr>
+                          <m:t>(</m:t>
+                        </m:r>
+                        <m:r>
+                          <a:rPr lang="en-US" altLang="zh-CN" b="0" i="1" smtClean="0">
+                            <a:latin typeface="Cambria Math" panose="02040503050406030204" pitchFamily="18" charset="0"/>
+                          </a:rPr>
+                          <m:t>𝑥</m:t>
+                        </m:r>
+                        <m:r>
+                          <a:rPr lang="en-US" altLang="zh-CN" b="0" i="1" smtClean="0">
+                            <a:latin typeface="Cambria Math" panose="02040503050406030204" pitchFamily="18" charset="0"/>
+                          </a:rPr>
+                          <m:t>,</m:t>
+                        </m:r>
+                        <m:r>
+                          <a:rPr lang="en-US" altLang="zh-CN" b="0" i="1" smtClean="0">
+                            <a:latin typeface="Cambria Math" panose="02040503050406030204" pitchFamily="18" charset="0"/>
+                          </a:rPr>
+                          <m:t>𝑦</m:t>
+                        </m:r>
+                        <m:r>
+                          <a:rPr lang="en-US" altLang="zh-CN" b="0" i="1" smtClean="0">
+                            <a:latin typeface="Cambria Math" panose="02040503050406030204" pitchFamily="18" charset="0"/>
+                          </a:rPr>
+                          <m:t>)</m:t>
+                        </m:r>
+                      </m:e>
+                    </m:nary>
                   </m:oMath>
                 </a14:m>
                 <a:endParaRPr lang="en-US" altLang="zh-CN"/>
@@ -6328,7 +6505,7 @@
                       <m:sSubPr>
                         <m:ctrlPr>
                           <a:rPr lang="en-US" altLang="zh-CN" i="1" smtClean="0">
-                            <a:latin typeface="Cambria Math" charset="0"/>
+                            <a:latin typeface="Cambria Math" panose="02040503050406030204" pitchFamily="18" charset="0"/>
                           </a:rPr>
                         </m:ctrlPr>
                       </m:sSubPr>
@@ -6361,7 +6538,7 @@
                       <m:sSubPr>
                         <m:ctrlPr>
                           <a:rPr lang="en-US" altLang="zh-CN" i="1" smtClean="0">
-                            <a:latin typeface="Cambria Math" charset="0"/>
+                            <a:latin typeface="Cambria Math" panose="02040503050406030204" pitchFamily="18" charset="0"/>
                           </a:rPr>
                         </m:ctrlPr>
                       </m:sSubPr>
@@ -6393,7 +6570,7 @@
                       <m:sSubPr>
                         <m:ctrlPr>
                           <a:rPr lang="en-US" altLang="zh-CN" i="1" smtClean="0">
-                            <a:latin typeface="Cambria Math" charset="0"/>
+                            <a:latin typeface="Cambria Math" panose="02040503050406030204" pitchFamily="18" charset="0"/>
                           </a:rPr>
                         </m:ctrlPr>
                       </m:sSubPr>
@@ -6424,7 +6601,7 @@
                       <m:sSubPr>
                         <m:ctrlPr>
                           <a:rPr lang="en-US" altLang="zh-CN" i="1" smtClean="0">
-                            <a:latin typeface="Cambria Math" charset="0"/>
+                            <a:latin typeface="Cambria Math" panose="02040503050406030204" pitchFamily="18" charset="0"/>
                           </a:rPr>
                         </m:ctrlPr>
                       </m:sSubPr>
@@ -6471,7 +6648,7 @@
                       <m:sSubPr>
                         <m:ctrlPr>
                           <a:rPr lang="en-US" altLang="zh-CN" i="1" smtClean="0">
-                            <a:latin typeface="Cambria Math" charset="0"/>
+                            <a:latin typeface="Cambria Math" panose="02040503050406030204" pitchFamily="18" charset="0"/>
                           </a:rPr>
                         </m:ctrlPr>
                       </m:sSubPr>
@@ -6511,7 +6688,7 @@
             </p:txBody>
           </p:sp>
         </mc:Choice>
-        <mc:Fallback xmlns="">
+        <mc:Fallback>
           <p:sp>
             <p:nvSpPr>
               <p:cNvPr id="3" name="内容占位符 2">
@@ -6588,7 +6765,7 @@
               <p:cNvPr id="2" name="标题 1">
                 <a:extLst>
                   <a:ext uri="{FF2B5EF4-FFF2-40B4-BE49-F238E27FC236}">
-                    <a16:creationId xmlns:a16="http://schemas.microsoft.com/office/drawing/2014/main" xmlns="" id="{87DCE796-5A54-4641-A737-D918725D654E}"/>
+                    <a16:creationId xmlns:a16="http://schemas.microsoft.com/office/drawing/2014/main" id="{87DCE796-5A54-4641-A737-D918725D654E}"/>
                   </a:ext>
                 </a:extLst>
               </p:cNvPr>
@@ -6618,7 +6795,7 @@
                       <m:sSubSupPr>
                         <m:ctrlPr>
                           <a:rPr lang="en-US" altLang="zh-CN" i="1" smtClean="0">
-                            <a:latin typeface="Cambria Math" charset="0"/>
+                            <a:latin typeface="Cambria Math" panose="02040503050406030204" pitchFamily="18" charset="0"/>
                           </a:rPr>
                         </m:ctrlPr>
                       </m:sSubSupPr>
@@ -6701,7 +6878,7 @@
               <p:cNvPr id="3" name="内容占位符 2">
                 <a:extLst>
                   <a:ext uri="{FF2B5EF4-FFF2-40B4-BE49-F238E27FC236}">
-                    <a16:creationId xmlns:a16="http://schemas.microsoft.com/office/drawing/2014/main" xmlns="" id="{C4337C8A-FD9D-49A1-9A52-5BF9853DC02A}"/>
+                    <a16:creationId xmlns:a16="http://schemas.microsoft.com/office/drawing/2014/main" id="{C4337C8A-FD9D-49A1-9A52-5BF9853DC02A}"/>
                   </a:ext>
                 </a:extLst>
               </p:cNvPr>
@@ -6739,7 +6916,7 @@
                       <m:sSubPr>
                         <m:ctrlPr>
                           <a:rPr lang="en-US" altLang="zh-CN" b="0" i="1" smtClean="0">
-                            <a:latin typeface="Cambria Math" charset="0"/>
+                            <a:latin typeface="Cambria Math" panose="02040503050406030204" pitchFamily="18" charset="0"/>
                           </a:rPr>
                         </m:ctrlPr>
                       </m:sSubPr>
@@ -6770,7 +6947,7 @@
                       <m:sSubPr>
                         <m:ctrlPr>
                           <a:rPr lang="en-US" altLang="zh-CN" b="0" i="1" smtClean="0">
-                            <a:latin typeface="Cambria Math" charset="0"/>
+                            <a:latin typeface="Cambria Math" panose="02040503050406030204" pitchFamily="18" charset="0"/>
                           </a:rPr>
                         </m:ctrlPr>
                       </m:sSubPr>
@@ -6801,7 +6978,7 @@
                       <m:sSubPr>
                         <m:ctrlPr>
                           <a:rPr lang="en-US" altLang="zh-CN" b="0" i="1" smtClean="0">
-                            <a:latin typeface="Cambria Math" charset="0"/>
+                            <a:latin typeface="Cambria Math" panose="02040503050406030204" pitchFamily="18" charset="0"/>
                           </a:rPr>
                         </m:ctrlPr>
                       </m:sSubPr>
@@ -6832,7 +7009,7 @@
                       <m:sSubPr>
                         <m:ctrlPr>
                           <a:rPr lang="en-US" altLang="zh-CN" b="0" i="1" smtClean="0">
-                            <a:latin typeface="Cambria Math" charset="0"/>
+                            <a:latin typeface="Cambria Math" panose="02040503050406030204" pitchFamily="18" charset="0"/>
                           </a:rPr>
                         </m:ctrlPr>
                       </m:sSubPr>
@@ -6869,7 +7046,13 @@
                       <a:rPr lang="en-US" altLang="zh-CN" b="0" i="1" smtClean="0">
                         <a:latin typeface="Cambria Math" panose="02040503050406030204" pitchFamily="18" charset="0"/>
                       </a:rPr>
-                      <m:t>)，</m:t>
+                      <m:t>)</m:t>
+                    </m:r>
+                    <m:r>
+                      <a:rPr lang="en-US" altLang="zh-CN" b="0" i="1" smtClean="0">
+                        <a:latin typeface="Cambria Math" panose="02040503050406030204" pitchFamily="18" charset="0"/>
+                      </a:rPr>
+                      <m:t>，</m:t>
                     </m:r>
                   </m:oMath>
                 </a14:m>
@@ -6912,7 +7095,7 @@
                       <m:dPr>
                         <m:ctrlPr>
                           <a:rPr lang="en-US" altLang="zh-CN" b="0" i="1" smtClean="0">
-                            <a:latin typeface="Cambria Math" charset="0"/>
+                            <a:latin typeface="Cambria Math" panose="02040503050406030204" pitchFamily="18" charset="0"/>
                           </a:rPr>
                         </m:ctrlPr>
                       </m:dPr>
@@ -6921,7 +7104,7 @@
                           <m:sSubPr>
                             <m:ctrlPr>
                               <a:rPr lang="en-US" altLang="zh-CN" b="0" i="1" smtClean="0">
-                                <a:latin typeface="Cambria Math" charset="0"/>
+                                <a:latin typeface="Cambria Math" panose="02040503050406030204" pitchFamily="18" charset="0"/>
                               </a:rPr>
                             </m:ctrlPr>
                           </m:sSubPr>
@@ -6960,7 +7143,7 @@
                       <m:dPr>
                         <m:ctrlPr>
                           <a:rPr lang="en-US" altLang="zh-CN" b="0" i="1" smtClean="0">
-                            <a:latin typeface="Cambria Math" charset="0"/>
+                            <a:latin typeface="Cambria Math" panose="02040503050406030204" pitchFamily="18" charset="0"/>
                           </a:rPr>
                         </m:ctrlPr>
                       </m:dPr>
@@ -6969,7 +7152,7 @@
                           <m:sSubPr>
                             <m:ctrlPr>
                               <a:rPr lang="en-US" altLang="zh-CN" b="0" i="1" smtClean="0">
-                                <a:latin typeface="Cambria Math" charset="0"/>
+                                <a:latin typeface="Cambria Math" panose="02040503050406030204" pitchFamily="18" charset="0"/>
                               </a:rPr>
                             </m:ctrlPr>
                           </m:sSubPr>
@@ -7008,7 +7191,7 @@
                       <m:dPr>
                         <m:ctrlPr>
                           <a:rPr lang="en-US" altLang="zh-CN" b="0" i="1" smtClean="0">
-                            <a:latin typeface="Cambria Math" charset="0"/>
+                            <a:latin typeface="Cambria Math" panose="02040503050406030204" pitchFamily="18" charset="0"/>
                           </a:rPr>
                         </m:ctrlPr>
                       </m:dPr>
@@ -7017,7 +7200,7 @@
                           <m:sSubPr>
                             <m:ctrlPr>
                               <a:rPr lang="en-US" altLang="zh-CN" b="0" i="1" smtClean="0">
-                                <a:latin typeface="Cambria Math" charset="0"/>
+                                <a:latin typeface="Cambria Math" panose="02040503050406030204" pitchFamily="18" charset="0"/>
                               </a:rPr>
                             </m:ctrlPr>
                           </m:sSubPr>
@@ -7057,7 +7240,7 @@
                       <m:sSubPr>
                         <m:ctrlPr>
                           <a:rPr lang="en-US" altLang="zh-CN" b="0" i="1" smtClean="0">
-                            <a:latin typeface="Cambria Math" charset="0"/>
+                            <a:latin typeface="Cambria Math" panose="02040503050406030204" pitchFamily="18" charset="0"/>
                           </a:rPr>
                         </m:ctrlPr>
                       </m:sSubPr>
@@ -7075,7 +7258,7 @@
                             <m:chr m:val="̃"/>
                             <m:ctrlPr>
                               <a:rPr lang="en-US" altLang="zh-CN" b="0" i="1" smtClean="0">
-                                <a:latin typeface="Cambria Math" charset="0"/>
+                                <a:latin typeface="Cambria Math" panose="02040503050406030204" pitchFamily="18" charset="0"/>
                               </a:rPr>
                             </m:ctrlPr>
                           </m:accPr>
@@ -7100,7 +7283,7 @@
                       <m:sSubPr>
                         <m:ctrlPr>
                           <a:rPr lang="en-US" altLang="zh-CN" b="0" i="1" smtClean="0">
-                            <a:latin typeface="Cambria Math" charset="0"/>
+                            <a:latin typeface="Cambria Math" panose="02040503050406030204" pitchFamily="18" charset="0"/>
                           </a:rPr>
                         </m:ctrlPr>
                       </m:sSubPr>
@@ -7149,7 +7332,7 @@
                       <m:sSubPr>
                         <m:ctrlPr>
                           <a:rPr lang="en-US" altLang="zh-CN" b="0" i="1" smtClean="0">
-                            <a:latin typeface="Cambria Math" charset="0"/>
+                            <a:latin typeface="Cambria Math" panose="02040503050406030204" pitchFamily="18" charset="0"/>
                           </a:rPr>
                         </m:ctrlPr>
                       </m:sSubPr>
@@ -7167,7 +7350,7 @@
                             <m:chr m:val="̃"/>
                             <m:ctrlPr>
                               <a:rPr lang="en-US" altLang="zh-CN" b="0" i="1" smtClean="0">
-                                <a:latin typeface="Cambria Math" charset="0"/>
+                                <a:latin typeface="Cambria Math" panose="02040503050406030204" pitchFamily="18" charset="0"/>
                               </a:rPr>
                             </m:ctrlPr>
                           </m:accPr>
@@ -7186,7 +7369,7 @@
                       <m:dPr>
                         <m:ctrlPr>
                           <a:rPr lang="en-US" altLang="zh-CN" b="0" i="1" smtClean="0">
-                            <a:latin typeface="Cambria Math" charset="0"/>
+                            <a:latin typeface="Cambria Math" panose="02040503050406030204" pitchFamily="18" charset="0"/>
                           </a:rPr>
                         </m:ctrlPr>
                       </m:dPr>
@@ -7195,7 +7378,7 @@
                           <m:sSubPr>
                             <m:ctrlPr>
                               <a:rPr lang="en-US" altLang="zh-CN" b="0" i="1" smtClean="0">
-                                <a:latin typeface="Cambria Math" charset="0"/>
+                                <a:latin typeface="Cambria Math" panose="02040503050406030204" pitchFamily="18" charset="0"/>
                               </a:rPr>
                             </m:ctrlPr>
                           </m:sSubPr>
@@ -7228,7 +7411,7 @@
                       <m:fPr>
                         <m:ctrlPr>
                           <a:rPr lang="en-US" altLang="zh-CN" b="0" i="1" smtClean="0">
-                            <a:latin typeface="Cambria Math" charset="0"/>
+                            <a:latin typeface="Cambria Math" panose="02040503050406030204" pitchFamily="18" charset="0"/>
                           </a:rPr>
                         </m:ctrlPr>
                       </m:fPr>
@@ -7404,7 +7587,7 @@
                       <m:sSubPr>
                         <m:ctrlPr>
                           <a:rPr lang="en-US" altLang="zh-CN" b="0" i="1" smtClean="0">
-                            <a:latin typeface="Cambria Math" charset="0"/>
+                            <a:latin typeface="Cambria Math" panose="02040503050406030204" pitchFamily="18" charset="0"/>
                           </a:rPr>
                         </m:ctrlPr>
                       </m:sSubPr>
@@ -7435,7 +7618,7 @@
                       <m:sSubPr>
                         <m:ctrlPr>
                           <a:rPr lang="en-US" altLang="zh-CN" b="0" i="1" smtClean="0">
-                            <a:latin typeface="Cambria Math" charset="0"/>
+                            <a:latin typeface="Cambria Math" panose="02040503050406030204" pitchFamily="18" charset="0"/>
                           </a:rPr>
                         </m:ctrlPr>
                       </m:sSubPr>
@@ -7478,7 +7661,7 @@
                       <m:sSubPr>
                         <m:ctrlPr>
                           <a:rPr lang="en-US" altLang="zh-CN" b="0" i="1" smtClean="0">
-                            <a:latin typeface="Cambria Math" charset="0"/>
+                            <a:latin typeface="Cambria Math" panose="02040503050406030204" pitchFamily="18" charset="0"/>
                           </a:rPr>
                         </m:ctrlPr>
                       </m:sSubPr>
@@ -7503,7 +7686,7 @@
                       <m:dPr>
                         <m:ctrlPr>
                           <a:rPr lang="en-US" altLang="zh-CN" b="0" i="1" smtClean="0">
-                            <a:latin typeface="Cambria Math" charset="0"/>
+                            <a:latin typeface="Cambria Math" panose="02040503050406030204" pitchFamily="18" charset="0"/>
                           </a:rPr>
                         </m:ctrlPr>
                       </m:dPr>
@@ -7512,7 +7695,7 @@
                           <m:sSubPr>
                             <m:ctrlPr>
                               <a:rPr lang="en-US" altLang="zh-CN" b="0" i="1" smtClean="0">
-                                <a:latin typeface="Cambria Math" charset="0"/>
+                                <a:latin typeface="Cambria Math" panose="02040503050406030204" pitchFamily="18" charset="0"/>
                               </a:rPr>
                             </m:ctrlPr>
                           </m:sSubPr>
@@ -7545,7 +7728,7 @@
                       <m:fPr>
                         <m:ctrlPr>
                           <a:rPr lang="en-US" altLang="zh-CN" b="0" i="1" smtClean="0">
-                            <a:latin typeface="Cambria Math" charset="0"/>
+                            <a:latin typeface="Cambria Math" panose="02040503050406030204" pitchFamily="18" charset="0"/>
                           </a:rPr>
                         </m:ctrlPr>
                       </m:fPr>
@@ -7576,7 +7759,7 @@
                       <m:dPr>
                         <m:ctrlPr>
                           <a:rPr lang="en-US" altLang="zh-CN" b="0" i="1" smtClean="0">
-                            <a:latin typeface="Cambria Math" charset="0"/>
+                            <a:latin typeface="Cambria Math" panose="02040503050406030204" pitchFamily="18" charset="0"/>
                           </a:rPr>
                         </m:ctrlPr>
                       </m:dPr>
@@ -7607,7 +7790,7 @@
                       <m:fPr>
                         <m:ctrlPr>
                           <a:rPr lang="en-US" altLang="zh-CN" b="0" i="1" smtClean="0">
-                            <a:latin typeface="Cambria Math" charset="0"/>
+                            <a:latin typeface="Cambria Math" panose="02040503050406030204" pitchFamily="18" charset="0"/>
                           </a:rPr>
                         </m:ctrlPr>
                       </m:fPr>
@@ -7632,7 +7815,7 @@
                       <m:sSupPr>
                         <m:ctrlPr>
                           <a:rPr lang="en-US" altLang="zh-CN" b="0" i="1" smtClean="0">
-                            <a:latin typeface="Cambria Math" charset="0"/>
+                            <a:latin typeface="Cambria Math" panose="02040503050406030204" pitchFamily="18" charset="0"/>
                           </a:rPr>
                         </m:ctrlPr>
                       </m:sSupPr>
@@ -7649,7 +7832,7 @@
                           <m:sSubPr>
                             <m:ctrlPr>
                               <a:rPr lang="en-US" altLang="zh-CN" b="0" i="1" smtClean="0">
-                                <a:latin typeface="Cambria Math" charset="0"/>
+                                <a:latin typeface="Cambria Math" panose="02040503050406030204" pitchFamily="18" charset="0"/>
                               </a:rPr>
                             </m:ctrlPr>
                           </m:sSubPr>

--- a/MaxEntPosTag/最大熵模型.pptx
+++ b/MaxEntPosTag/最大熵模型.pptx
@@ -11,6 +11,8 @@
     <p:sldId id="258" r:id="rId5"/>
     <p:sldId id="259" r:id="rId6"/>
     <p:sldId id="260" r:id="rId7"/>
+    <p:sldId id="263" r:id="rId8"/>
+    <p:sldId id="264" r:id="rId9"/>
   </p:sldIdLst>
   <p:sldSz cx="12192000" cy="6858000"/>
   <p:notesSz cx="6858000" cy="9144000"/>
@@ -264,7 +266,7 @@
           <a:p>
             <a:fld id="{9D586CC8-5FE8-4F7D-984E-3E1A9BA07916}" type="datetimeFigureOut">
               <a:rPr lang="zh-CN" altLang="en-US" smtClean="0"/>
-              <a:t>2019/11/28</a:t>
+              <a:t>2019/12/6</a:t>
             </a:fld>
             <a:endParaRPr lang="zh-CN" altLang="en-US"/>
           </a:p>
@@ -462,7 +464,7 @@
           <a:p>
             <a:fld id="{9D586CC8-5FE8-4F7D-984E-3E1A9BA07916}" type="datetimeFigureOut">
               <a:rPr lang="zh-CN" altLang="en-US" smtClean="0"/>
-              <a:t>2019/11/28</a:t>
+              <a:t>2019/12/6</a:t>
             </a:fld>
             <a:endParaRPr lang="zh-CN" altLang="en-US"/>
           </a:p>
@@ -670,7 +672,7 @@
           <a:p>
             <a:fld id="{9D586CC8-5FE8-4F7D-984E-3E1A9BA07916}" type="datetimeFigureOut">
               <a:rPr lang="zh-CN" altLang="en-US" smtClean="0"/>
-              <a:t>2019/11/28</a:t>
+              <a:t>2019/12/6</a:t>
             </a:fld>
             <a:endParaRPr lang="zh-CN" altLang="en-US"/>
           </a:p>
@@ -868,7 +870,7 @@
           <a:p>
             <a:fld id="{9D586CC8-5FE8-4F7D-984E-3E1A9BA07916}" type="datetimeFigureOut">
               <a:rPr lang="zh-CN" altLang="en-US" smtClean="0"/>
-              <a:t>2019/11/28</a:t>
+              <a:t>2019/12/6</a:t>
             </a:fld>
             <a:endParaRPr lang="zh-CN" altLang="en-US"/>
           </a:p>
@@ -1143,7 +1145,7 @@
           <a:p>
             <a:fld id="{9D586CC8-5FE8-4F7D-984E-3E1A9BA07916}" type="datetimeFigureOut">
               <a:rPr lang="zh-CN" altLang="en-US" smtClean="0"/>
-              <a:t>2019/11/28</a:t>
+              <a:t>2019/12/6</a:t>
             </a:fld>
             <a:endParaRPr lang="zh-CN" altLang="en-US"/>
           </a:p>
@@ -1408,7 +1410,7 @@
           <a:p>
             <a:fld id="{9D586CC8-5FE8-4F7D-984E-3E1A9BA07916}" type="datetimeFigureOut">
               <a:rPr lang="zh-CN" altLang="en-US" smtClean="0"/>
-              <a:t>2019/11/28</a:t>
+              <a:t>2019/12/6</a:t>
             </a:fld>
             <a:endParaRPr lang="zh-CN" altLang="en-US"/>
           </a:p>
@@ -1820,7 +1822,7 @@
           <a:p>
             <a:fld id="{9D586CC8-5FE8-4F7D-984E-3E1A9BA07916}" type="datetimeFigureOut">
               <a:rPr lang="zh-CN" altLang="en-US" smtClean="0"/>
-              <a:t>2019/11/28</a:t>
+              <a:t>2019/12/6</a:t>
             </a:fld>
             <a:endParaRPr lang="zh-CN" altLang="en-US"/>
           </a:p>
@@ -1961,7 +1963,7 @@
           <a:p>
             <a:fld id="{9D586CC8-5FE8-4F7D-984E-3E1A9BA07916}" type="datetimeFigureOut">
               <a:rPr lang="zh-CN" altLang="en-US" smtClean="0"/>
-              <a:t>2019/11/28</a:t>
+              <a:t>2019/12/6</a:t>
             </a:fld>
             <a:endParaRPr lang="zh-CN" altLang="en-US"/>
           </a:p>
@@ -2074,7 +2076,7 @@
           <a:p>
             <a:fld id="{9D586CC8-5FE8-4F7D-984E-3E1A9BA07916}" type="datetimeFigureOut">
               <a:rPr lang="zh-CN" altLang="en-US" smtClean="0"/>
-              <a:t>2019/11/28</a:t>
+              <a:t>2019/12/6</a:t>
             </a:fld>
             <a:endParaRPr lang="zh-CN" altLang="en-US"/>
           </a:p>
@@ -2385,7 +2387,7 @@
           <a:p>
             <a:fld id="{9D586CC8-5FE8-4F7D-984E-3E1A9BA07916}" type="datetimeFigureOut">
               <a:rPr lang="zh-CN" altLang="en-US" smtClean="0"/>
-              <a:t>2019/11/28</a:t>
+              <a:t>2019/12/6</a:t>
             </a:fld>
             <a:endParaRPr lang="zh-CN" altLang="en-US"/>
           </a:p>
@@ -2673,7 +2675,7 @@
           <a:p>
             <a:fld id="{9D586CC8-5FE8-4F7D-984E-3E1A9BA07916}" type="datetimeFigureOut">
               <a:rPr lang="zh-CN" altLang="en-US" smtClean="0"/>
-              <a:t>2019/11/28</a:t>
+              <a:t>2019/12/6</a:t>
             </a:fld>
             <a:endParaRPr lang="zh-CN" altLang="en-US"/>
           </a:p>
@@ -2914,7 +2916,7 @@
           <a:p>
             <a:fld id="{9D586CC8-5FE8-4F7D-984E-3E1A9BA07916}" type="datetimeFigureOut">
               <a:rPr lang="zh-CN" altLang="en-US" smtClean="0"/>
-              <a:t>2019/11/28</a:t>
+              <a:t>2019/12/6</a:t>
             </a:fld>
             <a:endParaRPr lang="zh-CN" altLang="en-US"/>
           </a:p>
@@ -5659,8 +5661,8 @@
           </p:sp>
         </mc:Fallback>
       </mc:AlternateContent>
-      <mc:AlternateContent xmlns:mc="http://schemas.openxmlformats.org/markup-compatibility/2006">
-        <mc:Choice xmlns:a14="http://schemas.microsoft.com/office/drawing/2010/main" Requires="a14">
+      <mc:AlternateContent xmlns:mc="http://schemas.openxmlformats.org/markup-compatibility/2006" xmlns:a14="http://schemas.microsoft.com/office/drawing/2010/main">
+        <mc:Choice Requires="a14">
           <p:sp>
             <p:nvSpPr>
               <p:cNvPr id="3" name="内容占位符 2">
@@ -6688,7 +6690,7 @@
             </p:txBody>
           </p:sp>
         </mc:Choice>
-        <mc:Fallback>
+        <mc:Fallback xmlns="">
           <p:sp>
             <p:nvSpPr>
               <p:cNvPr id="3" name="内容占位符 2">
@@ -7906,6 +7908,1237 @@
     <p:extLst>
       <p:ext uri="{BB962C8B-B14F-4D97-AF65-F5344CB8AC3E}">
         <p14:creationId xmlns:p14="http://schemas.microsoft.com/office/powerpoint/2010/main" val="3049942627"/>
+      </p:ext>
+    </p:extLst>
+  </p:cSld>
+  <p:clrMapOvr>
+    <a:masterClrMapping/>
+  </p:clrMapOvr>
+</p:sld>
+</file>
+
+<file path=ppt/slides/slide7.xml><?xml version="1.0" encoding="utf-8"?>
+<p:sld xmlns:a="http://schemas.openxmlformats.org/drawingml/2006/main" xmlns:r="http://schemas.openxmlformats.org/officeDocument/2006/relationships" xmlns:p="http://schemas.openxmlformats.org/presentationml/2006/main">
+  <p:cSld>
+    <p:spTree>
+      <p:nvGrpSpPr>
+        <p:cNvPr id="1" name=""/>
+        <p:cNvGrpSpPr/>
+        <p:nvPr/>
+      </p:nvGrpSpPr>
+      <p:grpSpPr>
+        <a:xfrm>
+          <a:off x="0" y="0"/>
+          <a:ext cx="0" cy="0"/>
+          <a:chOff x="0" y="0"/>
+          <a:chExt cx="0" cy="0"/>
+        </a:xfrm>
+      </p:grpSpPr>
+      <p:sp>
+        <p:nvSpPr>
+          <p:cNvPr id="2" name="标题 1">
+            <a:extLst>
+              <a:ext uri="{FF2B5EF4-FFF2-40B4-BE49-F238E27FC236}">
+                <a16:creationId xmlns:a16="http://schemas.microsoft.com/office/drawing/2014/main" id="{142BFC02-A283-4832-9233-9007B3A72449}"/>
+              </a:ext>
+            </a:extLst>
+          </p:cNvPr>
+          <p:cNvSpPr>
+            <a:spLocks noGrp="1"/>
+          </p:cNvSpPr>
+          <p:nvPr>
+            <p:ph type="title"/>
+          </p:nvPr>
+        </p:nvSpPr>
+        <p:spPr/>
+        <p:txBody>
+          <a:bodyPr/>
+          <a:lstStyle/>
+          <a:p>
+            <a:r>
+              <a:rPr lang="zh-CN" altLang="en-US"/>
+              <a:t>最大熵模型与朴素贝叶斯模型</a:t>
+            </a:r>
+          </a:p>
+        </p:txBody>
+      </p:sp>
+      <p:sp>
+        <p:nvSpPr>
+          <p:cNvPr id="3" name="内容占位符 2">
+            <a:extLst>
+              <a:ext uri="{FF2B5EF4-FFF2-40B4-BE49-F238E27FC236}">
+                <a16:creationId xmlns:a16="http://schemas.microsoft.com/office/drawing/2014/main" id="{CB0FA1FB-D1C7-4DF9-9E27-3B067E6E3B09}"/>
+              </a:ext>
+            </a:extLst>
+          </p:cNvPr>
+          <p:cNvSpPr>
+            <a:spLocks noGrp="1"/>
+          </p:cNvSpPr>
+          <p:nvPr>
+            <p:ph idx="1"/>
+          </p:nvPr>
+        </p:nvSpPr>
+        <p:spPr/>
+        <p:txBody>
+          <a:bodyPr/>
+          <a:lstStyle/>
+          <a:p>
+            <a:r>
+              <a:rPr lang="zh-CN" altLang="en-US"/>
+              <a:t>最大熵模型</a:t>
+            </a:r>
+          </a:p>
+        </p:txBody>
+      </p:sp>
+      <p:graphicFrame>
+        <p:nvGraphicFramePr>
+          <p:cNvPr id="4" name="表格 4">
+            <a:extLst>
+              <a:ext uri="{FF2B5EF4-FFF2-40B4-BE49-F238E27FC236}">
+                <a16:creationId xmlns:a16="http://schemas.microsoft.com/office/drawing/2014/main" id="{8BB883FA-143F-4F78-B727-967CB929CC7F}"/>
+              </a:ext>
+            </a:extLst>
+          </p:cNvPr>
+          <p:cNvGraphicFramePr>
+            <a:graphicFrameLocks noGrp="1"/>
+          </p:cNvGraphicFramePr>
+          <p:nvPr>
+            <p:extLst>
+              <p:ext uri="{D42A27DB-BD31-4B8C-83A1-F6EECF244321}">
+                <p14:modId xmlns:p14="http://schemas.microsoft.com/office/powerpoint/2010/main" val="2486550041"/>
+              </p:ext>
+            </p:extLst>
+          </p:nvPr>
+        </p:nvGraphicFramePr>
+        <p:xfrm>
+          <a:off x="1183588" y="2501900"/>
+          <a:ext cx="8128000" cy="2103120"/>
+        </p:xfrm>
+        <a:graphic>
+          <a:graphicData uri="http://schemas.openxmlformats.org/drawingml/2006/table">
+            <a:tbl>
+              <a:tblPr firstRow="1" bandRow="1">
+                <a:tableStyleId>{5C22544A-7EE6-4342-B048-85BDC9FD1C3A}</a:tableStyleId>
+              </a:tblPr>
+              <a:tblGrid>
+                <a:gridCol w="1625600">
+                  <a:extLst>
+                    <a:ext uri="{9D8B030D-6E8A-4147-A177-3AD203B41FA5}">
+                      <a16:colId xmlns:a16="http://schemas.microsoft.com/office/drawing/2014/main" val="2990722542"/>
+                    </a:ext>
+                  </a:extLst>
+                </a:gridCol>
+                <a:gridCol w="1625600">
+                  <a:extLst>
+                    <a:ext uri="{9D8B030D-6E8A-4147-A177-3AD203B41FA5}">
+                      <a16:colId xmlns:a16="http://schemas.microsoft.com/office/drawing/2014/main" val="2827234245"/>
+                    </a:ext>
+                  </a:extLst>
+                </a:gridCol>
+                <a:gridCol w="1625600">
+                  <a:extLst>
+                    <a:ext uri="{9D8B030D-6E8A-4147-A177-3AD203B41FA5}">
+                      <a16:colId xmlns:a16="http://schemas.microsoft.com/office/drawing/2014/main" val="2918385981"/>
+                    </a:ext>
+                  </a:extLst>
+                </a:gridCol>
+                <a:gridCol w="1625600">
+                  <a:extLst>
+                    <a:ext uri="{9D8B030D-6E8A-4147-A177-3AD203B41FA5}">
+                      <a16:colId xmlns:a16="http://schemas.microsoft.com/office/drawing/2014/main" val="482204529"/>
+                    </a:ext>
+                  </a:extLst>
+                </a:gridCol>
+                <a:gridCol w="1625600">
+                  <a:extLst>
+                    <a:ext uri="{9D8B030D-6E8A-4147-A177-3AD203B41FA5}">
+                      <a16:colId xmlns:a16="http://schemas.microsoft.com/office/drawing/2014/main" val="3448442783"/>
+                    </a:ext>
+                  </a:extLst>
+                </a:gridCol>
+              </a:tblGrid>
+              <a:tr h="134523">
+                <a:tc>
+                  <a:txBody>
+                    <a:bodyPr/>
+                    <a:lstStyle/>
+                    <a:p>
+                      <a:pPr algn="r"/>
+                      <a:r>
+                        <a:rPr lang="en-US" altLang="zh-CN"/>
+                        <a:t>Y</a:t>
+                      </a:r>
+                    </a:p>
+                    <a:p>
+                      <a:r>
+                        <a:rPr lang="en-US" altLang="zh-CN"/>
+                        <a:t>X</a:t>
+                      </a:r>
+                    </a:p>
+                  </a:txBody>
+                  <a:tcPr>
+                    <a:lnTlToBr w="12700" cap="flat" cmpd="sng" algn="ctr">
+                      <a:solidFill>
+                        <a:schemeClr val="tx1"/>
+                      </a:solidFill>
+                      <a:prstDash val="solid"/>
+                      <a:round/>
+                      <a:headEnd type="none" w="med" len="med"/>
+                      <a:tailEnd type="none" w="med" len="med"/>
+                    </a:lnTlToBr>
+                  </a:tcPr>
+                </a:tc>
+                <a:tc>
+                  <a:txBody>
+                    <a:bodyPr/>
+                    <a:lstStyle/>
+                    <a:p>
+                      <a:r>
+                        <a:rPr lang="zh-CN" altLang="en-US"/>
+                        <a:t>类别</a:t>
+                      </a:r>
+                      <a:r>
+                        <a:rPr lang="en-US" altLang="zh-CN"/>
+                        <a:t>1</a:t>
+                      </a:r>
+                      <a:endParaRPr lang="zh-CN" altLang="en-US"/>
+                    </a:p>
+                  </a:txBody>
+                  <a:tcPr anchor="ctr"/>
+                </a:tc>
+                <a:tc>
+                  <a:txBody>
+                    <a:bodyPr/>
+                    <a:lstStyle/>
+                    <a:p>
+                      <a:r>
+                        <a:rPr lang="zh-CN" altLang="en-US"/>
+                        <a:t>类别</a:t>
+                      </a:r>
+                      <a:r>
+                        <a:rPr lang="en-US" altLang="zh-CN"/>
+                        <a:t>2</a:t>
+                      </a:r>
+                      <a:endParaRPr lang="zh-CN" altLang="en-US"/>
+                    </a:p>
+                  </a:txBody>
+                  <a:tcPr anchor="ctr"/>
+                </a:tc>
+                <a:tc>
+                  <a:txBody>
+                    <a:bodyPr/>
+                    <a:lstStyle/>
+                    <a:p>
+                      <a:r>
+                        <a:rPr lang="en-US" altLang="zh-CN"/>
+                        <a:t>...</a:t>
+                      </a:r>
+                      <a:endParaRPr lang="zh-CN" altLang="en-US"/>
+                    </a:p>
+                  </a:txBody>
+                  <a:tcPr anchor="ctr"/>
+                </a:tc>
+                <a:tc>
+                  <a:txBody>
+                    <a:bodyPr/>
+                    <a:lstStyle/>
+                    <a:p>
+                      <a:r>
+                        <a:rPr lang="zh-CN" altLang="en-US"/>
+                        <a:t>类别</a:t>
+                      </a:r>
+                      <a:r>
+                        <a:rPr lang="en-US" altLang="zh-CN"/>
+                        <a:t>m</a:t>
+                      </a:r>
+                      <a:endParaRPr lang="zh-CN" altLang="en-US"/>
+                    </a:p>
+                  </a:txBody>
+                  <a:tcPr anchor="ctr"/>
+                </a:tc>
+                <a:extLst>
+                  <a:ext uri="{0D108BD9-81ED-4DB2-BD59-A6C34878D82A}">
+                    <a16:rowId xmlns:a16="http://schemas.microsoft.com/office/drawing/2014/main" val="547030196"/>
+                  </a:ext>
+                </a:extLst>
+              </a:tr>
+              <a:tr h="223943">
+                <a:tc>
+                  <a:txBody>
+                    <a:bodyPr/>
+                    <a:lstStyle/>
+                    <a:p>
+                      <a:r>
+                        <a:rPr lang="zh-CN" altLang="en-US"/>
+                        <a:t>特征集</a:t>
+                      </a:r>
+                      <a:r>
+                        <a:rPr lang="en-US" altLang="zh-CN"/>
+                        <a:t>1</a:t>
+                      </a:r>
+                      <a:endParaRPr lang="zh-CN" altLang="en-US"/>
+                    </a:p>
+                  </a:txBody>
+                  <a:tcPr/>
+                </a:tc>
+                <a:tc>
+                  <a:txBody>
+                    <a:bodyPr/>
+                    <a:lstStyle/>
+                    <a:p>
+                      <a:endParaRPr lang="zh-CN" altLang="en-US"/>
+                    </a:p>
+                  </a:txBody>
+                  <a:tcPr/>
+                </a:tc>
+                <a:tc>
+                  <a:txBody>
+                    <a:bodyPr/>
+                    <a:lstStyle/>
+                    <a:p>
+                      <a:endParaRPr lang="zh-CN" altLang="en-US"/>
+                    </a:p>
+                  </a:txBody>
+                  <a:tcPr/>
+                </a:tc>
+                <a:tc>
+                  <a:txBody>
+                    <a:bodyPr/>
+                    <a:lstStyle/>
+                    <a:p>
+                      <a:endParaRPr lang="zh-CN" altLang="en-US"/>
+                    </a:p>
+                  </a:txBody>
+                  <a:tcPr/>
+                </a:tc>
+                <a:tc>
+                  <a:txBody>
+                    <a:bodyPr/>
+                    <a:lstStyle/>
+                    <a:p>
+                      <a:endParaRPr lang="zh-CN" altLang="en-US"/>
+                    </a:p>
+                  </a:txBody>
+                  <a:tcPr/>
+                </a:tc>
+                <a:extLst>
+                  <a:ext uri="{0D108BD9-81ED-4DB2-BD59-A6C34878D82A}">
+                    <a16:rowId xmlns:a16="http://schemas.microsoft.com/office/drawing/2014/main" val="4258091509"/>
+                  </a:ext>
+                </a:extLst>
+              </a:tr>
+              <a:tr h="223943">
+                <a:tc>
+                  <a:txBody>
+                    <a:bodyPr/>
+                    <a:lstStyle/>
+                    <a:p>
+                      <a:r>
+                        <a:rPr lang="zh-CN" altLang="en-US"/>
+                        <a:t>特征集</a:t>
+                      </a:r>
+                      <a:r>
+                        <a:rPr lang="en-US" altLang="zh-CN"/>
+                        <a:t>2</a:t>
+                      </a:r>
+                      <a:endParaRPr lang="zh-CN" altLang="en-US"/>
+                    </a:p>
+                  </a:txBody>
+                  <a:tcPr/>
+                </a:tc>
+                <a:tc>
+                  <a:txBody>
+                    <a:bodyPr/>
+                    <a:lstStyle/>
+                    <a:p>
+                      <a:endParaRPr lang="zh-CN" altLang="en-US"/>
+                    </a:p>
+                  </a:txBody>
+                  <a:tcPr/>
+                </a:tc>
+                <a:tc>
+                  <a:txBody>
+                    <a:bodyPr/>
+                    <a:lstStyle/>
+                    <a:p>
+                      <a:endParaRPr lang="zh-CN" altLang="en-US"/>
+                    </a:p>
+                  </a:txBody>
+                  <a:tcPr/>
+                </a:tc>
+                <a:tc>
+                  <a:txBody>
+                    <a:bodyPr/>
+                    <a:lstStyle/>
+                    <a:p>
+                      <a:endParaRPr lang="zh-CN" altLang="en-US"/>
+                    </a:p>
+                  </a:txBody>
+                  <a:tcPr/>
+                </a:tc>
+                <a:tc>
+                  <a:txBody>
+                    <a:bodyPr/>
+                    <a:lstStyle/>
+                    <a:p>
+                      <a:endParaRPr lang="zh-CN" altLang="en-US"/>
+                    </a:p>
+                  </a:txBody>
+                  <a:tcPr/>
+                </a:tc>
+                <a:extLst>
+                  <a:ext uri="{0D108BD9-81ED-4DB2-BD59-A6C34878D82A}">
+                    <a16:rowId xmlns:a16="http://schemas.microsoft.com/office/drawing/2014/main" val="454736601"/>
+                  </a:ext>
+                </a:extLst>
+              </a:tr>
+              <a:tr h="223943">
+                <a:tc>
+                  <a:txBody>
+                    <a:bodyPr/>
+                    <a:lstStyle/>
+                    <a:p>
+                      <a:r>
+                        <a:rPr lang="en-US" altLang="zh-CN"/>
+                        <a:t>...</a:t>
+                      </a:r>
+                      <a:endParaRPr lang="zh-CN" altLang="en-US"/>
+                    </a:p>
+                  </a:txBody>
+                  <a:tcPr/>
+                </a:tc>
+                <a:tc>
+                  <a:txBody>
+                    <a:bodyPr/>
+                    <a:lstStyle/>
+                    <a:p>
+                      <a:endParaRPr lang="zh-CN" altLang="en-US"/>
+                    </a:p>
+                  </a:txBody>
+                  <a:tcPr/>
+                </a:tc>
+                <a:tc>
+                  <a:txBody>
+                    <a:bodyPr/>
+                    <a:lstStyle/>
+                    <a:p>
+                      <a:endParaRPr lang="zh-CN" altLang="en-US"/>
+                    </a:p>
+                  </a:txBody>
+                  <a:tcPr/>
+                </a:tc>
+                <a:tc>
+                  <a:txBody>
+                    <a:bodyPr/>
+                    <a:lstStyle/>
+                    <a:p>
+                      <a:endParaRPr lang="zh-CN" altLang="en-US"/>
+                    </a:p>
+                  </a:txBody>
+                  <a:tcPr/>
+                </a:tc>
+                <a:tc>
+                  <a:txBody>
+                    <a:bodyPr/>
+                    <a:lstStyle/>
+                    <a:p>
+                      <a:endParaRPr lang="zh-CN" altLang="en-US"/>
+                    </a:p>
+                  </a:txBody>
+                  <a:tcPr/>
+                </a:tc>
+                <a:extLst>
+                  <a:ext uri="{0D108BD9-81ED-4DB2-BD59-A6C34878D82A}">
+                    <a16:rowId xmlns:a16="http://schemas.microsoft.com/office/drawing/2014/main" val="399295081"/>
+                  </a:ext>
+                </a:extLst>
+              </a:tr>
+              <a:tr h="223943">
+                <a:tc>
+                  <a:txBody>
+                    <a:bodyPr/>
+                    <a:lstStyle/>
+                    <a:p>
+                      <a:r>
+                        <a:rPr lang="zh-CN" altLang="en-US"/>
+                        <a:t>特征集</a:t>
+                      </a:r>
+                      <a:r>
+                        <a:rPr lang="en-US" altLang="zh-CN"/>
+                        <a:t>n</a:t>
+                      </a:r>
+                      <a:endParaRPr lang="zh-CN" altLang="en-US"/>
+                    </a:p>
+                  </a:txBody>
+                  <a:tcPr/>
+                </a:tc>
+                <a:tc>
+                  <a:txBody>
+                    <a:bodyPr/>
+                    <a:lstStyle/>
+                    <a:p>
+                      <a:endParaRPr lang="zh-CN" altLang="en-US"/>
+                    </a:p>
+                  </a:txBody>
+                  <a:tcPr/>
+                </a:tc>
+                <a:tc>
+                  <a:txBody>
+                    <a:bodyPr/>
+                    <a:lstStyle/>
+                    <a:p>
+                      <a:endParaRPr lang="zh-CN" altLang="en-US"/>
+                    </a:p>
+                  </a:txBody>
+                  <a:tcPr/>
+                </a:tc>
+                <a:tc>
+                  <a:txBody>
+                    <a:bodyPr/>
+                    <a:lstStyle/>
+                    <a:p>
+                      <a:endParaRPr lang="zh-CN" altLang="en-US"/>
+                    </a:p>
+                  </a:txBody>
+                  <a:tcPr/>
+                </a:tc>
+                <a:tc>
+                  <a:txBody>
+                    <a:bodyPr/>
+                    <a:lstStyle/>
+                    <a:p>
+                      <a:endParaRPr lang="zh-CN" altLang="en-US"/>
+                    </a:p>
+                  </a:txBody>
+                  <a:tcPr/>
+                </a:tc>
+                <a:extLst>
+                  <a:ext uri="{0D108BD9-81ED-4DB2-BD59-A6C34878D82A}">
+                    <a16:rowId xmlns:a16="http://schemas.microsoft.com/office/drawing/2014/main" val="1853626257"/>
+                  </a:ext>
+                </a:extLst>
+              </a:tr>
+            </a:tbl>
+          </a:graphicData>
+        </a:graphic>
+      </p:graphicFrame>
+      <p:sp>
+        <p:nvSpPr>
+          <p:cNvPr id="6" name="文本框 5">
+            <a:extLst>
+              <a:ext uri="{FF2B5EF4-FFF2-40B4-BE49-F238E27FC236}">
+                <a16:creationId xmlns:a16="http://schemas.microsoft.com/office/drawing/2014/main" id="{31E82270-501B-4DCC-BD33-947139389848}"/>
+              </a:ext>
+            </a:extLst>
+          </p:cNvPr>
+          <p:cNvSpPr txBox="1"/>
+          <p:nvPr/>
+        </p:nvSpPr>
+        <p:spPr>
+          <a:xfrm>
+            <a:off x="1183588" y="5021659"/>
+            <a:ext cx="9983823" cy="646331"/>
+          </a:xfrm>
+          <a:prstGeom prst="rect">
+            <a:avLst/>
+          </a:prstGeom>
+          <a:noFill/>
+        </p:spPr>
+        <p:txBody>
+          <a:bodyPr wrap="none" rtlCol="0">
+            <a:spAutoFit/>
+          </a:bodyPr>
+          <a:lstStyle/>
+          <a:p>
+            <a:r>
+              <a:rPr lang="zh-CN" altLang="en-US"/>
+              <a:t>直接求解</a:t>
+            </a:r>
+            <a:r>
+              <a:rPr lang="en-US" altLang="zh-CN"/>
+              <a:t>P(Y|X)</a:t>
+            </a:r>
+            <a:r>
+              <a:rPr lang="zh-CN" altLang="en-US"/>
+              <a:t>表达式中的参数，因此为判别模型。由于不再求解</a:t>
+            </a:r>
+            <a:r>
+              <a:rPr lang="en-US" altLang="zh-CN"/>
+              <a:t>P(X,Y)</a:t>
+            </a:r>
+            <a:r>
+              <a:rPr lang="zh-CN" altLang="en-US"/>
+              <a:t>，也就不需要估计</a:t>
+            </a:r>
+            <a:r>
+              <a:rPr lang="en-US" altLang="zh-CN"/>
+              <a:t>P(X|Y)</a:t>
+            </a:r>
+            <a:r>
+              <a:rPr lang="zh-CN" altLang="en-US"/>
+              <a:t>，</a:t>
+            </a:r>
+            <a:endParaRPr lang="en-US" altLang="zh-CN"/>
+          </a:p>
+          <a:p>
+            <a:r>
+              <a:rPr lang="zh-CN" altLang="en-US"/>
+              <a:t>也就不需要条件独立性假设，于是</a:t>
+            </a:r>
+            <a:r>
+              <a:rPr lang="en-US" altLang="zh-CN"/>
+              <a:t>X</a:t>
+            </a:r>
+            <a:r>
+              <a:rPr lang="zh-CN" altLang="en-US"/>
+              <a:t>可以取为一个特征集。</a:t>
+            </a:r>
+          </a:p>
+        </p:txBody>
+      </p:sp>
+    </p:spTree>
+    <p:extLst>
+      <p:ext uri="{BB962C8B-B14F-4D97-AF65-F5344CB8AC3E}">
+        <p14:creationId xmlns:p14="http://schemas.microsoft.com/office/powerpoint/2010/main" val="1327677849"/>
+      </p:ext>
+    </p:extLst>
+  </p:cSld>
+  <p:clrMapOvr>
+    <a:masterClrMapping/>
+  </p:clrMapOvr>
+</p:sld>
+</file>
+
+<file path=ppt/slides/slide8.xml><?xml version="1.0" encoding="utf-8"?>
+<p:sld xmlns:a="http://schemas.openxmlformats.org/drawingml/2006/main" xmlns:r="http://schemas.openxmlformats.org/officeDocument/2006/relationships" xmlns:p="http://schemas.openxmlformats.org/presentationml/2006/main">
+  <p:cSld>
+    <p:spTree>
+      <p:nvGrpSpPr>
+        <p:cNvPr id="1" name=""/>
+        <p:cNvGrpSpPr/>
+        <p:nvPr/>
+      </p:nvGrpSpPr>
+      <p:grpSpPr>
+        <a:xfrm>
+          <a:off x="0" y="0"/>
+          <a:ext cx="0" cy="0"/>
+          <a:chOff x="0" y="0"/>
+          <a:chExt cx="0" cy="0"/>
+        </a:xfrm>
+      </p:grpSpPr>
+      <p:sp>
+        <p:nvSpPr>
+          <p:cNvPr id="2" name="标题 1">
+            <a:extLst>
+              <a:ext uri="{FF2B5EF4-FFF2-40B4-BE49-F238E27FC236}">
+                <a16:creationId xmlns:a16="http://schemas.microsoft.com/office/drawing/2014/main" id="{142BFC02-A283-4832-9233-9007B3A72449}"/>
+              </a:ext>
+            </a:extLst>
+          </p:cNvPr>
+          <p:cNvSpPr>
+            <a:spLocks noGrp="1"/>
+          </p:cNvSpPr>
+          <p:nvPr>
+            <p:ph type="title"/>
+          </p:nvPr>
+        </p:nvSpPr>
+        <p:spPr/>
+        <p:txBody>
+          <a:bodyPr/>
+          <a:lstStyle/>
+          <a:p>
+            <a:r>
+              <a:rPr lang="zh-CN" altLang="en-US"/>
+              <a:t>最大熵模型与朴素贝叶斯模型</a:t>
+            </a:r>
+          </a:p>
+        </p:txBody>
+      </p:sp>
+      <p:sp>
+        <p:nvSpPr>
+          <p:cNvPr id="3" name="内容占位符 2">
+            <a:extLst>
+              <a:ext uri="{FF2B5EF4-FFF2-40B4-BE49-F238E27FC236}">
+                <a16:creationId xmlns:a16="http://schemas.microsoft.com/office/drawing/2014/main" id="{CB0FA1FB-D1C7-4DF9-9E27-3B067E6E3B09}"/>
+              </a:ext>
+            </a:extLst>
+          </p:cNvPr>
+          <p:cNvSpPr>
+            <a:spLocks noGrp="1"/>
+          </p:cNvSpPr>
+          <p:nvPr>
+            <p:ph idx="1"/>
+          </p:nvPr>
+        </p:nvSpPr>
+        <p:spPr/>
+        <p:txBody>
+          <a:bodyPr/>
+          <a:lstStyle/>
+          <a:p>
+            <a:r>
+              <a:rPr lang="zh-CN" altLang="en-US"/>
+              <a:t>朴素贝叶斯模型</a:t>
+            </a:r>
+          </a:p>
+        </p:txBody>
+      </p:sp>
+      <p:graphicFrame>
+        <p:nvGraphicFramePr>
+          <p:cNvPr id="4" name="表格 4">
+            <a:extLst>
+              <a:ext uri="{FF2B5EF4-FFF2-40B4-BE49-F238E27FC236}">
+                <a16:creationId xmlns:a16="http://schemas.microsoft.com/office/drawing/2014/main" id="{8BB883FA-143F-4F78-B727-967CB929CC7F}"/>
+              </a:ext>
+            </a:extLst>
+          </p:cNvPr>
+          <p:cNvGraphicFramePr>
+            <a:graphicFrameLocks noGrp="1"/>
+          </p:cNvGraphicFramePr>
+          <p:nvPr>
+            <p:extLst>
+              <p:ext uri="{D42A27DB-BD31-4B8C-83A1-F6EECF244321}">
+                <p14:modId xmlns:p14="http://schemas.microsoft.com/office/powerpoint/2010/main" val="1204733006"/>
+              </p:ext>
+            </p:extLst>
+          </p:nvPr>
+        </p:nvGraphicFramePr>
+        <p:xfrm>
+          <a:off x="1183588" y="2501900"/>
+          <a:ext cx="8128000" cy="2103120"/>
+        </p:xfrm>
+        <a:graphic>
+          <a:graphicData uri="http://schemas.openxmlformats.org/drawingml/2006/table">
+            <a:tbl>
+              <a:tblPr firstRow="1" bandRow="1">
+                <a:tableStyleId>{5C22544A-7EE6-4342-B048-85BDC9FD1C3A}</a:tableStyleId>
+              </a:tblPr>
+              <a:tblGrid>
+                <a:gridCol w="1625600">
+                  <a:extLst>
+                    <a:ext uri="{9D8B030D-6E8A-4147-A177-3AD203B41FA5}">
+                      <a16:colId xmlns:a16="http://schemas.microsoft.com/office/drawing/2014/main" val="2990722542"/>
+                    </a:ext>
+                  </a:extLst>
+                </a:gridCol>
+                <a:gridCol w="1625600">
+                  <a:extLst>
+                    <a:ext uri="{9D8B030D-6E8A-4147-A177-3AD203B41FA5}">
+                      <a16:colId xmlns:a16="http://schemas.microsoft.com/office/drawing/2014/main" val="2827234245"/>
+                    </a:ext>
+                  </a:extLst>
+                </a:gridCol>
+                <a:gridCol w="1625600">
+                  <a:extLst>
+                    <a:ext uri="{9D8B030D-6E8A-4147-A177-3AD203B41FA5}">
+                      <a16:colId xmlns:a16="http://schemas.microsoft.com/office/drawing/2014/main" val="2918385981"/>
+                    </a:ext>
+                  </a:extLst>
+                </a:gridCol>
+                <a:gridCol w="1625600">
+                  <a:extLst>
+                    <a:ext uri="{9D8B030D-6E8A-4147-A177-3AD203B41FA5}">
+                      <a16:colId xmlns:a16="http://schemas.microsoft.com/office/drawing/2014/main" val="482204529"/>
+                    </a:ext>
+                  </a:extLst>
+                </a:gridCol>
+                <a:gridCol w="1625600">
+                  <a:extLst>
+                    <a:ext uri="{9D8B030D-6E8A-4147-A177-3AD203B41FA5}">
+                      <a16:colId xmlns:a16="http://schemas.microsoft.com/office/drawing/2014/main" val="3448442783"/>
+                    </a:ext>
+                  </a:extLst>
+                </a:gridCol>
+              </a:tblGrid>
+              <a:tr h="134523">
+                <a:tc>
+                  <a:txBody>
+                    <a:bodyPr/>
+                    <a:lstStyle/>
+                    <a:p>
+                      <a:pPr algn="r"/>
+                      <a:r>
+                        <a:rPr lang="en-US" altLang="zh-CN"/>
+                        <a:t>Y</a:t>
+                      </a:r>
+                    </a:p>
+                    <a:p>
+                      <a:r>
+                        <a:rPr lang="en-US" altLang="zh-CN"/>
+                        <a:t>X</a:t>
+                      </a:r>
+                    </a:p>
+                  </a:txBody>
+                  <a:tcPr>
+                    <a:lnTlToBr w="12700" cap="flat" cmpd="sng" algn="ctr">
+                      <a:solidFill>
+                        <a:schemeClr val="tx1"/>
+                      </a:solidFill>
+                      <a:prstDash val="solid"/>
+                      <a:round/>
+                      <a:headEnd type="none" w="med" len="med"/>
+                      <a:tailEnd type="none" w="med" len="med"/>
+                    </a:lnTlToBr>
+                  </a:tcPr>
+                </a:tc>
+                <a:tc>
+                  <a:txBody>
+                    <a:bodyPr/>
+                    <a:lstStyle/>
+                    <a:p>
+                      <a:r>
+                        <a:rPr lang="zh-CN" altLang="en-US"/>
+                        <a:t>类别</a:t>
+                      </a:r>
+                      <a:r>
+                        <a:rPr lang="en-US" altLang="zh-CN"/>
+                        <a:t>1</a:t>
+                      </a:r>
+                      <a:endParaRPr lang="zh-CN" altLang="en-US"/>
+                    </a:p>
+                  </a:txBody>
+                  <a:tcPr anchor="ctr"/>
+                </a:tc>
+                <a:tc>
+                  <a:txBody>
+                    <a:bodyPr/>
+                    <a:lstStyle/>
+                    <a:p>
+                      <a:r>
+                        <a:rPr lang="zh-CN" altLang="en-US"/>
+                        <a:t>类别</a:t>
+                      </a:r>
+                      <a:r>
+                        <a:rPr lang="en-US" altLang="zh-CN"/>
+                        <a:t>2</a:t>
+                      </a:r>
+                      <a:endParaRPr lang="zh-CN" altLang="en-US"/>
+                    </a:p>
+                  </a:txBody>
+                  <a:tcPr anchor="ctr"/>
+                </a:tc>
+                <a:tc>
+                  <a:txBody>
+                    <a:bodyPr/>
+                    <a:lstStyle/>
+                    <a:p>
+                      <a:r>
+                        <a:rPr lang="en-US" altLang="zh-CN"/>
+                        <a:t>...</a:t>
+                      </a:r>
+                      <a:endParaRPr lang="zh-CN" altLang="en-US"/>
+                    </a:p>
+                  </a:txBody>
+                  <a:tcPr anchor="ctr"/>
+                </a:tc>
+                <a:tc>
+                  <a:txBody>
+                    <a:bodyPr/>
+                    <a:lstStyle/>
+                    <a:p>
+                      <a:r>
+                        <a:rPr lang="zh-CN" altLang="en-US"/>
+                        <a:t>类别</a:t>
+                      </a:r>
+                      <a:r>
+                        <a:rPr lang="en-US" altLang="zh-CN"/>
+                        <a:t>m</a:t>
+                      </a:r>
+                      <a:endParaRPr lang="zh-CN" altLang="en-US"/>
+                    </a:p>
+                  </a:txBody>
+                  <a:tcPr anchor="ctr"/>
+                </a:tc>
+                <a:extLst>
+                  <a:ext uri="{0D108BD9-81ED-4DB2-BD59-A6C34878D82A}">
+                    <a16:rowId xmlns:a16="http://schemas.microsoft.com/office/drawing/2014/main" val="547030196"/>
+                  </a:ext>
+                </a:extLst>
+              </a:tr>
+              <a:tr h="223943">
+                <a:tc>
+                  <a:txBody>
+                    <a:bodyPr/>
+                    <a:lstStyle/>
+                    <a:p>
+                      <a:r>
+                        <a:rPr lang="zh-CN" altLang="en-US"/>
+                        <a:t>特征</a:t>
+                      </a:r>
+                      <a:r>
+                        <a:rPr lang="en-US" altLang="zh-CN"/>
+                        <a:t>1</a:t>
+                      </a:r>
+                      <a:endParaRPr lang="zh-CN" altLang="en-US"/>
+                    </a:p>
+                  </a:txBody>
+                  <a:tcPr/>
+                </a:tc>
+                <a:tc>
+                  <a:txBody>
+                    <a:bodyPr/>
+                    <a:lstStyle/>
+                    <a:p>
+                      <a:endParaRPr lang="zh-CN" altLang="en-US"/>
+                    </a:p>
+                  </a:txBody>
+                  <a:tcPr/>
+                </a:tc>
+                <a:tc>
+                  <a:txBody>
+                    <a:bodyPr/>
+                    <a:lstStyle/>
+                    <a:p>
+                      <a:endParaRPr lang="zh-CN" altLang="en-US"/>
+                    </a:p>
+                  </a:txBody>
+                  <a:tcPr/>
+                </a:tc>
+                <a:tc>
+                  <a:txBody>
+                    <a:bodyPr/>
+                    <a:lstStyle/>
+                    <a:p>
+                      <a:endParaRPr lang="zh-CN" altLang="en-US"/>
+                    </a:p>
+                  </a:txBody>
+                  <a:tcPr/>
+                </a:tc>
+                <a:tc>
+                  <a:txBody>
+                    <a:bodyPr/>
+                    <a:lstStyle/>
+                    <a:p>
+                      <a:endParaRPr lang="zh-CN" altLang="en-US"/>
+                    </a:p>
+                  </a:txBody>
+                  <a:tcPr/>
+                </a:tc>
+                <a:extLst>
+                  <a:ext uri="{0D108BD9-81ED-4DB2-BD59-A6C34878D82A}">
+                    <a16:rowId xmlns:a16="http://schemas.microsoft.com/office/drawing/2014/main" val="4258091509"/>
+                  </a:ext>
+                </a:extLst>
+              </a:tr>
+              <a:tr h="223943">
+                <a:tc>
+                  <a:txBody>
+                    <a:bodyPr/>
+                    <a:lstStyle/>
+                    <a:p>
+                      <a:r>
+                        <a:rPr lang="zh-CN" altLang="en-US"/>
+                        <a:t>特征</a:t>
+                      </a:r>
+                      <a:r>
+                        <a:rPr lang="en-US" altLang="zh-CN"/>
+                        <a:t>2</a:t>
+                      </a:r>
+                      <a:endParaRPr lang="zh-CN" altLang="en-US"/>
+                    </a:p>
+                  </a:txBody>
+                  <a:tcPr/>
+                </a:tc>
+                <a:tc>
+                  <a:txBody>
+                    <a:bodyPr/>
+                    <a:lstStyle/>
+                    <a:p>
+                      <a:endParaRPr lang="zh-CN" altLang="en-US"/>
+                    </a:p>
+                  </a:txBody>
+                  <a:tcPr/>
+                </a:tc>
+                <a:tc>
+                  <a:txBody>
+                    <a:bodyPr/>
+                    <a:lstStyle/>
+                    <a:p>
+                      <a:endParaRPr lang="zh-CN" altLang="en-US"/>
+                    </a:p>
+                  </a:txBody>
+                  <a:tcPr/>
+                </a:tc>
+                <a:tc>
+                  <a:txBody>
+                    <a:bodyPr/>
+                    <a:lstStyle/>
+                    <a:p>
+                      <a:endParaRPr lang="zh-CN" altLang="en-US"/>
+                    </a:p>
+                  </a:txBody>
+                  <a:tcPr/>
+                </a:tc>
+                <a:tc>
+                  <a:txBody>
+                    <a:bodyPr/>
+                    <a:lstStyle/>
+                    <a:p>
+                      <a:endParaRPr lang="zh-CN" altLang="en-US"/>
+                    </a:p>
+                  </a:txBody>
+                  <a:tcPr/>
+                </a:tc>
+                <a:extLst>
+                  <a:ext uri="{0D108BD9-81ED-4DB2-BD59-A6C34878D82A}">
+                    <a16:rowId xmlns:a16="http://schemas.microsoft.com/office/drawing/2014/main" val="454736601"/>
+                  </a:ext>
+                </a:extLst>
+              </a:tr>
+              <a:tr h="223943">
+                <a:tc>
+                  <a:txBody>
+                    <a:bodyPr/>
+                    <a:lstStyle/>
+                    <a:p>
+                      <a:r>
+                        <a:rPr lang="en-US" altLang="zh-CN"/>
+                        <a:t>...</a:t>
+                      </a:r>
+                      <a:endParaRPr lang="zh-CN" altLang="en-US"/>
+                    </a:p>
+                  </a:txBody>
+                  <a:tcPr/>
+                </a:tc>
+                <a:tc>
+                  <a:txBody>
+                    <a:bodyPr/>
+                    <a:lstStyle/>
+                    <a:p>
+                      <a:endParaRPr lang="zh-CN" altLang="en-US"/>
+                    </a:p>
+                  </a:txBody>
+                  <a:tcPr/>
+                </a:tc>
+                <a:tc>
+                  <a:txBody>
+                    <a:bodyPr/>
+                    <a:lstStyle/>
+                    <a:p>
+                      <a:endParaRPr lang="zh-CN" altLang="en-US"/>
+                    </a:p>
+                  </a:txBody>
+                  <a:tcPr/>
+                </a:tc>
+                <a:tc>
+                  <a:txBody>
+                    <a:bodyPr/>
+                    <a:lstStyle/>
+                    <a:p>
+                      <a:endParaRPr lang="zh-CN" altLang="en-US"/>
+                    </a:p>
+                  </a:txBody>
+                  <a:tcPr/>
+                </a:tc>
+                <a:tc>
+                  <a:txBody>
+                    <a:bodyPr/>
+                    <a:lstStyle/>
+                    <a:p>
+                      <a:endParaRPr lang="zh-CN" altLang="en-US"/>
+                    </a:p>
+                  </a:txBody>
+                  <a:tcPr/>
+                </a:tc>
+                <a:extLst>
+                  <a:ext uri="{0D108BD9-81ED-4DB2-BD59-A6C34878D82A}">
+                    <a16:rowId xmlns:a16="http://schemas.microsoft.com/office/drawing/2014/main" val="399295081"/>
+                  </a:ext>
+                </a:extLst>
+              </a:tr>
+              <a:tr h="223943">
+                <a:tc>
+                  <a:txBody>
+                    <a:bodyPr/>
+                    <a:lstStyle/>
+                    <a:p>
+                      <a:r>
+                        <a:rPr lang="zh-CN" altLang="en-US"/>
+                        <a:t>特征</a:t>
+                      </a:r>
+                      <a:r>
+                        <a:rPr lang="en-US" altLang="zh-CN"/>
+                        <a:t>n</a:t>
+                      </a:r>
+                      <a:endParaRPr lang="zh-CN" altLang="en-US"/>
+                    </a:p>
+                  </a:txBody>
+                  <a:tcPr/>
+                </a:tc>
+                <a:tc>
+                  <a:txBody>
+                    <a:bodyPr/>
+                    <a:lstStyle/>
+                    <a:p>
+                      <a:endParaRPr lang="zh-CN" altLang="en-US"/>
+                    </a:p>
+                  </a:txBody>
+                  <a:tcPr/>
+                </a:tc>
+                <a:tc>
+                  <a:txBody>
+                    <a:bodyPr/>
+                    <a:lstStyle/>
+                    <a:p>
+                      <a:endParaRPr lang="zh-CN" altLang="en-US"/>
+                    </a:p>
+                  </a:txBody>
+                  <a:tcPr/>
+                </a:tc>
+                <a:tc>
+                  <a:txBody>
+                    <a:bodyPr/>
+                    <a:lstStyle/>
+                    <a:p>
+                      <a:endParaRPr lang="zh-CN" altLang="en-US"/>
+                    </a:p>
+                  </a:txBody>
+                  <a:tcPr/>
+                </a:tc>
+                <a:tc>
+                  <a:txBody>
+                    <a:bodyPr/>
+                    <a:lstStyle/>
+                    <a:p>
+                      <a:endParaRPr lang="zh-CN" altLang="en-US"/>
+                    </a:p>
+                  </a:txBody>
+                  <a:tcPr/>
+                </a:tc>
+                <a:extLst>
+                  <a:ext uri="{0D108BD9-81ED-4DB2-BD59-A6C34878D82A}">
+                    <a16:rowId xmlns:a16="http://schemas.microsoft.com/office/drawing/2014/main" val="1853626257"/>
+                  </a:ext>
+                </a:extLst>
+              </a:tr>
+            </a:tbl>
+          </a:graphicData>
+        </a:graphic>
+      </p:graphicFrame>
+      <p:sp>
+        <p:nvSpPr>
+          <p:cNvPr id="6" name="文本框 5">
+            <a:extLst>
+              <a:ext uri="{FF2B5EF4-FFF2-40B4-BE49-F238E27FC236}">
+                <a16:creationId xmlns:a16="http://schemas.microsoft.com/office/drawing/2014/main" id="{31E82270-501B-4DCC-BD33-947139389848}"/>
+              </a:ext>
+            </a:extLst>
+          </p:cNvPr>
+          <p:cNvSpPr txBox="1"/>
+          <p:nvPr/>
+        </p:nvSpPr>
+        <p:spPr>
+          <a:xfrm>
+            <a:off x="1183588" y="4929326"/>
+            <a:ext cx="7322838" cy="923330"/>
+          </a:xfrm>
+          <a:prstGeom prst="rect">
+            <a:avLst/>
+          </a:prstGeom>
+          <a:noFill/>
+        </p:spPr>
+        <p:txBody>
+          <a:bodyPr wrap="none" rtlCol="0">
+            <a:spAutoFit/>
+          </a:bodyPr>
+          <a:lstStyle/>
+          <a:p>
+            <a:r>
+              <a:rPr lang="zh-CN" altLang="en-US"/>
+              <a:t>直接求解</a:t>
+            </a:r>
+            <a:r>
+              <a:rPr lang="en-US" altLang="zh-CN"/>
+              <a:t>P(</a:t>
+            </a:r>
+            <a:r>
+              <a:rPr lang="en-US" altLang="zh-CN" b="1"/>
+              <a:t>X</a:t>
+            </a:r>
+            <a:r>
+              <a:rPr lang="en-US" altLang="zh-CN"/>
+              <a:t>,Y)=P(Y)P(</a:t>
+            </a:r>
+            <a:r>
+              <a:rPr lang="en-US" altLang="zh-CN" b="1"/>
+              <a:t>X</a:t>
+            </a:r>
+            <a:r>
+              <a:rPr lang="en-US" altLang="zh-CN"/>
+              <a:t>|Y)</a:t>
+            </a:r>
+            <a:r>
+              <a:rPr lang="zh-CN" altLang="en-US"/>
+              <a:t>表达式，因此为生成模型。</a:t>
+            </a:r>
+            <a:r>
+              <a:rPr lang="en-US" altLang="zh-CN"/>
+              <a:t>P(</a:t>
+            </a:r>
+            <a:r>
+              <a:rPr lang="en-US" altLang="zh-CN" b="1"/>
+              <a:t>X</a:t>
+            </a:r>
+            <a:r>
+              <a:rPr lang="en-US" altLang="zh-CN"/>
+              <a:t>|Y)</a:t>
+            </a:r>
+            <a:r>
+              <a:rPr lang="zh-CN" altLang="en-US"/>
+              <a:t>很难估计，</a:t>
+            </a:r>
+            <a:endParaRPr lang="en-US" altLang="zh-CN"/>
+          </a:p>
+          <a:p>
+            <a:r>
+              <a:rPr lang="zh-CN" altLang="en-US"/>
+              <a:t>于是假设特征</a:t>
+            </a:r>
+            <a:r>
+              <a:rPr lang="en-US" altLang="zh-CN"/>
+              <a:t>X</a:t>
+            </a:r>
+            <a:r>
+              <a:rPr lang="zh-CN" altLang="en-US"/>
+              <a:t>之间相互条件独立，从而简化</a:t>
+            </a:r>
+            <a:r>
+              <a:rPr lang="en-US" altLang="zh-CN"/>
+              <a:t>P(</a:t>
+            </a:r>
+            <a:r>
+              <a:rPr lang="en-US" altLang="zh-CN" b="1"/>
+              <a:t>X</a:t>
+            </a:r>
+            <a:r>
+              <a:rPr lang="en-US" altLang="zh-CN"/>
+              <a:t>|Y)</a:t>
+            </a:r>
+            <a:r>
+              <a:rPr lang="zh-CN" altLang="en-US"/>
+              <a:t>的估计。</a:t>
+            </a:r>
+            <a:endParaRPr lang="en-US" altLang="zh-CN"/>
+          </a:p>
+          <a:p>
+            <a:r>
+              <a:rPr lang="zh-CN" altLang="en-US"/>
+              <a:t>此时，</a:t>
+            </a:r>
+            <a:r>
+              <a:rPr lang="en-US" altLang="zh-CN"/>
+              <a:t>X</a:t>
+            </a:r>
+            <a:r>
+              <a:rPr lang="zh-CN" altLang="en-US"/>
+              <a:t>取为一个特征而不是特征集。</a:t>
+            </a:r>
+          </a:p>
+        </p:txBody>
+      </p:sp>
+    </p:spTree>
+    <p:extLst>
+      <p:ext uri="{BB962C8B-B14F-4D97-AF65-F5344CB8AC3E}">
+        <p14:creationId xmlns:p14="http://schemas.microsoft.com/office/powerpoint/2010/main" val="1044619588"/>
       </p:ext>
     </p:extLst>
   </p:cSld>
